--- a/docs/es-lightnig-talk.pptx
+++ b/docs/es-lightnig-talk.pptx
@@ -5,20 +5,29 @@
     <p:sldMasterId id="2147483648" r:id="rId4"/>
   </p:sldMasterIdLst>
   <p:notesMasterIdLst>
-    <p:notesMasterId r:id="rId13"/>
+    <p:notesMasterId r:id="rId22"/>
   </p:notesMasterIdLst>
   <p:handoutMasterIdLst>
-    <p:handoutMasterId r:id="rId14"/>
+    <p:handoutMasterId r:id="rId23"/>
   </p:handoutMasterIdLst>
   <p:sldIdLst>
     <p:sldId id="295" r:id="rId5"/>
-    <p:sldId id="296" r:id="rId6"/>
-    <p:sldId id="297" r:id="rId7"/>
-    <p:sldId id="299" r:id="rId8"/>
-    <p:sldId id="300" r:id="rId9"/>
-    <p:sldId id="301" r:id="rId10"/>
-    <p:sldId id="302" r:id="rId11"/>
-    <p:sldId id="303" r:id="rId12"/>
+    <p:sldId id="305" r:id="rId6"/>
+    <p:sldId id="310" r:id="rId7"/>
+    <p:sldId id="311" r:id="rId8"/>
+    <p:sldId id="297" r:id="rId9"/>
+    <p:sldId id="309" r:id="rId10"/>
+    <p:sldId id="306" r:id="rId11"/>
+    <p:sldId id="312" r:id="rId12"/>
+    <p:sldId id="300" r:id="rId13"/>
+    <p:sldId id="301" r:id="rId14"/>
+    <p:sldId id="304" r:id="rId15"/>
+    <p:sldId id="302" r:id="rId16"/>
+    <p:sldId id="296" r:id="rId17"/>
+    <p:sldId id="303" r:id="rId18"/>
+    <p:sldId id="313" r:id="rId19"/>
+    <p:sldId id="307" r:id="rId20"/>
+    <p:sldId id="308" r:id="rId21"/>
   </p:sldIdLst>
   <p:sldSz cx="12192000" cy="6858000"/>
   <p:notesSz cx="6858000" cy="1123950"/>
@@ -219,7 +228,7 @@
           <a:p>
             <a:fld id="{04FDB40E-C347-43EF-A518-2CEA939BEC87}" type="datetimeFigureOut">
               <a:rPr lang="nl-BE" smtClean="0"/>
-              <a:t>4/06/2022</a:t>
+              <a:t>14/06/2022</a:t>
             </a:fld>
             <a:endParaRPr lang="nl-BE"/>
           </a:p>
@@ -297,7 +306,7 @@
           <a:p>
             <a:fld id="{9102357F-1D68-4D22-BAC4-EAF54A9DB194}" type="slidenum">
               <a:rPr lang="nl-BE" smtClean="0"/>
-              <a:t>‹nr.›</a:t>
+              <a:t>‹#›</a:t>
             </a:fld>
             <a:endParaRPr lang="nl-BE"/>
           </a:p>
@@ -313,6 +322,35 @@
   <p:clrMap bg1="lt1" tx1="dk1" bg2="lt2" tx2="dk2" accent1="accent1" accent2="accent2" accent3="accent3" accent4="accent4" accent5="accent5" accent6="accent6" hlink="hlink" folHlink="folHlink"/>
   <p:hf hdr="0" dt="0"/>
 </p:handoutMaster>
+</file>
+
+<file path=ppt/ink/ink1.xml><?xml version="1.0" encoding="utf-8"?>
+<inkml:ink xmlns:inkml="http://www.w3.org/2003/InkML">
+  <inkml:definitions>
+    <inkml:context xml:id="ctx0">
+      <inkml:inkSource xml:id="inkSrc0">
+        <inkml:traceFormat>
+          <inkml:channel name="X" type="integer" min="-2.14748E9" max="2.14748E9" units="cm"/>
+          <inkml:channel name="Y" type="integer" min="-2.14748E9" max="2.14748E9" units="cm"/>
+        </inkml:traceFormat>
+        <inkml:channelProperties>
+          <inkml:channelProperty channel="X" name="resolution" value="1000" units="1/cm"/>
+          <inkml:channelProperty channel="Y" name="resolution" value="1000" units="1/cm"/>
+        </inkml:channelProperties>
+      </inkml:inkSource>
+      <inkml:timestamp xml:id="ts0" timeString="2022-06-14T11:13:48.805"/>
+    </inkml:context>
+    <inkml:brush xml:id="br0">
+      <inkml:brushProperty name="width" value="0.3" units="cm"/>
+      <inkml:brushProperty name="height" value="0.6" units="cm"/>
+      <inkml:brushProperty name="color" value="#FFFC00"/>
+      <inkml:brushProperty name="tip" value="rectangle"/>
+      <inkml:brushProperty name="rasterOp" value="maskPen"/>
+      <inkml:brushProperty name="ignorePressure" value="1"/>
+    </inkml:brush>
+  </inkml:definitions>
+  <inkml:trace contextRef="#ctx0" brushRef="#br0">0 0,'0'0</inkml:trace>
+</inkml:ink>
 </file>
 
 <file path=ppt/notesMasters/notesMaster1.xml><?xml version="1.0" encoding="utf-8"?>
@@ -397,7 +435,7 @@
           <a:p>
             <a:fld id="{E6305347-46F9-4212-99B1-3076D1D366E8}" type="datetimeFigureOut">
               <a:rPr lang="nl-BE" smtClean="0"/>
-              <a:t>4/06/2022</a:t>
+              <a:t>14/06/2022</a:t>
             </a:fld>
             <a:endParaRPr lang="nl-BE"/>
           </a:p>
@@ -556,7 +594,7 @@
           <a:p>
             <a:fld id="{4B410834-8765-42C9-8345-5A1651240283}" type="slidenum">
               <a:rPr lang="nl-BE" smtClean="0"/>
-              <a:t>‹nr.›</a:t>
+              <a:t>‹#›</a:t>
             </a:fld>
             <a:endParaRPr lang="nl-BE"/>
           </a:p>
@@ -685,7 +723,7 @@
       </p:grpSpPr>
       <p:sp>
         <p:nvSpPr>
-          <p:cNvPr id="2" name="Tijdelijke aanduiding voor dia-afbeelding 1"/>
+          <p:cNvPr id="2" name="Slide Image Placeholder 1"/>
           <p:cNvSpPr>
             <a:spLocks noGrp="1" noRot="1" noChangeAspect="1"/>
           </p:cNvSpPr>
@@ -697,7 +735,7 @@
       </p:sp>
       <p:sp>
         <p:nvSpPr>
-          <p:cNvPr id="3" name="Tijdelijke aanduiding voor notities 2"/>
+          <p:cNvPr id="3" name="Notes Placeholder 2"/>
           <p:cNvSpPr>
             <a:spLocks noGrp="1"/>
           </p:cNvSpPr>
@@ -711,6 +749,503 @@
           <a:lstStyle/>
           <a:p>
             <a:r>
+              <a:rPr lang="en-US" dirty="0" err="1"/>
+              <a:t>Ervaring</a:t>
+            </a:r>
+            <a:r>
+              <a:rPr lang="en-US" dirty="0"/>
+              <a:t> </a:t>
+            </a:r>
+            <a:r>
+              <a:rPr lang="en-US" dirty="0" err="1"/>
+              <a:t>polsen</a:t>
+            </a:r>
+            <a:endParaRPr lang="en-US" dirty="0"/>
+          </a:p>
+          <a:p>
+            <a:r>
+              <a:rPr lang="en-US" dirty="0" err="1"/>
+              <a:t>Eventstore</a:t>
+            </a:r>
+            <a:endParaRPr lang="en-US" dirty="0"/>
+          </a:p>
+          <a:p>
+            <a:r>
+              <a:rPr lang="en-US" dirty="0"/>
+              <a:t>Cosmos </a:t>
+            </a:r>
+            <a:r>
+              <a:rPr lang="en-US" dirty="0" err="1"/>
+              <a:t>db</a:t>
+            </a:r>
+            <a:endParaRPr lang="en-BE" dirty="0"/>
+          </a:p>
+        </p:txBody>
+      </p:sp>
+      <p:sp>
+        <p:nvSpPr>
+          <p:cNvPr id="4" name="Footer Placeholder 3"/>
+          <p:cNvSpPr>
+            <a:spLocks noGrp="1"/>
+          </p:cNvSpPr>
+          <p:nvPr>
+            <p:ph type="ftr" sz="quarter" idx="4"/>
+          </p:nvPr>
+        </p:nvSpPr>
+        <p:spPr/>
+        <p:txBody>
+          <a:bodyPr/>
+          <a:lstStyle/>
+          <a:p>
+            <a:endParaRPr lang="nl-BE"/>
+          </a:p>
+        </p:txBody>
+      </p:sp>
+      <p:sp>
+        <p:nvSpPr>
+          <p:cNvPr id="5" name="Slide Number Placeholder 4"/>
+          <p:cNvSpPr>
+            <a:spLocks noGrp="1"/>
+          </p:cNvSpPr>
+          <p:nvPr>
+            <p:ph type="sldNum" sz="quarter" idx="5"/>
+          </p:nvPr>
+        </p:nvSpPr>
+        <p:spPr/>
+        <p:txBody>
+          <a:bodyPr/>
+          <a:lstStyle/>
+          <a:p>
+            <a:fld id="{4B410834-8765-42C9-8345-5A1651240283}" type="slidenum">
+              <a:rPr lang="nl-BE" smtClean="0"/>
+              <a:t>1</a:t>
+            </a:fld>
+            <a:endParaRPr lang="nl-BE"/>
+          </a:p>
+        </p:txBody>
+      </p:sp>
+    </p:spTree>
+    <p:extLst>
+      <p:ext uri="{BB962C8B-B14F-4D97-AF65-F5344CB8AC3E}">
+        <p14:creationId xmlns:p14="http://schemas.microsoft.com/office/powerpoint/2010/main" val="2122365213"/>
+      </p:ext>
+    </p:extLst>
+  </p:cSld>
+  <p:clrMapOvr>
+    <a:masterClrMapping/>
+  </p:clrMapOvr>
+</p:notes>
+</file>
+
+<file path=ppt/notesSlides/notesSlide10.xml><?xml version="1.0" encoding="utf-8"?>
+<p:notes xmlns:a="http://schemas.openxmlformats.org/drawingml/2006/main" xmlns:r="http://schemas.openxmlformats.org/officeDocument/2006/relationships" xmlns:p="http://schemas.openxmlformats.org/presentationml/2006/main">
+  <p:cSld>
+    <p:spTree>
+      <p:nvGrpSpPr>
+        <p:cNvPr id="1" name=""/>
+        <p:cNvGrpSpPr/>
+        <p:nvPr/>
+      </p:nvGrpSpPr>
+      <p:grpSpPr>
+        <a:xfrm>
+          <a:off x="0" y="0"/>
+          <a:ext cx="0" cy="0"/>
+          <a:chOff x="0" y="0"/>
+          <a:chExt cx="0" cy="0"/>
+        </a:xfrm>
+      </p:grpSpPr>
+      <p:sp>
+        <p:nvSpPr>
+          <p:cNvPr id="2" name="Tijdelijke aanduiding voor dia-afbeelding 1"/>
+          <p:cNvSpPr>
+            <a:spLocks noGrp="1" noRot="1" noChangeAspect="1"/>
+          </p:cNvSpPr>
+          <p:nvPr>
+            <p:ph type="sldImg"/>
+          </p:nvPr>
+        </p:nvSpPr>
+        <p:spPr/>
+      </p:sp>
+      <p:sp>
+        <p:nvSpPr>
+          <p:cNvPr id="3" name="Tijdelijke aanduiding voor notities 2"/>
+          <p:cNvSpPr>
+            <a:spLocks noGrp="1"/>
+          </p:cNvSpPr>
+          <p:nvPr>
+            <p:ph type="body" idx="1"/>
+          </p:nvPr>
+        </p:nvSpPr>
+        <p:spPr/>
+        <p:txBody>
+          <a:bodyPr/>
+          <a:lstStyle/>
+          <a:p>
+            <a:r>
+              <a:rPr lang="en-BE" dirty="0"/>
+              <a:t>Aggregate aka Aggregate  Root aka Entity : used to execute commands against, validate business logic and create events</a:t>
+            </a:r>
+          </a:p>
+        </p:txBody>
+      </p:sp>
+      <p:sp>
+        <p:nvSpPr>
+          <p:cNvPr id="4" name="Tijdelijke aanduiding voor voettekst 3"/>
+          <p:cNvSpPr>
+            <a:spLocks noGrp="1"/>
+          </p:cNvSpPr>
+          <p:nvPr>
+            <p:ph type="ftr" sz="quarter" idx="4"/>
+          </p:nvPr>
+        </p:nvSpPr>
+        <p:spPr/>
+        <p:txBody>
+          <a:bodyPr/>
+          <a:lstStyle/>
+          <a:p>
+            <a:endParaRPr lang="nl-BE"/>
+          </a:p>
+        </p:txBody>
+      </p:sp>
+      <p:sp>
+        <p:nvSpPr>
+          <p:cNvPr id="5" name="Tijdelijke aanduiding voor dianummer 4"/>
+          <p:cNvSpPr>
+            <a:spLocks noGrp="1"/>
+          </p:cNvSpPr>
+          <p:nvPr>
+            <p:ph type="sldNum" sz="quarter" idx="5"/>
+          </p:nvPr>
+        </p:nvSpPr>
+        <p:spPr/>
+        <p:txBody>
+          <a:bodyPr/>
+          <a:lstStyle/>
+          <a:p>
+            <a:fld id="{4B410834-8765-42C9-8345-5A1651240283}" type="slidenum">
+              <a:rPr lang="nl-BE" smtClean="0"/>
+              <a:t>10</a:t>
+            </a:fld>
+            <a:endParaRPr lang="nl-BE"/>
+          </a:p>
+        </p:txBody>
+      </p:sp>
+    </p:spTree>
+    <p:extLst>
+      <p:ext uri="{BB962C8B-B14F-4D97-AF65-F5344CB8AC3E}">
+        <p14:creationId xmlns:p14="http://schemas.microsoft.com/office/powerpoint/2010/main" val="3863727725"/>
+      </p:ext>
+    </p:extLst>
+  </p:cSld>
+  <p:clrMapOvr>
+    <a:masterClrMapping/>
+  </p:clrMapOvr>
+</p:notes>
+</file>
+
+<file path=ppt/notesSlides/notesSlide11.xml><?xml version="1.0" encoding="utf-8"?>
+<p:notes xmlns:a="http://schemas.openxmlformats.org/drawingml/2006/main" xmlns:r="http://schemas.openxmlformats.org/officeDocument/2006/relationships" xmlns:p="http://schemas.openxmlformats.org/presentationml/2006/main">
+  <p:cSld>
+    <p:spTree>
+      <p:nvGrpSpPr>
+        <p:cNvPr id="1" name=""/>
+        <p:cNvGrpSpPr/>
+        <p:nvPr/>
+      </p:nvGrpSpPr>
+      <p:grpSpPr>
+        <a:xfrm>
+          <a:off x="0" y="0"/>
+          <a:ext cx="0" cy="0"/>
+          <a:chOff x="0" y="0"/>
+          <a:chExt cx="0" cy="0"/>
+        </a:xfrm>
+      </p:grpSpPr>
+      <p:sp>
+        <p:nvSpPr>
+          <p:cNvPr id="2" name="Tijdelijke aanduiding voor dia-afbeelding 1"/>
+          <p:cNvSpPr>
+            <a:spLocks noGrp="1" noRot="1" noChangeAspect="1"/>
+          </p:cNvSpPr>
+          <p:nvPr>
+            <p:ph type="sldImg"/>
+          </p:nvPr>
+        </p:nvSpPr>
+        <p:spPr/>
+      </p:sp>
+      <p:sp>
+        <p:nvSpPr>
+          <p:cNvPr id="3" name="Tijdelijke aanduiding voor notities 2"/>
+          <p:cNvSpPr>
+            <a:spLocks noGrp="1"/>
+          </p:cNvSpPr>
+          <p:nvPr>
+            <p:ph type="body" idx="1"/>
+          </p:nvPr>
+        </p:nvSpPr>
+        <p:spPr/>
+        <p:txBody>
+          <a:bodyPr/>
+          <a:lstStyle/>
+          <a:p>
+            <a:r>
+              <a:rPr lang="en-BE" dirty="0"/>
+              <a:t>Projections aka Materialized Views: for easy &amp; fast read access, can be rebuilt etc.</a:t>
+            </a:r>
+            <a:endParaRPr lang="en-US" dirty="0"/>
+          </a:p>
+          <a:p>
+            <a:endParaRPr lang="en-US" dirty="0"/>
+          </a:p>
+          <a:p>
+            <a:r>
+              <a:rPr lang="en-US" dirty="0"/>
+              <a:t>Cosmos </a:t>
+            </a:r>
+            <a:r>
+              <a:rPr lang="en-US" dirty="0" err="1"/>
+              <a:t>db</a:t>
+            </a:r>
+            <a:r>
+              <a:rPr lang="en-US" dirty="0"/>
+              <a:t> </a:t>
+            </a:r>
+            <a:r>
+              <a:rPr lang="en-US" dirty="0" err="1"/>
+              <a:t>changefeed</a:t>
+            </a:r>
+            <a:r>
+              <a:rPr lang="en-US" dirty="0"/>
+              <a:t> as trigger, events are provided in sequence of writing</a:t>
+            </a:r>
+            <a:endParaRPr lang="en-BE" dirty="0"/>
+          </a:p>
+        </p:txBody>
+      </p:sp>
+      <p:sp>
+        <p:nvSpPr>
+          <p:cNvPr id="4" name="Tijdelijke aanduiding voor voettekst 3"/>
+          <p:cNvSpPr>
+            <a:spLocks noGrp="1"/>
+          </p:cNvSpPr>
+          <p:nvPr>
+            <p:ph type="ftr" sz="quarter" idx="4"/>
+          </p:nvPr>
+        </p:nvSpPr>
+        <p:spPr/>
+        <p:txBody>
+          <a:bodyPr/>
+          <a:lstStyle/>
+          <a:p>
+            <a:endParaRPr lang="nl-BE"/>
+          </a:p>
+        </p:txBody>
+      </p:sp>
+      <p:sp>
+        <p:nvSpPr>
+          <p:cNvPr id="5" name="Tijdelijke aanduiding voor dianummer 4"/>
+          <p:cNvSpPr>
+            <a:spLocks noGrp="1"/>
+          </p:cNvSpPr>
+          <p:nvPr>
+            <p:ph type="sldNum" sz="quarter" idx="5"/>
+          </p:nvPr>
+        </p:nvSpPr>
+        <p:spPr/>
+        <p:txBody>
+          <a:bodyPr/>
+          <a:lstStyle/>
+          <a:p>
+            <a:fld id="{4B410834-8765-42C9-8345-5A1651240283}" type="slidenum">
+              <a:rPr lang="nl-BE" smtClean="0"/>
+              <a:t>11</a:t>
+            </a:fld>
+            <a:endParaRPr lang="nl-BE"/>
+          </a:p>
+        </p:txBody>
+      </p:sp>
+    </p:spTree>
+    <p:extLst>
+      <p:ext uri="{BB962C8B-B14F-4D97-AF65-F5344CB8AC3E}">
+        <p14:creationId xmlns:p14="http://schemas.microsoft.com/office/powerpoint/2010/main" val="2868773400"/>
+      </p:ext>
+    </p:extLst>
+  </p:cSld>
+  <p:clrMapOvr>
+    <a:masterClrMapping/>
+  </p:clrMapOvr>
+</p:notes>
+</file>
+
+<file path=ppt/notesSlides/notesSlide12.xml><?xml version="1.0" encoding="utf-8"?>
+<p:notes xmlns:a="http://schemas.openxmlformats.org/drawingml/2006/main" xmlns:r="http://schemas.openxmlformats.org/officeDocument/2006/relationships" xmlns:p="http://schemas.openxmlformats.org/presentationml/2006/main">
+  <p:cSld>
+    <p:spTree>
+      <p:nvGrpSpPr>
+        <p:cNvPr id="1" name=""/>
+        <p:cNvGrpSpPr/>
+        <p:nvPr/>
+      </p:nvGrpSpPr>
+      <p:grpSpPr>
+        <a:xfrm>
+          <a:off x="0" y="0"/>
+          <a:ext cx="0" cy="0"/>
+          <a:chOff x="0" y="0"/>
+          <a:chExt cx="0" cy="0"/>
+        </a:xfrm>
+      </p:grpSpPr>
+      <p:sp>
+        <p:nvSpPr>
+          <p:cNvPr id="2" name="Slide Image Placeholder 1"/>
+          <p:cNvSpPr>
+            <a:spLocks noGrp="1" noRot="1" noChangeAspect="1"/>
+          </p:cNvSpPr>
+          <p:nvPr>
+            <p:ph type="sldImg"/>
+          </p:nvPr>
+        </p:nvSpPr>
+        <p:spPr/>
+      </p:sp>
+      <p:sp>
+        <p:nvSpPr>
+          <p:cNvPr id="3" name="Notes Placeholder 2"/>
+          <p:cNvSpPr>
+            <a:spLocks noGrp="1"/>
+          </p:cNvSpPr>
+          <p:nvPr>
+            <p:ph type="body" idx="1"/>
+          </p:nvPr>
+        </p:nvSpPr>
+        <p:spPr/>
+        <p:txBody>
+          <a:bodyPr/>
+          <a:lstStyle/>
+          <a:p>
+            <a:r>
+              <a:rPr lang="en-US" dirty="0"/>
+              <a:t>PUT PATCH POST DELETE</a:t>
+            </a:r>
+          </a:p>
+          <a:p>
+            <a:endParaRPr lang="en-US" dirty="0"/>
+          </a:p>
+          <a:p>
+            <a:r>
+              <a:rPr lang="en-US" dirty="0"/>
+              <a:t>Vs</a:t>
+            </a:r>
+          </a:p>
+          <a:p>
+            <a:endParaRPr lang="en-US" dirty="0"/>
+          </a:p>
+          <a:p>
+            <a:r>
+              <a:rPr lang="en-US" dirty="0"/>
+              <a:t>GET</a:t>
+            </a:r>
+            <a:endParaRPr lang="en-BE" dirty="0"/>
+          </a:p>
+        </p:txBody>
+      </p:sp>
+      <p:sp>
+        <p:nvSpPr>
+          <p:cNvPr id="4" name="Footer Placeholder 3"/>
+          <p:cNvSpPr>
+            <a:spLocks noGrp="1"/>
+          </p:cNvSpPr>
+          <p:nvPr>
+            <p:ph type="ftr" sz="quarter" idx="4"/>
+          </p:nvPr>
+        </p:nvSpPr>
+        <p:spPr/>
+        <p:txBody>
+          <a:bodyPr/>
+          <a:lstStyle/>
+          <a:p>
+            <a:endParaRPr lang="nl-BE"/>
+          </a:p>
+        </p:txBody>
+      </p:sp>
+      <p:sp>
+        <p:nvSpPr>
+          <p:cNvPr id="5" name="Slide Number Placeholder 4"/>
+          <p:cNvSpPr>
+            <a:spLocks noGrp="1"/>
+          </p:cNvSpPr>
+          <p:nvPr>
+            <p:ph type="sldNum" sz="quarter" idx="5"/>
+          </p:nvPr>
+        </p:nvSpPr>
+        <p:spPr/>
+        <p:txBody>
+          <a:bodyPr/>
+          <a:lstStyle/>
+          <a:p>
+            <a:fld id="{4B410834-8765-42C9-8345-5A1651240283}" type="slidenum">
+              <a:rPr lang="nl-BE" smtClean="0"/>
+              <a:t>12</a:t>
+            </a:fld>
+            <a:endParaRPr lang="nl-BE"/>
+          </a:p>
+        </p:txBody>
+      </p:sp>
+    </p:spTree>
+    <p:extLst>
+      <p:ext uri="{BB962C8B-B14F-4D97-AF65-F5344CB8AC3E}">
+        <p14:creationId xmlns:p14="http://schemas.microsoft.com/office/powerpoint/2010/main" val="267114248"/>
+      </p:ext>
+    </p:extLst>
+  </p:cSld>
+  <p:clrMapOvr>
+    <a:masterClrMapping/>
+  </p:clrMapOvr>
+</p:notes>
+</file>
+
+<file path=ppt/notesSlides/notesSlide13.xml><?xml version="1.0" encoding="utf-8"?>
+<p:notes xmlns:a="http://schemas.openxmlformats.org/drawingml/2006/main" xmlns:r="http://schemas.openxmlformats.org/officeDocument/2006/relationships" xmlns:p="http://schemas.openxmlformats.org/presentationml/2006/main">
+  <p:cSld>
+    <p:spTree>
+      <p:nvGrpSpPr>
+        <p:cNvPr id="1" name=""/>
+        <p:cNvGrpSpPr/>
+        <p:nvPr/>
+      </p:nvGrpSpPr>
+      <p:grpSpPr>
+        <a:xfrm>
+          <a:off x="0" y="0"/>
+          <a:ext cx="0" cy="0"/>
+          <a:chOff x="0" y="0"/>
+          <a:chExt cx="0" cy="0"/>
+        </a:xfrm>
+      </p:grpSpPr>
+      <p:sp>
+        <p:nvSpPr>
+          <p:cNvPr id="2" name="Tijdelijke aanduiding voor dia-afbeelding 1"/>
+          <p:cNvSpPr>
+            <a:spLocks noGrp="1" noRot="1" noChangeAspect="1"/>
+          </p:cNvSpPr>
+          <p:nvPr>
+            <p:ph type="sldImg"/>
+          </p:nvPr>
+        </p:nvSpPr>
+        <p:spPr/>
+      </p:sp>
+      <p:sp>
+        <p:nvSpPr>
+          <p:cNvPr id="3" name="Tijdelijke aanduiding voor notities 2"/>
+          <p:cNvSpPr>
+            <a:spLocks noGrp="1"/>
+          </p:cNvSpPr>
+          <p:nvPr>
+            <p:ph type="body" idx="1"/>
+          </p:nvPr>
+        </p:nvSpPr>
+        <p:spPr/>
+        <p:txBody>
+          <a:bodyPr/>
+          <a:lstStyle/>
+          <a:p>
+            <a:r>
               <a:rPr lang="en-BE" dirty="0"/>
               <a:t>Very specific use-cases can be </a:t>
             </a:r>
@@ -773,7 +1308,7 @@
           <a:p>
             <a:fld id="{4B410834-8765-42C9-8345-5A1651240283}" type="slidenum">
               <a:rPr lang="nl-BE" smtClean="0"/>
-              <a:t>2</a:t>
+              <a:t>13</a:t>
             </a:fld>
             <a:endParaRPr lang="nl-BE"/>
           </a:p>
@@ -860,15 +1395,10 @@
               <a:rPr lang="en-BE" dirty="0"/>
               <a:t>t? Ask the recipient to return some of the money</a:t>
             </a:r>
+            <a:endParaRPr lang="en-US" dirty="0"/>
           </a:p>
           <a:p>
             <a:endParaRPr lang="en-BE" dirty="0"/>
-          </a:p>
-          <a:p>
-            <a:r>
-              <a:rPr lang="en-BE" dirty="0"/>
-              <a:t>fact can also be something that a user tried to do, but failed</a:t>
-            </a:r>
           </a:p>
         </p:txBody>
       </p:sp>
@@ -908,7 +1438,7 @@
           <a:p>
             <a:fld id="{4B410834-8765-42C9-8345-5A1651240283}" type="slidenum">
               <a:rPr lang="nl-BE" smtClean="0"/>
-              <a:t>3</a:t>
+              <a:t>2</a:t>
             </a:fld>
             <a:endParaRPr lang="nl-BE"/>
           </a:p>
@@ -917,7 +1447,7 @@
     </p:spTree>
     <p:extLst>
       <p:ext uri="{BB962C8B-B14F-4D97-AF65-F5344CB8AC3E}">
-        <p14:creationId xmlns:p14="http://schemas.microsoft.com/office/powerpoint/2010/main" val="3796550215"/>
+        <p14:creationId xmlns:p14="http://schemas.microsoft.com/office/powerpoint/2010/main" val="1843772972"/>
       </p:ext>
     </p:extLst>
   </p:cSld>
@@ -946,7 +1476,7 @@
       </p:grpSpPr>
       <p:sp>
         <p:nvSpPr>
-          <p:cNvPr id="2" name="Tijdelijke aanduiding voor dia-afbeelding 1"/>
+          <p:cNvPr id="2" name="Slide Image Placeholder 1"/>
           <p:cNvSpPr>
             <a:spLocks noGrp="1" noRot="1" noChangeAspect="1"/>
           </p:cNvSpPr>
@@ -958,7 +1488,7 @@
       </p:sp>
       <p:sp>
         <p:nvSpPr>
-          <p:cNvPr id="3" name="Tijdelijke aanduiding voor notities 2"/>
+          <p:cNvPr id="3" name="Notes Placeholder 2"/>
           <p:cNvSpPr>
             <a:spLocks noGrp="1"/>
           </p:cNvSpPr>
@@ -971,16 +1501,13 @@
           <a:bodyPr/>
           <a:lstStyle/>
           <a:p>
-            <a:r>
-              <a:rPr lang="en-BE" dirty="0"/>
-              <a:t>Added benefit: the possibility to create materialized views on data from the past</a:t>
-            </a:r>
-          </a:p>
-        </p:txBody>
-      </p:sp>
-      <p:sp>
-        <p:nvSpPr>
-          <p:cNvPr id="4" name="Tijdelijke aanduiding voor voettekst 3"/>
+            <a:endParaRPr lang="en-BE" dirty="0"/>
+          </a:p>
+        </p:txBody>
+      </p:sp>
+      <p:sp>
+        <p:nvSpPr>
+          <p:cNvPr id="4" name="Footer Placeholder 3"/>
           <p:cNvSpPr>
             <a:spLocks noGrp="1"/>
           </p:cNvSpPr>
@@ -999,7 +1526,7 @@
       </p:sp>
       <p:sp>
         <p:nvSpPr>
-          <p:cNvPr id="5" name="Tijdelijke aanduiding voor dianummer 4"/>
+          <p:cNvPr id="5" name="Slide Number Placeholder 4"/>
           <p:cNvSpPr>
             <a:spLocks noGrp="1"/>
           </p:cNvSpPr>
@@ -1014,7 +1541,7 @@
           <a:p>
             <a:fld id="{4B410834-8765-42C9-8345-5A1651240283}" type="slidenum">
               <a:rPr lang="nl-BE" smtClean="0"/>
-              <a:t>5</a:t>
+              <a:t>3</a:t>
             </a:fld>
             <a:endParaRPr lang="nl-BE"/>
           </a:p>
@@ -1023,7 +1550,7 @@
     </p:spTree>
     <p:extLst>
       <p:ext uri="{BB962C8B-B14F-4D97-AF65-F5344CB8AC3E}">
-        <p14:creationId xmlns:p14="http://schemas.microsoft.com/office/powerpoint/2010/main" val="1491148940"/>
+        <p14:creationId xmlns:p14="http://schemas.microsoft.com/office/powerpoint/2010/main" val="4221065064"/>
       </p:ext>
     </p:extLst>
   </p:cSld>
@@ -1052,7 +1579,7 @@
       </p:grpSpPr>
       <p:sp>
         <p:nvSpPr>
-          <p:cNvPr id="2" name="Tijdelijke aanduiding voor dia-afbeelding 1"/>
+          <p:cNvPr id="2" name="Slide Image Placeholder 1"/>
           <p:cNvSpPr>
             <a:spLocks noGrp="1" noRot="1" noChangeAspect="1"/>
           </p:cNvSpPr>
@@ -1064,7 +1591,7 @@
       </p:sp>
       <p:sp>
         <p:nvSpPr>
-          <p:cNvPr id="3" name="Tijdelijke aanduiding voor notities 2"/>
+          <p:cNvPr id="3" name="Notes Placeholder 2"/>
           <p:cNvSpPr>
             <a:spLocks noGrp="1"/>
           </p:cNvSpPr>
@@ -1078,27 +1605,18 @@
           <a:lstStyle/>
           <a:p>
             <a:r>
-              <a:rPr lang="en-BE" dirty="0"/>
-              <a:t>Aggregate aka Aggregate  Root aka Entity : used to execute commands against, validate business logic and create events</a:t>
-            </a:r>
-          </a:p>
-          <a:p>
-            <a:r>
-              <a:rPr lang="en-BE" dirty="0"/>
-              <a:t>Projections aka Materialized Views: for easy &amp; fast read access, can be rebuilt etc.</a:t>
-            </a:r>
-          </a:p>
-          <a:p>
-            <a:r>
-              <a:rPr lang="en-BE" dirty="0"/>
-              <a:t>Actors aka Subscriptions: reacting on events that happened, excluded from replay scenario’s</a:t>
-            </a:r>
-          </a:p>
-        </p:txBody>
-      </p:sp>
-      <p:sp>
-        <p:nvSpPr>
-          <p:cNvPr id="4" name="Tijdelijke aanduiding voor voettekst 3"/>
+              <a:rPr lang="en-US" dirty="0"/>
+              <a:t>Stores a list of events in the order they have been recorded</a:t>
+            </a:r>
+          </a:p>
+          <a:p>
+            <a:endParaRPr lang="en-BE" dirty="0"/>
+          </a:p>
+        </p:txBody>
+      </p:sp>
+      <p:sp>
+        <p:nvSpPr>
+          <p:cNvPr id="4" name="Footer Placeholder 3"/>
           <p:cNvSpPr>
             <a:spLocks noGrp="1"/>
           </p:cNvSpPr>
@@ -1117,7 +1635,262 @@
       </p:sp>
       <p:sp>
         <p:nvSpPr>
+          <p:cNvPr id="5" name="Slide Number Placeholder 4"/>
+          <p:cNvSpPr>
+            <a:spLocks noGrp="1"/>
+          </p:cNvSpPr>
+          <p:nvPr>
+            <p:ph type="sldNum" sz="quarter" idx="5"/>
+          </p:nvPr>
+        </p:nvSpPr>
+        <p:spPr/>
+        <p:txBody>
+          <a:bodyPr/>
+          <a:lstStyle/>
+          <a:p>
+            <a:fld id="{4B410834-8765-42C9-8345-5A1651240283}" type="slidenum">
+              <a:rPr lang="nl-BE" smtClean="0"/>
+              <a:t>4</a:t>
+            </a:fld>
+            <a:endParaRPr lang="nl-BE"/>
+          </a:p>
+        </p:txBody>
+      </p:sp>
+    </p:spTree>
+    <p:extLst>
+      <p:ext uri="{BB962C8B-B14F-4D97-AF65-F5344CB8AC3E}">
+        <p14:creationId xmlns:p14="http://schemas.microsoft.com/office/powerpoint/2010/main" val="1697452077"/>
+      </p:ext>
+    </p:extLst>
+  </p:cSld>
+  <p:clrMapOvr>
+    <a:masterClrMapping/>
+  </p:clrMapOvr>
+</p:notes>
+</file>
+
+<file path=ppt/notesSlides/notesSlide5.xml><?xml version="1.0" encoding="utf-8"?>
+<p:notes xmlns:a="http://schemas.openxmlformats.org/drawingml/2006/main" xmlns:r="http://schemas.openxmlformats.org/officeDocument/2006/relationships" xmlns:p="http://schemas.openxmlformats.org/presentationml/2006/main">
+  <p:cSld>
+    <p:spTree>
+      <p:nvGrpSpPr>
+        <p:cNvPr id="1" name=""/>
+        <p:cNvGrpSpPr/>
+        <p:nvPr/>
+      </p:nvGrpSpPr>
+      <p:grpSpPr>
+        <a:xfrm>
+          <a:off x="0" y="0"/>
+          <a:ext cx="0" cy="0"/>
+          <a:chOff x="0" y="0"/>
+          <a:chExt cx="0" cy="0"/>
+        </a:xfrm>
+      </p:grpSpPr>
+      <p:sp>
+        <p:nvSpPr>
+          <p:cNvPr id="2" name="Tijdelijke aanduiding voor dia-afbeelding 1"/>
+          <p:cNvSpPr>
+            <a:spLocks noGrp="1" noRot="1" noChangeAspect="1"/>
+          </p:cNvSpPr>
+          <p:nvPr>
+            <p:ph type="sldImg"/>
+          </p:nvPr>
+        </p:nvSpPr>
+        <p:spPr/>
+      </p:sp>
+      <p:sp>
+        <p:nvSpPr>
+          <p:cNvPr id="3" name="Tijdelijke aanduiding voor notities 2"/>
+          <p:cNvSpPr>
+            <a:spLocks noGrp="1"/>
+          </p:cNvSpPr>
+          <p:nvPr>
+            <p:ph type="body" idx="1"/>
+          </p:nvPr>
+        </p:nvSpPr>
+        <p:spPr/>
+        <p:txBody>
+          <a:bodyPr/>
+          <a:lstStyle/>
+          <a:p>
+            <a:r>
+              <a:rPr lang="en-US" dirty="0"/>
+              <a:t>The design of an event is crucial within an event sourced project. Because once an event has been written, it will exist forever.</a:t>
+            </a:r>
+          </a:p>
+          <a:p>
+            <a:r>
+              <a:rPr lang="en-US" dirty="0"/>
+              <a:t>An event needs to contain enough context to replay event</a:t>
+            </a:r>
+            <a:endParaRPr lang="en-BE" dirty="0"/>
+          </a:p>
+        </p:txBody>
+      </p:sp>
+      <p:sp>
+        <p:nvSpPr>
+          <p:cNvPr id="4" name="Tijdelijke aanduiding voor voettekst 3"/>
+          <p:cNvSpPr>
+            <a:spLocks noGrp="1"/>
+          </p:cNvSpPr>
+          <p:nvPr>
+            <p:ph type="ftr" sz="quarter" idx="4"/>
+          </p:nvPr>
+        </p:nvSpPr>
+        <p:spPr/>
+        <p:txBody>
+          <a:bodyPr/>
+          <a:lstStyle/>
+          <a:p>
+            <a:endParaRPr lang="nl-BE"/>
+          </a:p>
+        </p:txBody>
+      </p:sp>
+      <p:sp>
+        <p:nvSpPr>
           <p:cNvPr id="5" name="Tijdelijke aanduiding voor dianummer 4"/>
+          <p:cNvSpPr>
+            <a:spLocks noGrp="1"/>
+          </p:cNvSpPr>
+          <p:nvPr>
+            <p:ph type="sldNum" sz="quarter" idx="5"/>
+          </p:nvPr>
+        </p:nvSpPr>
+        <p:spPr/>
+        <p:txBody>
+          <a:bodyPr/>
+          <a:lstStyle/>
+          <a:p>
+            <a:fld id="{4B410834-8765-42C9-8345-5A1651240283}" type="slidenum">
+              <a:rPr lang="nl-BE" smtClean="0"/>
+              <a:t>5</a:t>
+            </a:fld>
+            <a:endParaRPr lang="nl-BE"/>
+          </a:p>
+        </p:txBody>
+      </p:sp>
+    </p:spTree>
+    <p:extLst>
+      <p:ext uri="{BB962C8B-B14F-4D97-AF65-F5344CB8AC3E}">
+        <p14:creationId xmlns:p14="http://schemas.microsoft.com/office/powerpoint/2010/main" val="3796550215"/>
+      </p:ext>
+    </p:extLst>
+  </p:cSld>
+  <p:clrMapOvr>
+    <a:masterClrMapping/>
+  </p:clrMapOvr>
+</p:notes>
+</file>
+
+<file path=ppt/notesSlides/notesSlide6.xml><?xml version="1.0" encoding="utf-8"?>
+<p:notes xmlns:a="http://schemas.openxmlformats.org/drawingml/2006/main" xmlns:r="http://schemas.openxmlformats.org/officeDocument/2006/relationships" xmlns:p="http://schemas.openxmlformats.org/presentationml/2006/main">
+  <p:cSld>
+    <p:spTree>
+      <p:nvGrpSpPr>
+        <p:cNvPr id="1" name=""/>
+        <p:cNvGrpSpPr/>
+        <p:nvPr/>
+      </p:nvGrpSpPr>
+      <p:grpSpPr>
+        <a:xfrm>
+          <a:off x="0" y="0"/>
+          <a:ext cx="0" cy="0"/>
+          <a:chOff x="0" y="0"/>
+          <a:chExt cx="0" cy="0"/>
+        </a:xfrm>
+      </p:grpSpPr>
+      <p:sp>
+        <p:nvSpPr>
+          <p:cNvPr id="2" name="Slide Image Placeholder 1"/>
+          <p:cNvSpPr>
+            <a:spLocks noGrp="1" noRot="1" noChangeAspect="1"/>
+          </p:cNvSpPr>
+          <p:nvPr>
+            <p:ph type="sldImg"/>
+          </p:nvPr>
+        </p:nvSpPr>
+        <p:spPr/>
+      </p:sp>
+      <p:sp>
+        <p:nvSpPr>
+          <p:cNvPr id="3" name="Notes Placeholder 2"/>
+          <p:cNvSpPr>
+            <a:spLocks noGrp="1"/>
+          </p:cNvSpPr>
+          <p:nvPr>
+            <p:ph type="body" idx="1"/>
+          </p:nvPr>
+        </p:nvSpPr>
+        <p:spPr/>
+        <p:txBody>
+          <a:bodyPr/>
+          <a:lstStyle/>
+          <a:p>
+            <a:pPr marL="0" marR="0" lvl="0" indent="0" algn="l" defTabSz="914400" rtl="0" eaLnBrk="1" fontAlgn="auto" latinLnBrk="0" hangingPunct="1">
+              <a:lnSpc>
+                <a:spcPct val="100000"/>
+              </a:lnSpc>
+              <a:spcBef>
+                <a:spcPts val="0"/>
+              </a:spcBef>
+              <a:spcAft>
+                <a:spcPts val="0"/>
+              </a:spcAft>
+              <a:buClrTx/>
+              <a:buSzTx/>
+              <a:buFontTx/>
+              <a:buNone/>
+              <a:tabLst/>
+              <a:defRPr/>
+            </a:pPr>
+            <a:r>
+              <a:rPr lang="en-US" dirty="0"/>
+              <a:t>An event can also represent </a:t>
+            </a:r>
+            <a:r>
+              <a:rPr lang="en-BE" dirty="0"/>
+              <a:t>something that a user tried to do</a:t>
+            </a:r>
+            <a:r>
+              <a:rPr lang="en-US" dirty="0"/>
+              <a:t> </a:t>
+            </a:r>
+            <a:r>
+              <a:rPr lang="en-BE" dirty="0"/>
+              <a:t>but failed</a:t>
+            </a:r>
+            <a:r>
+              <a:rPr lang="en-US" dirty="0"/>
+              <a:t>. It doesn’t necessarily have to alter the aggregate state.</a:t>
+            </a:r>
+          </a:p>
+          <a:p>
+            <a:endParaRPr lang="en-BE" dirty="0"/>
+          </a:p>
+        </p:txBody>
+      </p:sp>
+      <p:sp>
+        <p:nvSpPr>
+          <p:cNvPr id="4" name="Footer Placeholder 3"/>
+          <p:cNvSpPr>
+            <a:spLocks noGrp="1"/>
+          </p:cNvSpPr>
+          <p:nvPr>
+            <p:ph type="ftr" sz="quarter" idx="4"/>
+          </p:nvPr>
+        </p:nvSpPr>
+        <p:spPr/>
+        <p:txBody>
+          <a:bodyPr/>
+          <a:lstStyle/>
+          <a:p>
+            <a:endParaRPr lang="nl-BE"/>
+          </a:p>
+        </p:txBody>
+      </p:sp>
+      <p:sp>
+        <p:nvSpPr>
+          <p:cNvPr id="5" name="Slide Number Placeholder 4"/>
           <p:cNvSpPr>
             <a:spLocks noGrp="1"/>
           </p:cNvSpPr>
@@ -1141,7 +1914,341 @@
     </p:spTree>
     <p:extLst>
       <p:ext uri="{BB962C8B-B14F-4D97-AF65-F5344CB8AC3E}">
-        <p14:creationId xmlns:p14="http://schemas.microsoft.com/office/powerpoint/2010/main" val="3863727725"/>
+        <p14:creationId xmlns:p14="http://schemas.microsoft.com/office/powerpoint/2010/main" val="3340804779"/>
+      </p:ext>
+    </p:extLst>
+  </p:cSld>
+  <p:clrMapOvr>
+    <a:masterClrMapping/>
+  </p:clrMapOvr>
+</p:notes>
+</file>
+
+<file path=ppt/notesSlides/notesSlide7.xml><?xml version="1.0" encoding="utf-8"?>
+<p:notes xmlns:a="http://schemas.openxmlformats.org/drawingml/2006/main" xmlns:r="http://schemas.openxmlformats.org/officeDocument/2006/relationships" xmlns:p="http://schemas.openxmlformats.org/presentationml/2006/main">
+  <p:cSld>
+    <p:spTree>
+      <p:nvGrpSpPr>
+        <p:cNvPr id="1" name=""/>
+        <p:cNvGrpSpPr/>
+        <p:nvPr/>
+      </p:nvGrpSpPr>
+      <p:grpSpPr>
+        <a:xfrm>
+          <a:off x="0" y="0"/>
+          <a:ext cx="0" cy="0"/>
+          <a:chOff x="0" y="0"/>
+          <a:chExt cx="0" cy="0"/>
+        </a:xfrm>
+      </p:grpSpPr>
+      <p:sp>
+        <p:nvSpPr>
+          <p:cNvPr id="2" name="Tijdelijke aanduiding voor dia-afbeelding 1"/>
+          <p:cNvSpPr>
+            <a:spLocks noGrp="1" noRot="1" noChangeAspect="1"/>
+          </p:cNvSpPr>
+          <p:nvPr>
+            <p:ph type="sldImg"/>
+          </p:nvPr>
+        </p:nvSpPr>
+        <p:spPr/>
+      </p:sp>
+      <p:sp>
+        <p:nvSpPr>
+          <p:cNvPr id="3" name="Tijdelijke aanduiding voor notities 2"/>
+          <p:cNvSpPr>
+            <a:spLocks noGrp="1"/>
+          </p:cNvSpPr>
+          <p:nvPr>
+            <p:ph type="body" idx="1"/>
+          </p:nvPr>
+        </p:nvSpPr>
+        <p:spPr/>
+        <p:txBody>
+          <a:bodyPr/>
+          <a:lstStyle/>
+          <a:p>
+            <a:r>
+              <a:rPr lang="en-US" dirty="0"/>
+              <a:t>The sum of the events = the current state. Order = order of writing</a:t>
+            </a:r>
+          </a:p>
+          <a:p>
+            <a:r>
+              <a:rPr lang="en-US" dirty="0"/>
+              <a:t>Replaying the events recreates the current state.</a:t>
+            </a:r>
+            <a:endParaRPr lang="en-BE" dirty="0"/>
+          </a:p>
+        </p:txBody>
+      </p:sp>
+      <p:sp>
+        <p:nvSpPr>
+          <p:cNvPr id="4" name="Tijdelijke aanduiding voor voettekst 3"/>
+          <p:cNvSpPr>
+            <a:spLocks noGrp="1"/>
+          </p:cNvSpPr>
+          <p:nvPr>
+            <p:ph type="ftr" sz="quarter" idx="4"/>
+          </p:nvPr>
+        </p:nvSpPr>
+        <p:spPr/>
+        <p:txBody>
+          <a:bodyPr/>
+          <a:lstStyle/>
+          <a:p>
+            <a:endParaRPr lang="nl-BE"/>
+          </a:p>
+        </p:txBody>
+      </p:sp>
+      <p:sp>
+        <p:nvSpPr>
+          <p:cNvPr id="5" name="Tijdelijke aanduiding voor dianummer 4"/>
+          <p:cNvSpPr>
+            <a:spLocks noGrp="1"/>
+          </p:cNvSpPr>
+          <p:nvPr>
+            <p:ph type="sldNum" sz="quarter" idx="5"/>
+          </p:nvPr>
+        </p:nvSpPr>
+        <p:spPr/>
+        <p:txBody>
+          <a:bodyPr/>
+          <a:lstStyle/>
+          <a:p>
+            <a:fld id="{4B410834-8765-42C9-8345-5A1651240283}" type="slidenum">
+              <a:rPr lang="nl-BE" smtClean="0"/>
+              <a:t>7</a:t>
+            </a:fld>
+            <a:endParaRPr lang="nl-BE"/>
+          </a:p>
+        </p:txBody>
+      </p:sp>
+    </p:spTree>
+    <p:extLst>
+      <p:ext uri="{BB962C8B-B14F-4D97-AF65-F5344CB8AC3E}">
+        <p14:creationId xmlns:p14="http://schemas.microsoft.com/office/powerpoint/2010/main" val="371690018"/>
+      </p:ext>
+    </p:extLst>
+  </p:cSld>
+  <p:clrMapOvr>
+    <a:masterClrMapping/>
+  </p:clrMapOvr>
+</p:notes>
+</file>
+
+<file path=ppt/notesSlides/notesSlide8.xml><?xml version="1.0" encoding="utf-8"?>
+<p:notes xmlns:a="http://schemas.openxmlformats.org/drawingml/2006/main" xmlns:r="http://schemas.openxmlformats.org/officeDocument/2006/relationships" xmlns:p="http://schemas.openxmlformats.org/presentationml/2006/main">
+  <p:cSld>
+    <p:spTree>
+      <p:nvGrpSpPr>
+        <p:cNvPr id="1" name=""/>
+        <p:cNvGrpSpPr/>
+        <p:nvPr/>
+      </p:nvGrpSpPr>
+      <p:grpSpPr>
+        <a:xfrm>
+          <a:off x="0" y="0"/>
+          <a:ext cx="0" cy="0"/>
+          <a:chOff x="0" y="0"/>
+          <a:chExt cx="0" cy="0"/>
+        </a:xfrm>
+      </p:grpSpPr>
+      <p:sp>
+        <p:nvSpPr>
+          <p:cNvPr id="2" name="Tijdelijke aanduiding voor dia-afbeelding 1"/>
+          <p:cNvSpPr>
+            <a:spLocks noGrp="1" noRot="1" noChangeAspect="1"/>
+          </p:cNvSpPr>
+          <p:nvPr>
+            <p:ph type="sldImg"/>
+          </p:nvPr>
+        </p:nvSpPr>
+        <p:spPr/>
+      </p:sp>
+      <p:sp>
+        <p:nvSpPr>
+          <p:cNvPr id="3" name="Tijdelijke aanduiding voor notities 2"/>
+          <p:cNvSpPr>
+            <a:spLocks noGrp="1"/>
+          </p:cNvSpPr>
+          <p:nvPr>
+            <p:ph type="body" idx="1"/>
+          </p:nvPr>
+        </p:nvSpPr>
+        <p:spPr/>
+        <p:txBody>
+          <a:bodyPr/>
+          <a:lstStyle/>
+          <a:p>
+            <a:r>
+              <a:rPr lang="en-US" dirty="0"/>
+              <a:t>Explain events and how state is the result</a:t>
+            </a:r>
+            <a:endParaRPr lang="en-BE" dirty="0"/>
+          </a:p>
+        </p:txBody>
+      </p:sp>
+      <p:sp>
+        <p:nvSpPr>
+          <p:cNvPr id="4" name="Tijdelijke aanduiding voor voettekst 3"/>
+          <p:cNvSpPr>
+            <a:spLocks noGrp="1"/>
+          </p:cNvSpPr>
+          <p:nvPr>
+            <p:ph type="ftr" sz="quarter" idx="4"/>
+          </p:nvPr>
+        </p:nvSpPr>
+        <p:spPr/>
+        <p:txBody>
+          <a:bodyPr/>
+          <a:lstStyle/>
+          <a:p>
+            <a:endParaRPr lang="nl-BE"/>
+          </a:p>
+        </p:txBody>
+      </p:sp>
+      <p:sp>
+        <p:nvSpPr>
+          <p:cNvPr id="5" name="Tijdelijke aanduiding voor dianummer 4"/>
+          <p:cNvSpPr>
+            <a:spLocks noGrp="1"/>
+          </p:cNvSpPr>
+          <p:nvPr>
+            <p:ph type="sldNum" sz="quarter" idx="5"/>
+          </p:nvPr>
+        </p:nvSpPr>
+        <p:spPr/>
+        <p:txBody>
+          <a:bodyPr/>
+          <a:lstStyle/>
+          <a:p>
+            <a:fld id="{4B410834-8765-42C9-8345-5A1651240283}" type="slidenum">
+              <a:rPr lang="nl-BE" smtClean="0"/>
+              <a:t>8</a:t>
+            </a:fld>
+            <a:endParaRPr lang="nl-BE"/>
+          </a:p>
+        </p:txBody>
+      </p:sp>
+    </p:spTree>
+    <p:extLst>
+      <p:ext uri="{BB962C8B-B14F-4D97-AF65-F5344CB8AC3E}">
+        <p14:creationId xmlns:p14="http://schemas.microsoft.com/office/powerpoint/2010/main" val="1582459778"/>
+      </p:ext>
+    </p:extLst>
+  </p:cSld>
+  <p:clrMapOvr>
+    <a:masterClrMapping/>
+  </p:clrMapOvr>
+</p:notes>
+</file>
+
+<file path=ppt/notesSlides/notesSlide9.xml><?xml version="1.0" encoding="utf-8"?>
+<p:notes xmlns:a="http://schemas.openxmlformats.org/drawingml/2006/main" xmlns:r="http://schemas.openxmlformats.org/officeDocument/2006/relationships" xmlns:p="http://schemas.openxmlformats.org/presentationml/2006/main">
+  <p:cSld>
+    <p:spTree>
+      <p:nvGrpSpPr>
+        <p:cNvPr id="1" name=""/>
+        <p:cNvGrpSpPr/>
+        <p:nvPr/>
+      </p:nvGrpSpPr>
+      <p:grpSpPr>
+        <a:xfrm>
+          <a:off x="0" y="0"/>
+          <a:ext cx="0" cy="0"/>
+          <a:chOff x="0" y="0"/>
+          <a:chExt cx="0" cy="0"/>
+        </a:xfrm>
+      </p:grpSpPr>
+      <p:sp>
+        <p:nvSpPr>
+          <p:cNvPr id="2" name="Tijdelijke aanduiding voor dia-afbeelding 1"/>
+          <p:cNvSpPr>
+            <a:spLocks noGrp="1" noRot="1" noChangeAspect="1"/>
+          </p:cNvSpPr>
+          <p:nvPr>
+            <p:ph type="sldImg"/>
+          </p:nvPr>
+        </p:nvSpPr>
+        <p:spPr/>
+      </p:sp>
+      <p:sp>
+        <p:nvSpPr>
+          <p:cNvPr id="3" name="Tijdelijke aanduiding voor notities 2"/>
+          <p:cNvSpPr>
+            <a:spLocks noGrp="1"/>
+          </p:cNvSpPr>
+          <p:nvPr>
+            <p:ph type="body" idx="1"/>
+          </p:nvPr>
+        </p:nvSpPr>
+        <p:spPr/>
+        <p:txBody>
+          <a:bodyPr/>
+          <a:lstStyle/>
+          <a:p>
+            <a:r>
+              <a:rPr lang="en-BE" dirty="0"/>
+              <a:t>Added benefit: the possibility to create </a:t>
+            </a:r>
+            <a:r>
+              <a:rPr lang="en-US" dirty="0"/>
+              <a:t>new projections </a:t>
+            </a:r>
+            <a:r>
+              <a:rPr lang="en-BE" dirty="0"/>
+              <a:t>on data from the past</a:t>
+            </a:r>
+          </a:p>
+        </p:txBody>
+      </p:sp>
+      <p:sp>
+        <p:nvSpPr>
+          <p:cNvPr id="4" name="Tijdelijke aanduiding voor voettekst 3"/>
+          <p:cNvSpPr>
+            <a:spLocks noGrp="1"/>
+          </p:cNvSpPr>
+          <p:nvPr>
+            <p:ph type="ftr" sz="quarter" idx="4"/>
+          </p:nvPr>
+        </p:nvSpPr>
+        <p:spPr/>
+        <p:txBody>
+          <a:bodyPr/>
+          <a:lstStyle/>
+          <a:p>
+            <a:endParaRPr lang="nl-BE"/>
+          </a:p>
+        </p:txBody>
+      </p:sp>
+      <p:sp>
+        <p:nvSpPr>
+          <p:cNvPr id="5" name="Tijdelijke aanduiding voor dianummer 4"/>
+          <p:cNvSpPr>
+            <a:spLocks noGrp="1"/>
+          </p:cNvSpPr>
+          <p:nvPr>
+            <p:ph type="sldNum" sz="quarter" idx="5"/>
+          </p:nvPr>
+        </p:nvSpPr>
+        <p:spPr/>
+        <p:txBody>
+          <a:bodyPr/>
+          <a:lstStyle/>
+          <a:p>
+            <a:fld id="{4B410834-8765-42C9-8345-5A1651240283}" type="slidenum">
+              <a:rPr lang="nl-BE" smtClean="0"/>
+              <a:t>9</a:t>
+            </a:fld>
+            <a:endParaRPr lang="nl-BE"/>
+          </a:p>
+        </p:txBody>
+      </p:sp>
+    </p:spTree>
+    <p:extLst>
+      <p:ext uri="{BB962C8B-B14F-4D97-AF65-F5344CB8AC3E}">
+        <p14:creationId xmlns:p14="http://schemas.microsoft.com/office/powerpoint/2010/main" val="1491148940"/>
       </p:ext>
     </p:extLst>
   </p:cSld>
@@ -1201,7 +2308,7 @@
           <a:noFill/>
           <a:extLst>
             <a:ext uri="{909E8E84-426E-40dd-AFC4-6F175D3DCCD1}">
-              <a14:hiddenFill xmlns="" xmlns:a14="http://schemas.microsoft.com/office/drawing/2010/main">
+              <a14:hiddenFill xmlns:a14="http://schemas.microsoft.com/office/drawing/2010/main" xmlns="">
                 <a:solidFill>
                   <a:srgbClr val="FFFFFF"/>
                 </a:solidFill>
@@ -1261,7 +2368,7 @@
             </a:ln>
             <a:extLst>
               <a:ext uri="{91240B29-F687-4f45-9708-019B960494DF}">
-                <a14:hiddenLine xmlns="" xmlns:a14="http://schemas.microsoft.com/office/drawing/2010/main" w="9525">
+                <a14:hiddenLine xmlns:a14="http://schemas.microsoft.com/office/drawing/2010/main" xmlns="" w="9525">
                   <a:solidFill>
                     <a:srgbClr val="000000"/>
                   </a:solidFill>
@@ -1351,7 +2458,7 @@
             </a:ln>
             <a:extLst>
               <a:ext uri="{91240B29-F687-4f45-9708-019B960494DF}">
-                <a14:hiddenLine xmlns="" xmlns:a14="http://schemas.microsoft.com/office/drawing/2010/main" w="9525">
+                <a14:hiddenLine xmlns:a14="http://schemas.microsoft.com/office/drawing/2010/main" xmlns="" w="9525">
                   <a:solidFill>
                     <a:srgbClr val="000000"/>
                   </a:solidFill>
@@ -1441,7 +2548,7 @@
             </a:ln>
             <a:extLst>
               <a:ext uri="{91240B29-F687-4f45-9708-019B960494DF}">
-                <a14:hiddenLine xmlns="" xmlns:a14="http://schemas.microsoft.com/office/drawing/2010/main" w="9525">
+                <a14:hiddenLine xmlns:a14="http://schemas.microsoft.com/office/drawing/2010/main" xmlns="" w="9525">
                   <a:solidFill>
                     <a:srgbClr val="000000"/>
                   </a:solidFill>
@@ -1475,7 +2582,7 @@
             </a:ln>
             <a:extLst>
               <a:ext uri="{91240B29-F687-4f45-9708-019B960494DF}">
-                <a14:hiddenLine xmlns="" xmlns:a14="http://schemas.microsoft.com/office/drawing/2010/main" w="9525">
+                <a14:hiddenLine xmlns:a14="http://schemas.microsoft.com/office/drawing/2010/main" xmlns="" w="9525">
                   <a:solidFill>
                     <a:srgbClr val="000000"/>
                   </a:solidFill>
@@ -1565,7 +2672,7 @@
             </a:ln>
             <a:extLst>
               <a:ext uri="{91240B29-F687-4f45-9708-019B960494DF}">
-                <a14:hiddenLine xmlns="" xmlns:a14="http://schemas.microsoft.com/office/drawing/2010/main" w="9525">
+                <a14:hiddenLine xmlns:a14="http://schemas.microsoft.com/office/drawing/2010/main" xmlns="" w="9525">
                   <a:solidFill>
                     <a:srgbClr val="000000"/>
                   </a:solidFill>
@@ -1627,7 +2734,7 @@
             </a:ln>
             <a:extLst>
               <a:ext uri="{91240B29-F687-4f45-9708-019B960494DF}">
-                <a14:hiddenLine xmlns="" xmlns:a14="http://schemas.microsoft.com/office/drawing/2010/main" w="9525">
+                <a14:hiddenLine xmlns:a14="http://schemas.microsoft.com/office/drawing/2010/main" xmlns="" w="9525">
                   <a:solidFill>
                     <a:srgbClr val="000000"/>
                   </a:solidFill>
@@ -1689,7 +2796,7 @@
             </a:ln>
             <a:extLst>
               <a:ext uri="{91240B29-F687-4f45-9708-019B960494DF}">
-                <a14:hiddenLine xmlns="" xmlns:a14="http://schemas.microsoft.com/office/drawing/2010/main" w="9525">
+                <a14:hiddenLine xmlns:a14="http://schemas.microsoft.com/office/drawing/2010/main" xmlns="" w="9525">
                   <a:solidFill>
                     <a:srgbClr val="000000"/>
                   </a:solidFill>
@@ -1779,7 +2886,7 @@
             </a:ln>
             <a:extLst>
               <a:ext uri="{91240B29-F687-4f45-9708-019B960494DF}">
-                <a14:hiddenLine xmlns="" xmlns:a14="http://schemas.microsoft.com/office/drawing/2010/main" w="9525">
+                <a14:hiddenLine xmlns:a14="http://schemas.microsoft.com/office/drawing/2010/main" xmlns="" w="9525">
                   <a:solidFill>
                     <a:srgbClr val="000000"/>
                   </a:solidFill>
@@ -1841,7 +2948,7 @@
             </a:ln>
             <a:extLst>
               <a:ext uri="{91240B29-F687-4f45-9708-019B960494DF}">
-                <a14:hiddenLine xmlns="" xmlns:a14="http://schemas.microsoft.com/office/drawing/2010/main" w="9525">
+                <a14:hiddenLine xmlns:a14="http://schemas.microsoft.com/office/drawing/2010/main" xmlns="" w="9525">
                   <a:solidFill>
                     <a:srgbClr val="000000"/>
                   </a:solidFill>
@@ -1903,7 +3010,7 @@
             </a:ln>
             <a:extLst>
               <a:ext uri="{91240B29-F687-4f45-9708-019B960494DF}">
-                <a14:hiddenLine xmlns="" xmlns:a14="http://schemas.microsoft.com/office/drawing/2010/main" w="9525">
+                <a14:hiddenLine xmlns:a14="http://schemas.microsoft.com/office/drawing/2010/main" xmlns="" w="9525">
                   <a:solidFill>
                     <a:srgbClr val="000000"/>
                   </a:solidFill>
@@ -1993,7 +3100,7 @@
             </a:ln>
             <a:extLst>
               <a:ext uri="{91240B29-F687-4f45-9708-019B960494DF}">
-                <a14:hiddenLine xmlns="" xmlns:a14="http://schemas.microsoft.com/office/drawing/2010/main" w="9525">
+                <a14:hiddenLine xmlns:a14="http://schemas.microsoft.com/office/drawing/2010/main" xmlns="" w="9525">
                   <a:solidFill>
                     <a:srgbClr val="000000"/>
                   </a:solidFill>
@@ -2083,7 +3190,7 @@
             </a:ln>
             <a:extLst>
               <a:ext uri="{91240B29-F687-4f45-9708-019B960494DF}">
-                <a14:hiddenLine xmlns="" xmlns:a14="http://schemas.microsoft.com/office/drawing/2010/main" w="9525">
+                <a14:hiddenLine xmlns:a14="http://schemas.microsoft.com/office/drawing/2010/main" xmlns="" w="9525">
                   <a:solidFill>
                     <a:srgbClr val="000000"/>
                   </a:solidFill>
@@ -2145,7 +3252,7 @@
             </a:ln>
             <a:extLst>
               <a:ext uri="{91240B29-F687-4f45-9708-019B960494DF}">
-                <a14:hiddenLine xmlns="" xmlns:a14="http://schemas.microsoft.com/office/drawing/2010/main" w="9525">
+                <a14:hiddenLine xmlns:a14="http://schemas.microsoft.com/office/drawing/2010/main" xmlns="" w="9525">
                   <a:solidFill>
                     <a:srgbClr val="000000"/>
                   </a:solidFill>
@@ -2255,7 +3362,7 @@
             </a:ln>
             <a:extLst>
               <a:ext uri="{91240B29-F687-4f45-9708-019B960494DF}">
-                <a14:hiddenLine xmlns="" xmlns:a14="http://schemas.microsoft.com/office/drawing/2010/main" w="9525">
+                <a14:hiddenLine xmlns:a14="http://schemas.microsoft.com/office/drawing/2010/main" xmlns="" w="9525">
                   <a:solidFill>
                     <a:srgbClr val="000000"/>
                   </a:solidFill>
@@ -2317,7 +3424,7 @@
             </a:ln>
             <a:extLst>
               <a:ext uri="{91240B29-F687-4f45-9708-019B960494DF}">
-                <a14:hiddenLine xmlns="" xmlns:a14="http://schemas.microsoft.com/office/drawing/2010/main" w="9525">
+                <a14:hiddenLine xmlns:a14="http://schemas.microsoft.com/office/drawing/2010/main" xmlns="" w="9525">
                   <a:solidFill>
                     <a:srgbClr val="000000"/>
                   </a:solidFill>
@@ -2407,7 +3514,7 @@
             </a:ln>
             <a:extLst>
               <a:ext uri="{91240B29-F687-4f45-9708-019B960494DF}">
-                <a14:hiddenLine xmlns="" xmlns:a14="http://schemas.microsoft.com/office/drawing/2010/main" w="9525">
+                <a14:hiddenLine xmlns:a14="http://schemas.microsoft.com/office/drawing/2010/main" xmlns="" w="9525">
                   <a:solidFill>
                     <a:srgbClr val="000000"/>
                   </a:solidFill>
@@ -2497,7 +3604,7 @@
             </a:ln>
             <a:extLst>
               <a:ext uri="{91240B29-F687-4f45-9708-019B960494DF}">
-                <a14:hiddenLine xmlns="" xmlns:a14="http://schemas.microsoft.com/office/drawing/2010/main" w="9525">
+                <a14:hiddenLine xmlns:a14="http://schemas.microsoft.com/office/drawing/2010/main" xmlns="" w="9525">
                   <a:solidFill>
                     <a:srgbClr val="000000"/>
                   </a:solidFill>
@@ -2559,7 +3666,7 @@
             </a:ln>
             <a:extLst>
               <a:ext uri="{91240B29-F687-4f45-9708-019B960494DF}">
-                <a14:hiddenLine xmlns="" xmlns:a14="http://schemas.microsoft.com/office/drawing/2010/main" w="9525">
+                <a14:hiddenLine xmlns:a14="http://schemas.microsoft.com/office/drawing/2010/main" xmlns="" w="9525">
                   <a:solidFill>
                     <a:srgbClr val="000000"/>
                   </a:solidFill>
@@ -2649,7 +3756,7 @@
             </a:ln>
             <a:extLst>
               <a:ext uri="{91240B29-F687-4f45-9708-019B960494DF}">
-                <a14:hiddenLine xmlns="" xmlns:a14="http://schemas.microsoft.com/office/drawing/2010/main" w="9525">
+                <a14:hiddenLine xmlns:a14="http://schemas.microsoft.com/office/drawing/2010/main" xmlns="" w="9525">
                   <a:solidFill>
                     <a:srgbClr val="000000"/>
                   </a:solidFill>
@@ -2739,7 +3846,7 @@
             </a:ln>
             <a:extLst>
               <a:ext uri="{91240B29-F687-4f45-9708-019B960494DF}">
-                <a14:hiddenLine xmlns="" xmlns:a14="http://schemas.microsoft.com/office/drawing/2010/main" w="9525">
+                <a14:hiddenLine xmlns:a14="http://schemas.microsoft.com/office/drawing/2010/main" xmlns="" w="9525">
                   <a:solidFill>
                     <a:srgbClr val="000000"/>
                   </a:solidFill>
@@ -2795,7 +3902,7 @@
             </a:ln>
             <a:extLst>
               <a:ext uri="{91240B29-F687-4f45-9708-019B960494DF}">
-                <a14:hiddenLine xmlns="" xmlns:a14="http://schemas.microsoft.com/office/drawing/2010/main" w="9525">
+                <a14:hiddenLine xmlns:a14="http://schemas.microsoft.com/office/drawing/2010/main" xmlns="" w="9525">
                   <a:solidFill>
                     <a:srgbClr val="000000"/>
                   </a:solidFill>
@@ -2885,7 +3992,7 @@
             </a:ln>
             <a:extLst>
               <a:ext uri="{91240B29-F687-4f45-9708-019B960494DF}">
-                <a14:hiddenLine xmlns="" xmlns:a14="http://schemas.microsoft.com/office/drawing/2010/main" w="9525">
+                <a14:hiddenLine xmlns:a14="http://schemas.microsoft.com/office/drawing/2010/main" xmlns="" w="9525">
                   <a:solidFill>
                     <a:srgbClr val="000000"/>
                   </a:solidFill>
@@ -2941,7 +4048,7 @@
             </a:ln>
             <a:extLst>
               <a:ext uri="{91240B29-F687-4f45-9708-019B960494DF}">
-                <a14:hiddenLine xmlns="" xmlns:a14="http://schemas.microsoft.com/office/drawing/2010/main" w="9525">
+                <a14:hiddenLine xmlns:a14="http://schemas.microsoft.com/office/drawing/2010/main" xmlns="" w="9525">
                   <a:solidFill>
                     <a:srgbClr val="000000"/>
                   </a:solidFill>
@@ -3031,7 +4138,7 @@
             </a:ln>
             <a:extLst>
               <a:ext uri="{91240B29-F687-4f45-9708-019B960494DF}">
-                <a14:hiddenLine xmlns="" xmlns:a14="http://schemas.microsoft.com/office/drawing/2010/main" w="9525">
+                <a14:hiddenLine xmlns:a14="http://schemas.microsoft.com/office/drawing/2010/main" xmlns="" w="9525">
                   <a:solidFill>
                     <a:srgbClr val="000000"/>
                   </a:solidFill>
@@ -3099,7 +4206,7 @@
             </a:ln>
             <a:extLst>
               <a:ext uri="{91240B29-F687-4f45-9708-019B960494DF}">
-                <a14:hiddenLine xmlns="" xmlns:a14="http://schemas.microsoft.com/office/drawing/2010/main" w="9525">
+                <a14:hiddenLine xmlns:a14="http://schemas.microsoft.com/office/drawing/2010/main" xmlns="" w="9525">
                   <a:solidFill>
                     <a:srgbClr val="000000"/>
                   </a:solidFill>
@@ -3189,7 +4296,7 @@
             </a:ln>
             <a:extLst>
               <a:ext uri="{91240B29-F687-4f45-9708-019B960494DF}">
-                <a14:hiddenLine xmlns="" xmlns:a14="http://schemas.microsoft.com/office/drawing/2010/main" w="9525">
+                <a14:hiddenLine xmlns:a14="http://schemas.microsoft.com/office/drawing/2010/main" xmlns="" w="9525">
                   <a:solidFill>
                     <a:srgbClr val="000000"/>
                   </a:solidFill>
@@ -3257,7 +4364,7 @@
             </a:ln>
             <a:extLst>
               <a:ext uri="{91240B29-F687-4f45-9708-019B960494DF}">
-                <a14:hiddenLine xmlns="" xmlns:a14="http://schemas.microsoft.com/office/drawing/2010/main" w="9525">
+                <a14:hiddenLine xmlns:a14="http://schemas.microsoft.com/office/drawing/2010/main" xmlns="" w="9525">
                   <a:solidFill>
                     <a:srgbClr val="000000"/>
                   </a:solidFill>
@@ -3347,7 +4454,7 @@
             </a:ln>
             <a:extLst>
               <a:ext uri="{91240B29-F687-4f45-9708-019B960494DF}">
-                <a14:hiddenLine xmlns="" xmlns:a14="http://schemas.microsoft.com/office/drawing/2010/main" w="9525">
+                <a14:hiddenLine xmlns:a14="http://schemas.microsoft.com/office/drawing/2010/main" xmlns="" w="9525">
                   <a:solidFill>
                     <a:srgbClr val="000000"/>
                   </a:solidFill>
@@ -3381,7 +4488,7 @@
             </a:ln>
             <a:extLst>
               <a:ext uri="{91240B29-F687-4f45-9708-019B960494DF}">
-                <a14:hiddenLine xmlns="" xmlns:a14="http://schemas.microsoft.com/office/drawing/2010/main" w="9525">
+                <a14:hiddenLine xmlns:a14="http://schemas.microsoft.com/office/drawing/2010/main" xmlns="" w="9525">
                   <a:solidFill>
                     <a:srgbClr val="000000"/>
                   </a:solidFill>
@@ -3471,7 +4578,7 @@
             </a:ln>
             <a:extLst>
               <a:ext uri="{91240B29-F687-4f45-9708-019B960494DF}">
-                <a14:hiddenLine xmlns="" xmlns:a14="http://schemas.microsoft.com/office/drawing/2010/main" w="9525">
+                <a14:hiddenLine xmlns:a14="http://schemas.microsoft.com/office/drawing/2010/main" xmlns="" w="9525">
                   <a:solidFill>
                     <a:srgbClr val="000000"/>
                   </a:solidFill>
@@ -3533,7 +4640,7 @@
             </a:ln>
             <a:extLst>
               <a:ext uri="{91240B29-F687-4f45-9708-019B960494DF}">
-                <a14:hiddenLine xmlns="" xmlns:a14="http://schemas.microsoft.com/office/drawing/2010/main" w="9525">
+                <a14:hiddenLine xmlns:a14="http://schemas.microsoft.com/office/drawing/2010/main" xmlns="" w="9525">
                   <a:solidFill>
                     <a:srgbClr val="000000"/>
                   </a:solidFill>
@@ -3595,7 +4702,7 @@
             </a:ln>
             <a:extLst>
               <a:ext uri="{91240B29-F687-4f45-9708-019B960494DF}">
-                <a14:hiddenLine xmlns="" xmlns:a14="http://schemas.microsoft.com/office/drawing/2010/main" w="9525">
+                <a14:hiddenLine xmlns:a14="http://schemas.microsoft.com/office/drawing/2010/main" xmlns="" w="9525">
                   <a:solidFill>
                     <a:srgbClr val="000000"/>
                   </a:solidFill>
@@ -3685,7 +4792,7 @@
             </a:ln>
             <a:extLst>
               <a:ext uri="{91240B29-F687-4f45-9708-019B960494DF}">
-                <a14:hiddenLine xmlns="" xmlns:a14="http://schemas.microsoft.com/office/drawing/2010/main" w="9525">
+                <a14:hiddenLine xmlns:a14="http://schemas.microsoft.com/office/drawing/2010/main" xmlns="" w="9525">
                   <a:solidFill>
                     <a:srgbClr val="000000"/>
                   </a:solidFill>
@@ -3753,7 +4860,7 @@
             </a:ln>
             <a:extLst>
               <a:ext uri="{91240B29-F687-4f45-9708-019B960494DF}">
-                <a14:hiddenLine xmlns="" xmlns:a14="http://schemas.microsoft.com/office/drawing/2010/main" w="9525">
+                <a14:hiddenLine xmlns:a14="http://schemas.microsoft.com/office/drawing/2010/main" xmlns="" w="9525">
                   <a:solidFill>
                     <a:srgbClr val="000000"/>
                   </a:solidFill>
@@ -3815,7 +4922,7 @@
             </a:ln>
             <a:extLst>
               <a:ext uri="{91240B29-F687-4f45-9708-019B960494DF}">
-                <a14:hiddenLine xmlns="" xmlns:a14="http://schemas.microsoft.com/office/drawing/2010/main" w="9525">
+                <a14:hiddenLine xmlns:a14="http://schemas.microsoft.com/office/drawing/2010/main" xmlns="" w="9525">
                   <a:solidFill>
                     <a:srgbClr val="000000"/>
                   </a:solidFill>
@@ -3905,7 +5012,7 @@
             </a:ln>
             <a:extLst>
               <a:ext uri="{91240B29-F687-4f45-9708-019B960494DF}">
-                <a14:hiddenLine xmlns="" xmlns:a14="http://schemas.microsoft.com/office/drawing/2010/main" w="9525">
+                <a14:hiddenLine xmlns:a14="http://schemas.microsoft.com/office/drawing/2010/main" xmlns="" w="9525">
                   <a:solidFill>
                     <a:srgbClr val="000000"/>
                   </a:solidFill>
@@ -3967,7 +5074,7 @@
             </a:ln>
             <a:extLst>
               <a:ext uri="{91240B29-F687-4f45-9708-019B960494DF}">
-                <a14:hiddenLine xmlns="" xmlns:a14="http://schemas.microsoft.com/office/drawing/2010/main" w="9525">
+                <a14:hiddenLine xmlns:a14="http://schemas.microsoft.com/office/drawing/2010/main" xmlns="" w="9525">
                   <a:solidFill>
                     <a:srgbClr val="000000"/>
                   </a:solidFill>
@@ -4057,7 +5164,7 @@
             </a:ln>
             <a:extLst>
               <a:ext uri="{91240B29-F687-4f45-9708-019B960494DF}">
-                <a14:hiddenLine xmlns="" xmlns:a14="http://schemas.microsoft.com/office/drawing/2010/main" w="9525">
+                <a14:hiddenLine xmlns:a14="http://schemas.microsoft.com/office/drawing/2010/main" xmlns="" w="9525">
                   <a:solidFill>
                     <a:srgbClr val="000000"/>
                   </a:solidFill>
@@ -4119,7 +5226,7 @@
             </a:ln>
             <a:extLst>
               <a:ext uri="{91240B29-F687-4f45-9708-019B960494DF}">
-                <a14:hiddenLine xmlns="" xmlns:a14="http://schemas.microsoft.com/office/drawing/2010/main" w="9525">
+                <a14:hiddenLine xmlns:a14="http://schemas.microsoft.com/office/drawing/2010/main" xmlns="" w="9525">
                   <a:solidFill>
                     <a:srgbClr val="000000"/>
                   </a:solidFill>
@@ -4209,7 +5316,7 @@
             </a:ln>
             <a:extLst>
               <a:ext uri="{91240B29-F687-4f45-9708-019B960494DF}">
-                <a14:hiddenLine xmlns="" xmlns:a14="http://schemas.microsoft.com/office/drawing/2010/main" w="9525">
+                <a14:hiddenLine xmlns:a14="http://schemas.microsoft.com/office/drawing/2010/main" xmlns="" w="9525">
                   <a:solidFill>
                     <a:srgbClr val="000000"/>
                   </a:solidFill>
@@ -4243,7 +5350,7 @@
             </a:ln>
             <a:extLst>
               <a:ext uri="{91240B29-F687-4f45-9708-019B960494DF}">
-                <a14:hiddenLine xmlns="" xmlns:a14="http://schemas.microsoft.com/office/drawing/2010/main" w="9525">
+                <a14:hiddenLine xmlns:a14="http://schemas.microsoft.com/office/drawing/2010/main" xmlns="" w="9525">
                   <a:solidFill>
                     <a:srgbClr val="000000"/>
                   </a:solidFill>
@@ -4308,7 +5415,7 @@
             </a:ln>
             <a:extLst>
               <a:ext uri="{91240B29-F687-4f45-9708-019B960494DF}">
-                <a14:hiddenLine xmlns="" xmlns:a14="http://schemas.microsoft.com/office/drawing/2010/main" w="9525">
+                <a14:hiddenLine xmlns:a14="http://schemas.microsoft.com/office/drawing/2010/main" xmlns="" w="9525">
                   <a:solidFill>
                     <a:srgbClr val="000000"/>
                   </a:solidFill>
@@ -4398,7 +5505,7 @@
             </a:ln>
             <a:extLst>
               <a:ext uri="{91240B29-F687-4f45-9708-019B960494DF}">
-                <a14:hiddenLine xmlns="" xmlns:a14="http://schemas.microsoft.com/office/drawing/2010/main" w="9525">
+                <a14:hiddenLine xmlns:a14="http://schemas.microsoft.com/office/drawing/2010/main" xmlns="" w="9525">
                   <a:solidFill>
                     <a:srgbClr val="000000"/>
                   </a:solidFill>
@@ -4460,7 +5567,7 @@
             </a:ln>
             <a:extLst>
               <a:ext uri="{91240B29-F687-4f45-9708-019B960494DF}">
-                <a14:hiddenLine xmlns="" xmlns:a14="http://schemas.microsoft.com/office/drawing/2010/main" w="9525">
+                <a14:hiddenLine xmlns:a14="http://schemas.microsoft.com/office/drawing/2010/main" xmlns="" w="9525">
                   <a:solidFill>
                     <a:srgbClr val="000000"/>
                   </a:solidFill>
@@ -4550,7 +5657,7 @@
             </a:ln>
             <a:extLst>
               <a:ext uri="{91240B29-F687-4f45-9708-019B960494DF}">
-                <a14:hiddenLine xmlns="" xmlns:a14="http://schemas.microsoft.com/office/drawing/2010/main" w="9525">
+                <a14:hiddenLine xmlns:a14="http://schemas.microsoft.com/office/drawing/2010/main" xmlns="" w="9525">
                   <a:solidFill>
                     <a:srgbClr val="000000"/>
                   </a:solidFill>
@@ -4640,7 +5747,7 @@
             </a:ln>
             <a:extLst>
               <a:ext uri="{91240B29-F687-4f45-9708-019B960494DF}">
-                <a14:hiddenLine xmlns="" xmlns:a14="http://schemas.microsoft.com/office/drawing/2010/main" w="9525">
+                <a14:hiddenLine xmlns:a14="http://schemas.microsoft.com/office/drawing/2010/main" xmlns="" w="9525">
                   <a:solidFill>
                     <a:srgbClr val="000000"/>
                   </a:solidFill>
@@ -4705,7 +5812,7 @@
             </a:ln>
             <a:extLst>
               <a:ext uri="{91240B29-F687-4f45-9708-019B960494DF}">
-                <a14:hiddenLine xmlns="" xmlns:a14="http://schemas.microsoft.com/office/drawing/2010/main" w="9525">
+                <a14:hiddenLine xmlns:a14="http://schemas.microsoft.com/office/drawing/2010/main" xmlns="" w="9525">
                   <a:solidFill>
                     <a:srgbClr val="000000"/>
                   </a:solidFill>
@@ -4767,7 +5874,7 @@
             </a:ln>
             <a:extLst>
               <a:ext uri="{91240B29-F687-4f45-9708-019B960494DF}">
-                <a14:hiddenLine xmlns="" xmlns:a14="http://schemas.microsoft.com/office/drawing/2010/main" w="9525">
+                <a14:hiddenLine xmlns:a14="http://schemas.microsoft.com/office/drawing/2010/main" xmlns="" w="9525">
                   <a:solidFill>
                     <a:srgbClr val="000000"/>
                   </a:solidFill>
@@ -4857,7 +5964,7 @@
             </a:ln>
             <a:extLst>
               <a:ext uri="{91240B29-F687-4f45-9708-019B960494DF}">
-                <a14:hiddenLine xmlns="" xmlns:a14="http://schemas.microsoft.com/office/drawing/2010/main" w="9525">
+                <a14:hiddenLine xmlns:a14="http://schemas.microsoft.com/office/drawing/2010/main" xmlns="" w="9525">
                   <a:solidFill>
                     <a:srgbClr val="000000"/>
                   </a:solidFill>
@@ -4947,7 +6054,7 @@
             </a:ln>
             <a:extLst>
               <a:ext uri="{91240B29-F687-4f45-9708-019B960494DF}">
-                <a14:hiddenLine xmlns="" xmlns:a14="http://schemas.microsoft.com/office/drawing/2010/main" w="9525">
+                <a14:hiddenLine xmlns:a14="http://schemas.microsoft.com/office/drawing/2010/main" xmlns="" w="9525">
                   <a:solidFill>
                     <a:srgbClr val="000000"/>
                   </a:solidFill>
@@ -5009,7 +6116,7 @@
             </a:ln>
             <a:extLst>
               <a:ext uri="{91240B29-F687-4f45-9708-019B960494DF}">
-                <a14:hiddenLine xmlns="" xmlns:a14="http://schemas.microsoft.com/office/drawing/2010/main" w="9525">
+                <a14:hiddenLine xmlns:a14="http://schemas.microsoft.com/office/drawing/2010/main" xmlns="" w="9525">
                   <a:solidFill>
                     <a:srgbClr val="000000"/>
                   </a:solidFill>
@@ -5129,7 +6236,7 @@
             </a:ln>
             <a:extLst>
               <a:ext uri="{91240B29-F687-4f45-9708-019B960494DF}">
-                <a14:hiddenLine xmlns="" xmlns:a14="http://schemas.microsoft.com/office/drawing/2010/main" w="9525">
+                <a14:hiddenLine xmlns:a14="http://schemas.microsoft.com/office/drawing/2010/main" xmlns="" w="9525">
                   <a:solidFill>
                     <a:srgbClr val="000000"/>
                   </a:solidFill>
@@ -5197,7 +6304,7 @@
             </a:ln>
             <a:extLst>
               <a:ext uri="{91240B29-F687-4f45-9708-019B960494DF}">
-                <a14:hiddenLine xmlns="" xmlns:a14="http://schemas.microsoft.com/office/drawing/2010/main" w="9525">
+                <a14:hiddenLine xmlns:a14="http://schemas.microsoft.com/office/drawing/2010/main" xmlns="" w="9525">
                   <a:solidFill>
                     <a:srgbClr val="000000"/>
                   </a:solidFill>
@@ -5287,7 +6394,7 @@
             </a:ln>
             <a:extLst>
               <a:ext uri="{91240B29-F687-4f45-9708-019B960494DF}">
-                <a14:hiddenLine xmlns="" xmlns:a14="http://schemas.microsoft.com/office/drawing/2010/main" w="9525">
+                <a14:hiddenLine xmlns:a14="http://schemas.microsoft.com/office/drawing/2010/main" xmlns="" w="9525">
                   <a:solidFill>
                     <a:srgbClr val="000000"/>
                   </a:solidFill>
@@ -5427,7 +6534,7 @@
           <a:p>
             <a:fld id="{15127A0C-EEF0-47AE-AF5B-BF3D3916F5F2}" type="datetime1">
               <a:rPr lang="nl-BE" smtClean="0"/>
-              <a:t>4/06/2022</a:t>
+              <a:t>14/06/2022</a:t>
             </a:fld>
             <a:endParaRPr lang="en-US" dirty="0"/>
           </a:p>
@@ -5482,7 +6589,7 @@
           <a:p>
             <a:fld id="{6D22F896-40B5-4ADD-8801-0D06FADFA095}" type="slidenum">
               <a:rPr lang="en-US" dirty="0"/>
-              <a:t>‹nr.›</a:t>
+              <a:t>‹#›</a:t>
             </a:fld>
             <a:endParaRPr lang="en-US"/>
           </a:p>
@@ -5722,7 +6829,7 @@
           <a:p>
             <a:fld id="{DEC5ACFE-A668-4B72-A0AB-80BB2B8116D4}" type="datetime1">
               <a:rPr lang="nl-BE" smtClean="0"/>
-              <a:t>4/06/2022</a:t>
+              <a:t>14/06/2022</a:t>
             </a:fld>
             <a:endParaRPr lang="en-US"/>
           </a:p>
@@ -5767,7 +6874,7 @@
           <a:p>
             <a:fld id="{6D22F896-40B5-4ADD-8801-0D06FADFA095}" type="slidenum">
               <a:rPr lang="en-US" dirty="0"/>
-              <a:t>‹nr.›</a:t>
+              <a:t>‹#›</a:t>
             </a:fld>
             <a:endParaRPr lang="en-US"/>
           </a:p>
@@ -5946,7 +7053,7 @@
           <a:p>
             <a:fld id="{8B4EAB1B-F36E-4928-82D1-1A11ACA66847}" type="datetime1">
               <a:rPr lang="nl-BE" smtClean="0"/>
-              <a:t>4/06/2022</a:t>
+              <a:t>14/06/2022</a:t>
             </a:fld>
             <a:endParaRPr lang="en-US"/>
           </a:p>
@@ -5991,7 +7098,7 @@
           <a:p>
             <a:fld id="{6D22F896-40B5-4ADD-8801-0D06FADFA095}" type="slidenum">
               <a:rPr lang="en-US" dirty="0"/>
-              <a:t>‹nr.›</a:t>
+              <a:t>‹#›</a:t>
             </a:fld>
             <a:endParaRPr lang="en-US"/>
           </a:p>
@@ -6237,7 +7344,7 @@
           <a:p>
             <a:fld id="{3CC4CC4A-42E8-4671-84C4-EAAF731431C4}" type="datetime1">
               <a:rPr lang="nl-BE" smtClean="0"/>
-              <a:t>4/06/2022</a:t>
+              <a:t>14/06/2022</a:t>
             </a:fld>
             <a:endParaRPr lang="en-US"/>
           </a:p>
@@ -6282,7 +7389,7 @@
           <a:p>
             <a:fld id="{6D22F896-40B5-4ADD-8801-0D06FADFA095}" type="slidenum">
               <a:rPr lang="en-US" dirty="0"/>
-              <a:t>‹nr.›</a:t>
+              <a:t>‹#›</a:t>
             </a:fld>
             <a:endParaRPr lang="en-US"/>
           </a:p>
@@ -6699,7 +7806,7 @@
           <a:p>
             <a:fld id="{75F594F8-2968-46F8-8D96-CAB521B221CD}" type="datetime1">
               <a:rPr lang="nl-BE" smtClean="0"/>
-              <a:t>4/06/2022</a:t>
+              <a:t>14/06/2022</a:t>
             </a:fld>
             <a:endParaRPr lang="en-US"/>
           </a:p>
@@ -6744,7 +7851,7 @@
           <a:p>
             <a:fld id="{6D22F896-40B5-4ADD-8801-0D06FADFA095}" type="slidenum">
               <a:rPr lang="en-US" dirty="0"/>
-              <a:t>‹nr.›</a:t>
+              <a:t>‹#›</a:t>
             </a:fld>
             <a:endParaRPr lang="en-US"/>
           </a:p>
@@ -7273,7 +8380,7 @@
           <a:p>
             <a:fld id="{D90E0966-0170-471B-9C46-FE50206AF705}" type="datetime1">
               <a:rPr lang="nl-BE" smtClean="0"/>
-              <a:t>4/06/2022</a:t>
+              <a:t>14/06/2022</a:t>
             </a:fld>
             <a:endParaRPr lang="en-US"/>
           </a:p>
@@ -7318,7 +8425,7 @@
           <a:p>
             <a:fld id="{6D22F896-40B5-4ADD-8801-0D06FADFA095}" type="slidenum">
               <a:rPr lang="en-US" dirty="0"/>
-              <a:t>‹nr.›</a:t>
+              <a:t>‹#›</a:t>
             </a:fld>
             <a:endParaRPr lang="en-US"/>
           </a:p>
@@ -8021,7 +9128,7 @@
           <a:p>
             <a:fld id="{EC007EA0-B266-4DAA-81D0-0040C385B732}" type="datetime1">
               <a:rPr lang="nl-BE" smtClean="0"/>
-              <a:t>4/06/2022</a:t>
+              <a:t>14/06/2022</a:t>
             </a:fld>
             <a:endParaRPr lang="en-US"/>
           </a:p>
@@ -8066,7 +9173,7 @@
           <a:p>
             <a:fld id="{6D22F896-40B5-4ADD-8801-0D06FADFA095}" type="slidenum">
               <a:rPr lang="en-US" dirty="0"/>
-              <a:t>‹nr.›</a:t>
+              <a:t>‹#›</a:t>
             </a:fld>
             <a:endParaRPr lang="en-US"/>
           </a:p>
@@ -8219,7 +9326,7 @@
           <a:p>
             <a:fld id="{E1B17B89-D35B-49CF-A0D6-D4146F79F9CC}" type="datetime1">
               <a:rPr lang="nl-BE" smtClean="0"/>
-              <a:t>4/06/2022</a:t>
+              <a:t>14/06/2022</a:t>
             </a:fld>
             <a:endParaRPr lang="en-US"/>
           </a:p>
@@ -8264,7 +9371,7 @@
           <a:p>
             <a:fld id="{6D22F896-40B5-4ADD-8801-0D06FADFA095}" type="slidenum">
               <a:rPr lang="en-US" dirty="0"/>
-              <a:t>‹nr.›</a:t>
+              <a:t>‹#›</a:t>
             </a:fld>
             <a:endParaRPr lang="en-US"/>
           </a:p>
@@ -8427,7 +9534,7 @@
           <a:p>
             <a:fld id="{73B75FC2-1907-4BEB-B475-C7382DCAE2EB}" type="datetime1">
               <a:rPr lang="nl-BE" smtClean="0"/>
-              <a:t>4/06/2022</a:t>
+              <a:t>14/06/2022</a:t>
             </a:fld>
             <a:endParaRPr lang="en-US"/>
           </a:p>
@@ -8472,7 +9579,7 @@
           <a:p>
             <a:fld id="{6D22F896-40B5-4ADD-8801-0D06FADFA095}" type="slidenum">
               <a:rPr lang="en-US" dirty="0"/>
-              <a:t>‹nr.›</a:t>
+              <a:t>‹#›</a:t>
             </a:fld>
             <a:endParaRPr lang="en-US"/>
           </a:p>
@@ -8625,7 +9732,7 @@
           <a:p>
             <a:fld id="{EEE34FF5-3B64-40E8-96CF-68791D7CECD3}" type="datetime1">
               <a:rPr lang="nl-BE" smtClean="0"/>
-              <a:t>4/06/2022</a:t>
+              <a:t>14/06/2022</a:t>
             </a:fld>
             <a:endParaRPr lang="en-US"/>
           </a:p>
@@ -8670,7 +9777,7 @@
           <a:p>
             <a:fld id="{6D22F896-40B5-4ADD-8801-0D06FADFA095}" type="slidenum">
               <a:rPr lang="en-US" dirty="0"/>
-              <a:t>‹nr.›</a:t>
+              <a:t>‹#›</a:t>
             </a:fld>
             <a:endParaRPr lang="en-US"/>
           </a:p>
@@ -8903,7 +10010,7 @@
           <a:p>
             <a:fld id="{B87C55DE-696A-4B29-97C5-3F97CB092D4A}" type="datetime1">
               <a:rPr lang="nl-BE" smtClean="0"/>
-              <a:t>4/06/2022</a:t>
+              <a:t>14/06/2022</a:t>
             </a:fld>
             <a:endParaRPr lang="en-US"/>
           </a:p>
@@ -8948,7 +10055,7 @@
           <a:p>
             <a:fld id="{6D22F896-40B5-4ADD-8801-0D06FADFA095}" type="slidenum">
               <a:rPr lang="en-US" dirty="0"/>
-              <a:t>‹nr.›</a:t>
+              <a:t>‹#›</a:t>
             </a:fld>
             <a:endParaRPr lang="en-US"/>
           </a:p>
@@ -9163,7 +10270,7 @@
           <a:p>
             <a:fld id="{1AF07C9C-0937-4209-85B1-CB4A544BD17F}" type="datetime1">
               <a:rPr lang="nl-BE" smtClean="0"/>
-              <a:t>4/06/2022</a:t>
+              <a:t>14/06/2022</a:t>
             </a:fld>
             <a:endParaRPr lang="en-US"/>
           </a:p>
@@ -9208,7 +10315,7 @@
           <a:p>
             <a:fld id="{6D22F896-40B5-4ADD-8801-0D06FADFA095}" type="slidenum">
               <a:rPr lang="en-US" dirty="0"/>
-              <a:t>‹nr.›</a:t>
+              <a:t>‹#›</a:t>
             </a:fld>
             <a:endParaRPr lang="en-US"/>
           </a:p>
@@ -9572,7 +10679,7 @@
           <a:p>
             <a:fld id="{3EF3EEAE-E8FD-4110-A385-EF75EC03B3BC}" type="datetime1">
               <a:rPr lang="nl-BE" smtClean="0"/>
-              <a:t>4/06/2022</a:t>
+              <a:t>14/06/2022</a:t>
             </a:fld>
             <a:endParaRPr lang="en-US"/>
           </a:p>
@@ -9617,7 +10724,7 @@
           <a:p>
             <a:fld id="{6D22F896-40B5-4ADD-8801-0D06FADFA095}" type="slidenum">
               <a:rPr lang="en-US" dirty="0"/>
-              <a:t>‹nr.›</a:t>
+              <a:t>‹#›</a:t>
             </a:fld>
             <a:endParaRPr lang="en-US"/>
           </a:p>
@@ -9718,7 +10825,7 @@
           <a:p>
             <a:fld id="{2ABE978B-2CFF-4B87-B03F-2C2FECD73E6D}" type="datetime1">
               <a:rPr lang="nl-BE" smtClean="0"/>
-              <a:t>4/06/2022</a:t>
+              <a:t>14/06/2022</a:t>
             </a:fld>
             <a:endParaRPr lang="en-US"/>
           </a:p>
@@ -9763,7 +10870,7 @@
           <a:p>
             <a:fld id="{6D22F896-40B5-4ADD-8801-0D06FADFA095}" type="slidenum">
               <a:rPr lang="en-US" dirty="0"/>
-              <a:t>‹nr.›</a:t>
+              <a:t>‹#›</a:t>
             </a:fld>
             <a:endParaRPr lang="en-US"/>
           </a:p>
@@ -9841,7 +10948,7 @@
           <a:p>
             <a:fld id="{51B023C4-46F4-4A1B-AAD4-2A3216A9A3BD}" type="datetime1">
               <a:rPr lang="nl-BE" smtClean="0"/>
-              <a:t>4/06/2022</a:t>
+              <a:t>14/06/2022</a:t>
             </a:fld>
             <a:endParaRPr lang="en-US"/>
           </a:p>
@@ -9886,7 +10993,7 @@
           <a:p>
             <a:fld id="{6D22F896-40B5-4ADD-8801-0D06FADFA095}" type="slidenum">
               <a:rPr lang="en-US" dirty="0"/>
-              <a:t>‹nr.›</a:t>
+              <a:t>‹#›</a:t>
             </a:fld>
             <a:endParaRPr lang="en-US"/>
           </a:p>
@@ -10118,7 +11225,7 @@
           <a:p>
             <a:fld id="{468D0122-77A4-4262-8319-C5E6ADA47EB2}" type="datetime1">
               <a:rPr lang="nl-BE" smtClean="0"/>
-              <a:t>4/06/2022</a:t>
+              <a:t>14/06/2022</a:t>
             </a:fld>
             <a:endParaRPr lang="en-US"/>
           </a:p>
@@ -10163,7 +11270,7 @@
           <a:p>
             <a:fld id="{6D22F896-40B5-4ADD-8801-0D06FADFA095}" type="slidenum">
               <a:rPr lang="en-US" dirty="0"/>
-              <a:t>‹nr.›</a:t>
+              <a:t>‹#›</a:t>
             </a:fld>
             <a:endParaRPr lang="en-US"/>
           </a:p>
@@ -10426,7 +11533,7 @@
           <a:p>
             <a:fld id="{8E580EFB-305C-45DB-937E-AF88572AFC58}" type="datetime1">
               <a:rPr lang="nl-BE" smtClean="0"/>
-              <a:t>4/06/2022</a:t>
+              <a:t>14/06/2022</a:t>
             </a:fld>
             <a:endParaRPr lang="en-US"/>
           </a:p>
@@ -10471,7 +11578,7 @@
           <a:p>
             <a:fld id="{6D22F896-40B5-4ADD-8801-0D06FADFA095}" type="slidenum">
               <a:rPr lang="en-US" dirty="0"/>
-              <a:t>‹nr.›</a:t>
+              <a:t>‹#›</a:t>
             </a:fld>
             <a:endParaRPr lang="en-US"/>
           </a:p>
@@ -10570,7 +11677,7 @@
           <a:noFill/>
           <a:extLst>
             <a:ext uri="{909E8E84-426E-40dd-AFC4-6F175D3DCCD1}">
-              <a14:hiddenFill xmlns="" xmlns:a14="http://schemas.microsoft.com/office/drawing/2010/main">
+              <a14:hiddenFill xmlns:a14="http://schemas.microsoft.com/office/drawing/2010/main" xmlns="">
                 <a:solidFill>
                   <a:srgbClr val="FFFFFF"/>
                 </a:solidFill>
@@ -10644,7 +11751,7 @@
               </a:ln>
               <a:extLst>
                 <a:ext uri="{91240B29-F687-4f45-9708-019B960494DF}">
-                  <a14:hiddenLine xmlns="" xmlns:a14="http://schemas.microsoft.com/office/drawing/2010/main" w="9525">
+                  <a14:hiddenLine xmlns:a14="http://schemas.microsoft.com/office/drawing/2010/main" xmlns="" w="9525">
                     <a:solidFill>
                       <a:srgbClr val="000000"/>
                     </a:solidFill>
@@ -10734,7 +11841,7 @@
               </a:ln>
               <a:extLst>
                 <a:ext uri="{91240B29-F687-4f45-9708-019B960494DF}">
-                  <a14:hiddenLine xmlns="" xmlns:a14="http://schemas.microsoft.com/office/drawing/2010/main" w="9525">
+                  <a14:hiddenLine xmlns:a14="http://schemas.microsoft.com/office/drawing/2010/main" xmlns="" w="9525">
                     <a:solidFill>
                       <a:srgbClr val="000000"/>
                     </a:solidFill>
@@ -10824,7 +11931,7 @@
               </a:ln>
               <a:extLst>
                 <a:ext uri="{91240B29-F687-4f45-9708-019B960494DF}">
-                  <a14:hiddenLine xmlns="" xmlns:a14="http://schemas.microsoft.com/office/drawing/2010/main" w="9525">
+                  <a14:hiddenLine xmlns:a14="http://schemas.microsoft.com/office/drawing/2010/main" xmlns="" w="9525">
                     <a:solidFill>
                       <a:srgbClr val="000000"/>
                     </a:solidFill>
@@ -10886,7 +11993,7 @@
               </a:ln>
               <a:extLst>
                 <a:ext uri="{91240B29-F687-4f45-9708-019B960494DF}">
-                  <a14:hiddenLine xmlns="" xmlns:a14="http://schemas.microsoft.com/office/drawing/2010/main" w="9525">
+                  <a14:hiddenLine xmlns:a14="http://schemas.microsoft.com/office/drawing/2010/main" xmlns="" w="9525">
                     <a:solidFill>
                       <a:srgbClr val="000000"/>
                     </a:solidFill>
@@ -10976,7 +12083,7 @@
               </a:ln>
               <a:extLst>
                 <a:ext uri="{91240B29-F687-4f45-9708-019B960494DF}">
-                  <a14:hiddenLine xmlns="" xmlns:a14="http://schemas.microsoft.com/office/drawing/2010/main" w="9525">
+                  <a14:hiddenLine xmlns:a14="http://schemas.microsoft.com/office/drawing/2010/main" xmlns="" w="9525">
                     <a:solidFill>
                       <a:srgbClr val="000000"/>
                     </a:solidFill>
@@ -11038,7 +12145,7 @@
               </a:ln>
               <a:extLst>
                 <a:ext uri="{91240B29-F687-4f45-9708-019B960494DF}">
-                  <a14:hiddenLine xmlns="" xmlns:a14="http://schemas.microsoft.com/office/drawing/2010/main" w="9525">
+                  <a14:hiddenLine xmlns:a14="http://schemas.microsoft.com/office/drawing/2010/main" xmlns="" w="9525">
                     <a:solidFill>
                       <a:srgbClr val="000000"/>
                     </a:solidFill>
@@ -11100,7 +12207,7 @@
               </a:ln>
               <a:extLst>
                 <a:ext uri="{91240B29-F687-4f45-9708-019B960494DF}">
-                  <a14:hiddenLine xmlns="" xmlns:a14="http://schemas.microsoft.com/office/drawing/2010/main" w="9525">
+                  <a14:hiddenLine xmlns:a14="http://schemas.microsoft.com/office/drawing/2010/main" xmlns="" w="9525">
                     <a:solidFill>
                       <a:srgbClr val="000000"/>
                     </a:solidFill>
@@ -11190,7 +12297,7 @@
               </a:ln>
               <a:extLst>
                 <a:ext uri="{91240B29-F687-4f45-9708-019B960494DF}">
-                  <a14:hiddenLine xmlns="" xmlns:a14="http://schemas.microsoft.com/office/drawing/2010/main" w="9525">
+                  <a14:hiddenLine xmlns:a14="http://schemas.microsoft.com/office/drawing/2010/main" xmlns="" w="9525">
                     <a:solidFill>
                       <a:srgbClr val="000000"/>
                     </a:solidFill>
@@ -11280,7 +12387,7 @@
               </a:ln>
               <a:extLst>
                 <a:ext uri="{91240B29-F687-4f45-9708-019B960494DF}">
-                  <a14:hiddenLine xmlns="" xmlns:a14="http://schemas.microsoft.com/office/drawing/2010/main" w="9525">
+                  <a14:hiddenLine xmlns:a14="http://schemas.microsoft.com/office/drawing/2010/main" xmlns="" w="9525">
                     <a:solidFill>
                       <a:srgbClr val="000000"/>
                     </a:solidFill>
@@ -11342,7 +12449,7 @@
               </a:ln>
               <a:extLst>
                 <a:ext uri="{91240B29-F687-4f45-9708-019B960494DF}">
-                  <a14:hiddenLine xmlns="" xmlns:a14="http://schemas.microsoft.com/office/drawing/2010/main" w="9525">
+                  <a14:hiddenLine xmlns:a14="http://schemas.microsoft.com/office/drawing/2010/main" xmlns="" w="9525">
                     <a:solidFill>
                       <a:srgbClr val="000000"/>
                     </a:solidFill>
@@ -11452,7 +12559,7 @@
               </a:ln>
               <a:extLst>
                 <a:ext uri="{91240B29-F687-4f45-9708-019B960494DF}">
-                  <a14:hiddenLine xmlns="" xmlns:a14="http://schemas.microsoft.com/office/drawing/2010/main" w="9525">
+                  <a14:hiddenLine xmlns:a14="http://schemas.microsoft.com/office/drawing/2010/main" xmlns="" w="9525">
                     <a:solidFill>
                       <a:srgbClr val="000000"/>
                     </a:solidFill>
@@ -11536,7 +12643,7 @@
               </a:ln>
               <a:extLst>
                 <a:ext uri="{91240B29-F687-4f45-9708-019B960494DF}">
-                  <a14:hiddenLine xmlns="" xmlns:a14="http://schemas.microsoft.com/office/drawing/2010/main" w="9525">
+                  <a14:hiddenLine xmlns:a14="http://schemas.microsoft.com/office/drawing/2010/main" xmlns="" w="9525">
                     <a:solidFill>
                       <a:srgbClr val="000000"/>
                     </a:solidFill>
@@ -11598,7 +12705,7 @@
               </a:ln>
               <a:extLst>
                 <a:ext uri="{91240B29-F687-4f45-9708-019B960494DF}">
-                  <a14:hiddenLine xmlns="" xmlns:a14="http://schemas.microsoft.com/office/drawing/2010/main" w="9525">
+                  <a14:hiddenLine xmlns:a14="http://schemas.microsoft.com/office/drawing/2010/main" xmlns="" w="9525">
                     <a:solidFill>
                       <a:srgbClr val="000000"/>
                     </a:solidFill>
@@ -11660,7 +12767,7 @@
               </a:ln>
               <a:extLst>
                 <a:ext uri="{91240B29-F687-4f45-9708-019B960494DF}">
-                  <a14:hiddenLine xmlns="" xmlns:a14="http://schemas.microsoft.com/office/drawing/2010/main" w="9525">
+                  <a14:hiddenLine xmlns:a14="http://schemas.microsoft.com/office/drawing/2010/main" xmlns="" w="9525">
                     <a:solidFill>
                       <a:srgbClr val="000000"/>
                     </a:solidFill>
@@ -11750,7 +12857,7 @@
               </a:ln>
               <a:extLst>
                 <a:ext uri="{91240B29-F687-4f45-9708-019B960494DF}">
-                  <a14:hiddenLine xmlns="" xmlns:a14="http://schemas.microsoft.com/office/drawing/2010/main" w="9525">
+                  <a14:hiddenLine xmlns:a14="http://schemas.microsoft.com/office/drawing/2010/main" xmlns="" w="9525">
                     <a:solidFill>
                       <a:srgbClr val="000000"/>
                     </a:solidFill>
@@ -11784,7 +12891,7 @@
               </a:ln>
               <a:extLst>
                 <a:ext uri="{91240B29-F687-4f45-9708-019B960494DF}">
-                  <a14:hiddenLine xmlns="" xmlns:a14="http://schemas.microsoft.com/office/drawing/2010/main" w="9525">
+                  <a14:hiddenLine xmlns:a14="http://schemas.microsoft.com/office/drawing/2010/main" xmlns="" w="9525">
                     <a:solidFill>
                       <a:srgbClr val="000000"/>
                     </a:solidFill>
@@ -11849,7 +12956,7 @@
               </a:ln>
               <a:extLst>
                 <a:ext uri="{91240B29-F687-4f45-9708-019B960494DF}">
-                  <a14:hiddenLine xmlns="" xmlns:a14="http://schemas.microsoft.com/office/drawing/2010/main" w="9525">
+                  <a14:hiddenLine xmlns:a14="http://schemas.microsoft.com/office/drawing/2010/main" xmlns="" w="9525">
                     <a:solidFill>
                       <a:srgbClr val="000000"/>
                     </a:solidFill>
@@ -11939,7 +13046,7 @@
               </a:ln>
               <a:extLst>
                 <a:ext uri="{91240B29-F687-4f45-9708-019B960494DF}">
-                  <a14:hiddenLine xmlns="" xmlns:a14="http://schemas.microsoft.com/office/drawing/2010/main" w="9525">
+                  <a14:hiddenLine xmlns:a14="http://schemas.microsoft.com/office/drawing/2010/main" xmlns="" w="9525">
                     <a:solidFill>
                       <a:srgbClr val="000000"/>
                     </a:solidFill>
@@ -12001,7 +13108,7 @@
               </a:ln>
               <a:extLst>
                 <a:ext uri="{91240B29-F687-4f45-9708-019B960494DF}">
-                  <a14:hiddenLine xmlns="" xmlns:a14="http://schemas.microsoft.com/office/drawing/2010/main" w="9525">
+                  <a14:hiddenLine xmlns:a14="http://schemas.microsoft.com/office/drawing/2010/main" xmlns="" w="9525">
                     <a:solidFill>
                       <a:srgbClr val="000000"/>
                     </a:solidFill>
@@ -12091,7 +13198,7 @@
               </a:ln>
               <a:extLst>
                 <a:ext uri="{91240B29-F687-4f45-9708-019B960494DF}">
-                  <a14:hiddenLine xmlns="" xmlns:a14="http://schemas.microsoft.com/office/drawing/2010/main" w="9525">
+                  <a14:hiddenLine xmlns:a14="http://schemas.microsoft.com/office/drawing/2010/main" xmlns="" w="9525">
                     <a:solidFill>
                       <a:srgbClr val="000000"/>
                     </a:solidFill>
@@ -12156,7 +13263,7 @@
               </a:ln>
               <a:extLst>
                 <a:ext uri="{91240B29-F687-4f45-9708-019B960494DF}">
-                  <a14:hiddenLine xmlns="" xmlns:a14="http://schemas.microsoft.com/office/drawing/2010/main" w="9525">
+                  <a14:hiddenLine xmlns:a14="http://schemas.microsoft.com/office/drawing/2010/main" xmlns="" w="9525">
                     <a:solidFill>
                       <a:srgbClr val="000000"/>
                     </a:solidFill>
@@ -12218,7 +13325,7 @@
               </a:ln>
               <a:extLst>
                 <a:ext uri="{91240B29-F687-4f45-9708-019B960494DF}">
-                  <a14:hiddenLine xmlns="" xmlns:a14="http://schemas.microsoft.com/office/drawing/2010/main" w="9525">
+                  <a14:hiddenLine xmlns:a14="http://schemas.microsoft.com/office/drawing/2010/main" xmlns="" w="9525">
                     <a:solidFill>
                       <a:srgbClr val="000000"/>
                     </a:solidFill>
@@ -12308,7 +13415,7 @@
               </a:ln>
               <a:extLst>
                 <a:ext uri="{91240B29-F687-4f45-9708-019B960494DF}">
-                  <a14:hiddenLine xmlns="" xmlns:a14="http://schemas.microsoft.com/office/drawing/2010/main" w="9525">
+                  <a14:hiddenLine xmlns:a14="http://schemas.microsoft.com/office/drawing/2010/main" xmlns="" w="9525">
                     <a:solidFill>
                       <a:srgbClr val="000000"/>
                     </a:solidFill>
@@ -12398,7 +13505,7 @@
               </a:ln>
               <a:extLst>
                 <a:ext uri="{91240B29-F687-4f45-9708-019B960494DF}">
-                  <a14:hiddenLine xmlns="" xmlns:a14="http://schemas.microsoft.com/office/drawing/2010/main" w="9525">
+                  <a14:hiddenLine xmlns:a14="http://schemas.microsoft.com/office/drawing/2010/main" xmlns="" w="9525">
                     <a:solidFill>
                       <a:srgbClr val="000000"/>
                     </a:solidFill>
@@ -12463,7 +13570,7 @@
               </a:ln>
               <a:extLst>
                 <a:ext uri="{91240B29-F687-4f45-9708-019B960494DF}">
-                  <a14:hiddenLine xmlns="" xmlns:a14="http://schemas.microsoft.com/office/drawing/2010/main" w="9525">
+                  <a14:hiddenLine xmlns:a14="http://schemas.microsoft.com/office/drawing/2010/main" xmlns="" w="9525">
                     <a:solidFill>
                       <a:srgbClr val="000000"/>
                     </a:solidFill>
@@ -12583,7 +13690,7 @@
               </a:ln>
               <a:extLst>
                 <a:ext uri="{91240B29-F687-4f45-9708-019B960494DF}">
-                  <a14:hiddenLine xmlns="" xmlns:a14="http://schemas.microsoft.com/office/drawing/2010/main" w="9525">
+                  <a14:hiddenLine xmlns:a14="http://schemas.microsoft.com/office/drawing/2010/main" xmlns="" w="9525">
                     <a:solidFill>
                       <a:srgbClr val="000000"/>
                     </a:solidFill>
@@ -12681,7 +13788,7 @@
               </a:ln>
               <a:extLst>
                 <a:ext uri="{91240B29-F687-4f45-9708-019B960494DF}">
-                  <a14:hiddenLine xmlns="" xmlns:a14="http://schemas.microsoft.com/office/drawing/2010/main" w="9525">
+                  <a14:hiddenLine xmlns:a14="http://schemas.microsoft.com/office/drawing/2010/main" xmlns="" w="9525">
                     <a:solidFill>
                       <a:srgbClr val="000000"/>
                     </a:solidFill>
@@ -12796,7 +13903,7 @@
               </a:ln>
               <a:extLst>
                 <a:ext uri="{91240B29-F687-4f45-9708-019B960494DF}">
-                  <a14:hiddenLine xmlns="" xmlns:a14="http://schemas.microsoft.com/office/drawing/2010/main" w="9525">
+                  <a14:hiddenLine xmlns:a14="http://schemas.microsoft.com/office/drawing/2010/main" xmlns="" w="9525">
                     <a:solidFill>
                       <a:srgbClr val="000000"/>
                     </a:solidFill>
@@ -12886,7 +13993,7 @@
               </a:ln>
               <a:extLst>
                 <a:ext uri="{91240B29-F687-4f45-9708-019B960494DF}">
-                  <a14:hiddenLine xmlns="" xmlns:a14="http://schemas.microsoft.com/office/drawing/2010/main" w="9525">
+                  <a14:hiddenLine xmlns:a14="http://schemas.microsoft.com/office/drawing/2010/main" xmlns="" w="9525">
                     <a:solidFill>
                       <a:srgbClr val="000000"/>
                     </a:solidFill>
@@ -12951,7 +14058,7 @@
               </a:ln>
               <a:extLst>
                 <a:ext uri="{91240B29-F687-4f45-9708-019B960494DF}">
-                  <a14:hiddenLine xmlns="" xmlns:a14="http://schemas.microsoft.com/office/drawing/2010/main" w="9525">
+                  <a14:hiddenLine xmlns:a14="http://schemas.microsoft.com/office/drawing/2010/main" xmlns="" w="9525">
                     <a:solidFill>
                       <a:srgbClr val="000000"/>
                     </a:solidFill>
@@ -13041,7 +14148,7 @@
               </a:ln>
               <a:extLst>
                 <a:ext uri="{91240B29-F687-4f45-9708-019B960494DF}">
-                  <a14:hiddenLine xmlns="" xmlns:a14="http://schemas.microsoft.com/office/drawing/2010/main" w="9525">
+                  <a14:hiddenLine xmlns:a14="http://schemas.microsoft.com/office/drawing/2010/main" xmlns="" w="9525">
                     <a:solidFill>
                       <a:srgbClr val="000000"/>
                     </a:solidFill>
@@ -13109,7 +14216,7 @@
               </a:ln>
               <a:extLst>
                 <a:ext uri="{91240B29-F687-4f45-9708-019B960494DF}">
-                  <a14:hiddenLine xmlns="" xmlns:a14="http://schemas.microsoft.com/office/drawing/2010/main" w="9525">
+                  <a14:hiddenLine xmlns:a14="http://schemas.microsoft.com/office/drawing/2010/main" xmlns="" w="9525">
                     <a:solidFill>
                       <a:srgbClr val="000000"/>
                     </a:solidFill>
@@ -13199,7 +14306,7 @@
               </a:ln>
               <a:extLst>
                 <a:ext uri="{91240B29-F687-4f45-9708-019B960494DF}">
-                  <a14:hiddenLine xmlns="" xmlns:a14="http://schemas.microsoft.com/office/drawing/2010/main" w="9525">
+                  <a14:hiddenLine xmlns:a14="http://schemas.microsoft.com/office/drawing/2010/main" xmlns="" w="9525">
                     <a:solidFill>
                       <a:srgbClr val="000000"/>
                     </a:solidFill>
@@ -13267,7 +14374,7 @@
               </a:ln>
               <a:extLst>
                 <a:ext uri="{91240B29-F687-4f45-9708-019B960494DF}">
-                  <a14:hiddenLine xmlns="" xmlns:a14="http://schemas.microsoft.com/office/drawing/2010/main" w="9525">
+                  <a14:hiddenLine xmlns:a14="http://schemas.microsoft.com/office/drawing/2010/main" xmlns="" w="9525">
                     <a:solidFill>
                       <a:srgbClr val="000000"/>
                     </a:solidFill>
@@ -13357,7 +14464,7 @@
               </a:ln>
               <a:extLst>
                 <a:ext uri="{91240B29-F687-4f45-9708-019B960494DF}">
-                  <a14:hiddenLine xmlns="" xmlns:a14="http://schemas.microsoft.com/office/drawing/2010/main" w="9525">
+                  <a14:hiddenLine xmlns:a14="http://schemas.microsoft.com/office/drawing/2010/main" xmlns="" w="9525">
                     <a:solidFill>
                       <a:srgbClr val="000000"/>
                     </a:solidFill>
@@ -13391,7 +14498,7 @@
               </a:ln>
               <a:extLst>
                 <a:ext uri="{91240B29-F687-4f45-9708-019B960494DF}">
-                  <a14:hiddenLine xmlns="" xmlns:a14="http://schemas.microsoft.com/office/drawing/2010/main" w="9525">
+                  <a14:hiddenLine xmlns:a14="http://schemas.microsoft.com/office/drawing/2010/main" xmlns="" w="9525">
                     <a:solidFill>
                       <a:srgbClr val="000000"/>
                     </a:solidFill>
@@ -13531,7 +14638,7 @@
           <a:p>
             <a:fld id="{E5F88148-22D0-4D2E-9DC0-271354957247}" type="datetime1">
               <a:rPr lang="nl-BE" smtClean="0"/>
-              <a:t>4/06/2022</a:t>
+              <a:t>14/06/2022</a:t>
             </a:fld>
             <a:endParaRPr lang="en-US" dirty="0"/>
           </a:p>
@@ -13613,7 +14720,7 @@
             <a:fld id="{6D22F896-40B5-4ADD-8801-0D06FADFA095}" type="slidenum">
               <a:rPr lang="en-US" dirty="0"/>
               <a:pPr/>
-              <a:t>‹nr.›</a:t>
+              <a:t>‹#›</a:t>
             </a:fld>
             <a:endParaRPr lang="en-US" dirty="0"/>
           </a:p>
@@ -14035,7 +15142,7 @@
 </p:sld>
 </file>
 
-<file path=ppt/slides/slide2.xml><?xml version="1.0" encoding="utf-8"?>
+<file path=ppt/slides/slide10.xml><?xml version="1.0" encoding="utf-8"?>
 <p:sld xmlns:a="http://schemas.openxmlformats.org/drawingml/2006/main" xmlns:r="http://schemas.openxmlformats.org/officeDocument/2006/relationships" xmlns:p="http://schemas.openxmlformats.org/presentationml/2006/main">
   <p:cSld>
     <p:spTree>
@@ -14057,7 +15164,7 @@
           <p:cNvPr id="2" name="Titel 1">
             <a:extLst>
               <a:ext uri="{FF2B5EF4-FFF2-40B4-BE49-F238E27FC236}">
-                <a16:creationId xmlns:a16="http://schemas.microsoft.com/office/drawing/2014/main" id="{DB76BA03-9197-71D7-700F-832DD002C187}"/>
+                <a16:creationId xmlns:a16="http://schemas.microsoft.com/office/drawing/2014/main" id="{3E05529B-BA29-48C9-D7A4-D66E9A81FF8E}"/>
               </a:ext>
             </a:extLst>
           </p:cNvPr>
@@ -14074,18 +15181,27 @@
           <a:lstStyle/>
           <a:p>
             <a:r>
+              <a:rPr lang="en-US" dirty="0"/>
+              <a:t>H</a:t>
+            </a:r>
+            <a:r>
               <a:rPr lang="en-BE" dirty="0"/>
-              <a:t>Disclaimer</a:t>
-            </a:r>
-          </a:p>
-        </p:txBody>
-      </p:sp>
-      <p:sp>
-        <p:nvSpPr>
-          <p:cNvPr id="3" name="Tijdelijke aanduiding voor inhoud 2">
+              <a:t>ow</a:t>
+            </a:r>
+            <a:r>
+              <a:rPr lang="en-US" dirty="0"/>
+              <a:t>: Aggregates</a:t>
+            </a:r>
+            <a:endParaRPr lang="en-BE" dirty="0"/>
+          </a:p>
+        </p:txBody>
+      </p:sp>
+      <p:sp>
+        <p:nvSpPr>
+          <p:cNvPr id="4" name="Tijdelijke aanduiding voor datum 3">
             <a:extLst>
               <a:ext uri="{FF2B5EF4-FFF2-40B4-BE49-F238E27FC236}">
-                <a16:creationId xmlns:a16="http://schemas.microsoft.com/office/drawing/2014/main" id="{84799F7E-3699-BA1D-D4D4-75C2BCB362D8}"/>
+                <a16:creationId xmlns:a16="http://schemas.microsoft.com/office/drawing/2014/main" id="{EE767337-D232-69A5-85A0-B58C561E1979}"/>
               </a:ext>
             </a:extLst>
           </p:cNvPr>
@@ -14093,7 +15209,7 @@
             <a:spLocks noGrp="1"/>
           </p:cNvSpPr>
           <p:nvPr>
-            <p:ph idx="1"/>
+            <p:ph type="dt" sz="half" idx="10"/>
           </p:nvPr>
         </p:nvSpPr>
         <p:spPr/>
@@ -14101,36 +15217,20 @@
           <a:bodyPr/>
           <a:lstStyle/>
           <a:p>
-            <a:pPr marL="0" indent="0">
-              <a:buNone/>
-            </a:pPr>
-            <a:r>
-              <a:rPr lang="en-BE" dirty="0"/>
-              <a:t>Event Sourcing is not always the </a:t>
-            </a:r>
-            <a:r>
-              <a:rPr lang="en-BE" u="sng" dirty="0"/>
-              <a:t>best</a:t>
-            </a:r>
-            <a:r>
-              <a:rPr lang="en-BE" dirty="0"/>
-              <a:t> option</a:t>
-            </a:r>
-          </a:p>
-          <a:p>
-            <a:pPr marL="0" indent="0">
-              <a:buNone/>
-            </a:pPr>
-            <a:endParaRPr lang="en-BE" dirty="0"/>
-          </a:p>
-        </p:txBody>
-      </p:sp>
-      <p:sp>
-        <p:nvSpPr>
-          <p:cNvPr id="4" name="Tijdelijke aanduiding voor datum 3">
+            <a:fld id="{EEE34FF5-3B64-40E8-96CF-68791D7CECD3}" type="datetime1">
+              <a:rPr lang="nl-BE" smtClean="0"/>
+              <a:t>14/06/2022</a:t>
+            </a:fld>
+            <a:endParaRPr lang="en-US"/>
+          </a:p>
+        </p:txBody>
+      </p:sp>
+      <p:sp>
+        <p:nvSpPr>
+          <p:cNvPr id="5" name="Tijdelijke aanduiding voor voettekst 4">
             <a:extLst>
               <a:ext uri="{FF2B5EF4-FFF2-40B4-BE49-F238E27FC236}">
-                <a16:creationId xmlns:a16="http://schemas.microsoft.com/office/drawing/2014/main" id="{0B95B0BB-0322-4DDF-183C-B37D949BFE92}"/>
+                <a16:creationId xmlns:a16="http://schemas.microsoft.com/office/drawing/2014/main" id="{9F35FA55-75C4-08A9-E3FF-99A00BF1496A}"/>
               </a:ext>
             </a:extLst>
           </p:cNvPr>
@@ -14138,7 +15238,7 @@
             <a:spLocks noGrp="1"/>
           </p:cNvSpPr>
           <p:nvPr>
-            <p:ph type="dt" sz="half" idx="10"/>
+            <p:ph type="ftr" sz="quarter" idx="11"/>
           </p:nvPr>
         </p:nvSpPr>
         <p:spPr/>
@@ -14146,20 +15246,39 @@
           <a:bodyPr/>
           <a:lstStyle/>
           <a:p>
-            <a:fld id="{EEE34FF5-3B64-40E8-96CF-68791D7CECD3}" type="datetime1">
-              <a:rPr lang="nl-BE" smtClean="0"/>
-              <a:t>4/06/2022</a:t>
-            </a:fld>
-            <a:endParaRPr lang="en-US"/>
-          </a:p>
-        </p:txBody>
-      </p:sp>
-      <p:sp>
-        <p:nvSpPr>
-          <p:cNvPr id="5" name="Tijdelijke aanduiding voor voettekst 4">
+            <a:r>
+              <a:rPr lang="en-US" dirty="0"/>
+              <a:t>T</a:t>
+            </a:r>
+            <a:r>
+              <a:rPr lang="en-BE" dirty="0" err="1"/>
+              <a:t>hijs</a:t>
+            </a:r>
+            <a:r>
+              <a:rPr lang="en-BE" dirty="0"/>
+              <a:t> </a:t>
+            </a:r>
+            <a:r>
+              <a:rPr lang="en-BE" dirty="0" err="1"/>
+              <a:t>cornelis</a:t>
+            </a:r>
+            <a:r>
+              <a:rPr lang="en-BE" dirty="0"/>
+              <a:t> @ </a:t>
+            </a:r>
+            <a:r>
+              <a:rPr lang="en-US" dirty="0"/>
+              <a:t>AllPhi </a:t>
+            </a:r>
+          </a:p>
+        </p:txBody>
+      </p:sp>
+      <p:sp>
+        <p:nvSpPr>
+          <p:cNvPr id="6" name="Tijdelijke aanduiding voor dianummer 5">
             <a:extLst>
               <a:ext uri="{FF2B5EF4-FFF2-40B4-BE49-F238E27FC236}">
-                <a16:creationId xmlns:a16="http://schemas.microsoft.com/office/drawing/2014/main" id="{A07D5282-C86A-3251-A127-DA7E4299B41D}"/>
+                <a16:creationId xmlns:a16="http://schemas.microsoft.com/office/drawing/2014/main" id="{3297C91D-33DB-FAE3-55C1-EACF44419452}"/>
               </a:ext>
             </a:extLst>
           </p:cNvPr>
@@ -14167,7 +15286,7 @@
             <a:spLocks noGrp="1"/>
           </p:cNvSpPr>
           <p:nvPr>
-            <p:ph type="ftr" sz="quarter" idx="11"/>
+            <p:ph type="sldNum" sz="quarter" idx="12"/>
           </p:nvPr>
         </p:nvSpPr>
         <p:spPr/>
@@ -14175,66 +15294,108 @@
           <a:bodyPr/>
           <a:lstStyle/>
           <a:p>
-            <a:r>
-              <a:rPr lang="en-US" dirty="0"/>
-              <a:t>T</a:t>
-            </a:r>
-            <a:r>
-              <a:rPr lang="en-BE" dirty="0" err="1"/>
-              <a:t>hijs</a:t>
-            </a:r>
-            <a:r>
-              <a:rPr lang="en-BE" dirty="0"/>
-              <a:t> </a:t>
-            </a:r>
-            <a:r>
-              <a:rPr lang="en-BE" dirty="0" err="1"/>
-              <a:t>cornelis</a:t>
-            </a:r>
-            <a:r>
-              <a:rPr lang="en-BE" dirty="0"/>
-              <a:t> @ </a:t>
-            </a:r>
-            <a:r>
-              <a:rPr lang="en-US" dirty="0"/>
-              <a:t>AllPhi </a:t>
-            </a:r>
-          </a:p>
-        </p:txBody>
-      </p:sp>
-      <p:sp>
-        <p:nvSpPr>
-          <p:cNvPr id="6" name="Tijdelijke aanduiding voor dianummer 5">
+            <a:fld id="{6D22F896-40B5-4ADD-8801-0D06FADFA095}" type="slidenum">
+              <a:rPr lang="en-US" smtClean="0"/>
+              <a:t>10</a:t>
+            </a:fld>
+            <a:endParaRPr lang="en-US"/>
+          </a:p>
+        </p:txBody>
+      </p:sp>
+      <p:pic>
+        <p:nvPicPr>
+          <p:cNvPr id="10" name="Picture 9">
             <a:extLst>
               <a:ext uri="{FF2B5EF4-FFF2-40B4-BE49-F238E27FC236}">
-                <a16:creationId xmlns:a16="http://schemas.microsoft.com/office/drawing/2014/main" id="{791204C9-F5C7-66DF-E03D-CA1D15A29320}"/>
+                <a16:creationId xmlns:a16="http://schemas.microsoft.com/office/drawing/2014/main" id="{19FAD327-D109-68BC-F463-CC27DB0CE4DC}"/>
               </a:ext>
             </a:extLst>
           </p:cNvPr>
-          <p:cNvSpPr>
-            <a:spLocks noGrp="1"/>
-          </p:cNvSpPr>
-          <p:nvPr>
-            <p:ph type="sldNum" sz="quarter" idx="12"/>
-          </p:nvPr>
-        </p:nvSpPr>
-        <p:spPr/>
-        <p:txBody>
-          <a:bodyPr/>
-          <a:lstStyle/>
-          <a:p>
-            <a:fld id="{6D22F896-40B5-4ADD-8801-0D06FADFA095}" type="slidenum">
-              <a:rPr lang="en-US" smtClean="0"/>
-              <a:t>2</a:t>
-            </a:fld>
-            <a:endParaRPr lang="en-US"/>
-          </a:p>
-        </p:txBody>
-      </p:sp>
+          <p:cNvPicPr>
+            <a:picLocks noChangeAspect="1"/>
+          </p:cNvPicPr>
+          <p:nvPr/>
+        </p:nvPicPr>
+        <p:blipFill>
+          <a:blip r:embed="rId3"/>
+          <a:stretch>
+            <a:fillRect/>
+          </a:stretch>
+        </p:blipFill>
+        <p:spPr>
+          <a:xfrm>
+            <a:off x="2370696" y="1851660"/>
+            <a:ext cx="2727942" cy="3956937"/>
+          </a:xfrm>
+          <a:prstGeom prst="rect">
+            <a:avLst/>
+          </a:prstGeom>
+        </p:spPr>
+      </p:pic>
+      <p:pic>
+        <p:nvPicPr>
+          <p:cNvPr id="14" name="Picture 13">
+            <a:extLst>
+              <a:ext uri="{FF2B5EF4-FFF2-40B4-BE49-F238E27FC236}">
+                <a16:creationId xmlns:a16="http://schemas.microsoft.com/office/drawing/2014/main" id="{9F2BC4C6-A7CF-0965-E840-712816EBCB3B}"/>
+              </a:ext>
+            </a:extLst>
+          </p:cNvPr>
+          <p:cNvPicPr>
+            <a:picLocks noChangeAspect="1"/>
+          </p:cNvPicPr>
+          <p:nvPr/>
+        </p:nvPicPr>
+        <p:blipFill>
+          <a:blip r:embed="rId4"/>
+          <a:stretch>
+            <a:fillRect/>
+          </a:stretch>
+        </p:blipFill>
+        <p:spPr>
+          <a:xfrm>
+            <a:off x="6094412" y="4407986"/>
+            <a:ext cx="2311591" cy="2079308"/>
+          </a:xfrm>
+          <a:prstGeom prst="rect">
+            <a:avLst/>
+          </a:prstGeom>
+        </p:spPr>
+      </p:pic>
+      <p:pic>
+        <p:nvPicPr>
+          <p:cNvPr id="16" name="Picture 15">
+            <a:extLst>
+              <a:ext uri="{FF2B5EF4-FFF2-40B4-BE49-F238E27FC236}">
+                <a16:creationId xmlns:a16="http://schemas.microsoft.com/office/drawing/2014/main" id="{C40A3E87-C920-CB1D-763A-D095F5A84D33}"/>
+              </a:ext>
+            </a:extLst>
+          </p:cNvPr>
+          <p:cNvPicPr>
+            <a:picLocks noChangeAspect="1"/>
+          </p:cNvPicPr>
+          <p:nvPr/>
+        </p:nvPicPr>
+        <p:blipFill>
+          <a:blip r:embed="rId5"/>
+          <a:stretch>
+            <a:fillRect/>
+          </a:stretch>
+        </p:blipFill>
+        <p:spPr>
+          <a:xfrm>
+            <a:off x="6094412" y="1514442"/>
+            <a:ext cx="1667714" cy="2438400"/>
+          </a:xfrm>
+          <a:prstGeom prst="rect">
+            <a:avLst/>
+          </a:prstGeom>
+        </p:spPr>
+      </p:pic>
     </p:spTree>
     <p:extLst>
       <p:ext uri="{BB962C8B-B14F-4D97-AF65-F5344CB8AC3E}">
-        <p14:creationId xmlns:p14="http://schemas.microsoft.com/office/powerpoint/2010/main" val="1719931539"/>
+        <p14:creationId xmlns:p14="http://schemas.microsoft.com/office/powerpoint/2010/main" val="1137535825"/>
       </p:ext>
     </p:extLst>
   </p:cSld>
@@ -14244,7 +15405,7 @@
 </p:sld>
 </file>
 
-<file path=ppt/slides/slide3.xml><?xml version="1.0" encoding="utf-8"?>
+<file path=ppt/slides/slide11.xml><?xml version="1.0" encoding="utf-8"?>
 <p:sld xmlns:a="http://schemas.openxmlformats.org/drawingml/2006/main" xmlns:r="http://schemas.openxmlformats.org/officeDocument/2006/relationships" xmlns:p="http://schemas.openxmlformats.org/presentationml/2006/main">
   <p:cSld>
     <p:spTree>
@@ -14266,7 +15427,7 @@
           <p:cNvPr id="2" name="Titel 1">
             <a:extLst>
               <a:ext uri="{FF2B5EF4-FFF2-40B4-BE49-F238E27FC236}">
-                <a16:creationId xmlns:a16="http://schemas.microsoft.com/office/drawing/2014/main" id="{C09ABC29-4D6F-4484-2654-2C46E484C5E0}"/>
+                <a16:creationId xmlns:a16="http://schemas.microsoft.com/office/drawing/2014/main" id="{3E05529B-BA29-48C9-D7A4-D66E9A81FF8E}"/>
               </a:ext>
             </a:extLst>
           </p:cNvPr>
@@ -14284,21 +15445,26 @@
           <a:p>
             <a:r>
               <a:rPr lang="en-US" dirty="0"/>
-              <a:t>W</a:t>
+              <a:t>H</a:t>
             </a:r>
             <a:r>
               <a:rPr lang="en-BE" dirty="0"/>
-              <a:t>hat?</a:t>
-            </a:r>
-          </a:p>
-        </p:txBody>
-      </p:sp>
-      <p:sp>
-        <p:nvSpPr>
-          <p:cNvPr id="3" name="Tijdelijke aanduiding voor inhoud 2">
+              <a:t>ow</a:t>
+            </a:r>
+            <a:r>
+              <a:rPr lang="en-US" dirty="0"/>
+              <a:t>: Projections</a:t>
+            </a:r>
+            <a:endParaRPr lang="en-BE" dirty="0"/>
+          </a:p>
+        </p:txBody>
+      </p:sp>
+      <p:sp>
+        <p:nvSpPr>
+          <p:cNvPr id="4" name="Tijdelijke aanduiding voor datum 3">
             <a:extLst>
               <a:ext uri="{FF2B5EF4-FFF2-40B4-BE49-F238E27FC236}">
-                <a16:creationId xmlns:a16="http://schemas.microsoft.com/office/drawing/2014/main" id="{6A42B61B-551C-1239-B68F-81D5F033512C}"/>
+                <a16:creationId xmlns:a16="http://schemas.microsoft.com/office/drawing/2014/main" id="{EE767337-D232-69A5-85A0-B58C561E1979}"/>
               </a:ext>
             </a:extLst>
           </p:cNvPr>
@@ -14306,75 +15472,28 @@
             <a:spLocks noGrp="1"/>
           </p:cNvSpPr>
           <p:nvPr>
-            <p:ph idx="1"/>
-          </p:nvPr>
-        </p:nvSpPr>
-        <p:spPr>
-          <a:xfrm>
-            <a:off x="1150656" y="1722411"/>
-            <a:ext cx="9905999" cy="3541714"/>
-          </a:xfrm>
-        </p:spPr>
+            <p:ph type="dt" sz="half" idx="10"/>
+          </p:nvPr>
+        </p:nvSpPr>
+        <p:spPr/>
         <p:txBody>
           <a:bodyPr/>
           <a:lstStyle/>
           <a:p>
-            <a:r>
-              <a:rPr lang="en-BE" dirty="0"/>
-              <a:t>A pattern for storing data (!= state) as events in an </a:t>
-            </a:r>
-            <a:r>
-              <a:rPr lang="en-BE" u="sng" dirty="0"/>
-              <a:t>append-only</a:t>
-            </a:r>
-            <a:r>
-              <a:rPr lang="en-BE" dirty="0"/>
-              <a:t> log</a:t>
-            </a:r>
-          </a:p>
-          <a:p>
-            <a:r>
-              <a:rPr lang="en-BE" dirty="0"/>
-              <a:t>An event</a:t>
-            </a:r>
-            <a:r>
-              <a:rPr lang="en-US" b="0" i="0" dirty="0">
-                <a:effectLst/>
-                <a:latin typeface="Museo Sans"/>
-              </a:rPr>
-              <a:t> </a:t>
-            </a:r>
-            <a:r>
-              <a:rPr lang="en-US" dirty="0"/>
-              <a:t>represents a fact that took place within your business</a:t>
-            </a:r>
-            <a:endParaRPr lang="en-BE" dirty="0">
-              <a:latin typeface="Museo Sans"/>
-            </a:endParaRPr>
-          </a:p>
-          <a:p>
-            <a:r>
-              <a:rPr lang="en-US" dirty="0"/>
-              <a:t>An </a:t>
-            </a:r>
-            <a:r>
-              <a:rPr lang="en-BE" dirty="0"/>
-              <a:t>aggregate’s</a:t>
-            </a:r>
-            <a:r>
-              <a:rPr lang="en-US" dirty="0"/>
-              <a:t> current state can be created by replaying all the events in order of occurrence.</a:t>
-            </a:r>
-            <a:endParaRPr lang="en-BE" dirty="0"/>
-          </a:p>
-        </p:txBody>
-      </p:sp>
-      <p:sp>
-        <p:nvSpPr>
-          <p:cNvPr id="4" name="Tijdelijke aanduiding voor datum 3">
+            <a:fld id="{EEE34FF5-3B64-40E8-96CF-68791D7CECD3}" type="datetime1">
+              <a:rPr lang="nl-BE" smtClean="0"/>
+              <a:t>14/06/2022</a:t>
+            </a:fld>
+            <a:endParaRPr lang="en-US"/>
+          </a:p>
+        </p:txBody>
+      </p:sp>
+      <p:sp>
+        <p:nvSpPr>
+          <p:cNvPr id="5" name="Tijdelijke aanduiding voor voettekst 4">
             <a:extLst>
               <a:ext uri="{FF2B5EF4-FFF2-40B4-BE49-F238E27FC236}">
-                <a16:creationId xmlns:a16="http://schemas.microsoft.com/office/drawing/2014/main" id="{6A75839F-2020-31F5-3FB7-861CD1E5F91A}"/>
+                <a16:creationId xmlns:a16="http://schemas.microsoft.com/office/drawing/2014/main" id="{9F35FA55-75C4-08A9-E3FF-99A00BF1496A}"/>
               </a:ext>
             </a:extLst>
           </p:cNvPr>
@@ -14382,7 +15501,7 @@
             <a:spLocks noGrp="1"/>
           </p:cNvSpPr>
           <p:nvPr>
-            <p:ph type="dt" sz="half" idx="10"/>
+            <p:ph type="ftr" sz="quarter" idx="11"/>
           </p:nvPr>
         </p:nvSpPr>
         <p:spPr/>
@@ -14390,20 +15509,39 @@
           <a:bodyPr/>
           <a:lstStyle/>
           <a:p>
-            <a:fld id="{EEE34FF5-3B64-40E8-96CF-68791D7CECD3}" type="datetime1">
-              <a:rPr lang="nl-BE" smtClean="0"/>
-              <a:t>4/06/2022</a:t>
-            </a:fld>
-            <a:endParaRPr lang="en-US"/>
-          </a:p>
-        </p:txBody>
-      </p:sp>
-      <p:sp>
-        <p:nvSpPr>
-          <p:cNvPr id="5" name="Tijdelijke aanduiding voor voettekst 4">
+            <a:r>
+              <a:rPr lang="en-US" dirty="0"/>
+              <a:t>T</a:t>
+            </a:r>
+            <a:r>
+              <a:rPr lang="en-BE" dirty="0" err="1"/>
+              <a:t>hijs</a:t>
+            </a:r>
+            <a:r>
+              <a:rPr lang="en-BE" dirty="0"/>
+              <a:t> </a:t>
+            </a:r>
+            <a:r>
+              <a:rPr lang="en-BE" dirty="0" err="1"/>
+              <a:t>cornelis</a:t>
+            </a:r>
+            <a:r>
+              <a:rPr lang="en-BE" dirty="0"/>
+              <a:t> @ </a:t>
+            </a:r>
+            <a:r>
+              <a:rPr lang="en-US" dirty="0"/>
+              <a:t>AllPhi </a:t>
+            </a:r>
+          </a:p>
+        </p:txBody>
+      </p:sp>
+      <p:sp>
+        <p:nvSpPr>
+          <p:cNvPr id="6" name="Tijdelijke aanduiding voor dianummer 5">
             <a:extLst>
               <a:ext uri="{FF2B5EF4-FFF2-40B4-BE49-F238E27FC236}">
-                <a16:creationId xmlns:a16="http://schemas.microsoft.com/office/drawing/2014/main" id="{355C05DD-5E92-7B0B-C082-F81F2A82155E}"/>
+                <a16:creationId xmlns:a16="http://schemas.microsoft.com/office/drawing/2014/main" id="{3297C91D-33DB-FAE3-55C1-EACF44419452}"/>
               </a:ext>
             </a:extLst>
           </p:cNvPr>
@@ -14411,7 +15549,7 @@
             <a:spLocks noGrp="1"/>
           </p:cNvSpPr>
           <p:nvPr>
-            <p:ph type="ftr" sz="quarter" idx="11"/>
+            <p:ph type="sldNum" sz="quarter" idx="12"/>
           </p:nvPr>
         </p:nvSpPr>
         <p:spPr/>
@@ -14419,66 +15557,108 @@
           <a:bodyPr/>
           <a:lstStyle/>
           <a:p>
-            <a:r>
-              <a:rPr lang="en-US" dirty="0"/>
-              <a:t>T</a:t>
-            </a:r>
-            <a:r>
-              <a:rPr lang="en-BE" dirty="0" err="1"/>
-              <a:t>hijs</a:t>
-            </a:r>
-            <a:r>
-              <a:rPr lang="en-BE" dirty="0"/>
-              <a:t> </a:t>
-            </a:r>
-            <a:r>
-              <a:rPr lang="en-BE" dirty="0" err="1"/>
-              <a:t>cornelis</a:t>
-            </a:r>
-            <a:r>
-              <a:rPr lang="en-BE" dirty="0"/>
-              <a:t> @ </a:t>
-            </a:r>
-            <a:r>
-              <a:rPr lang="en-US" dirty="0"/>
-              <a:t>AllPhi </a:t>
-            </a:r>
-          </a:p>
-        </p:txBody>
-      </p:sp>
-      <p:sp>
-        <p:nvSpPr>
-          <p:cNvPr id="6" name="Tijdelijke aanduiding voor dianummer 5">
+            <a:fld id="{6D22F896-40B5-4ADD-8801-0D06FADFA095}" type="slidenum">
+              <a:rPr lang="en-US" smtClean="0"/>
+              <a:t>11</a:t>
+            </a:fld>
+            <a:endParaRPr lang="en-US"/>
+          </a:p>
+        </p:txBody>
+      </p:sp>
+      <p:pic>
+        <p:nvPicPr>
+          <p:cNvPr id="8" name="Picture 7">
             <a:extLst>
               <a:ext uri="{FF2B5EF4-FFF2-40B4-BE49-F238E27FC236}">
-                <a16:creationId xmlns:a16="http://schemas.microsoft.com/office/drawing/2014/main" id="{3B2DEF75-2C9F-AEA0-7281-688AE770E7B0}"/>
+                <a16:creationId xmlns:a16="http://schemas.microsoft.com/office/drawing/2014/main" id="{869FFDCC-3832-7519-C09A-13C8BE5684D7}"/>
               </a:ext>
             </a:extLst>
           </p:cNvPr>
-          <p:cNvSpPr>
-            <a:spLocks noGrp="1"/>
-          </p:cNvSpPr>
-          <p:nvPr>
-            <p:ph type="sldNum" sz="quarter" idx="12"/>
-          </p:nvPr>
-        </p:nvSpPr>
-        <p:spPr/>
-        <p:txBody>
-          <a:bodyPr/>
-          <a:lstStyle/>
-          <a:p>
-            <a:fld id="{6D22F896-40B5-4ADD-8801-0D06FADFA095}" type="slidenum">
-              <a:rPr lang="en-US" smtClean="0"/>
-              <a:t>3</a:t>
-            </a:fld>
-            <a:endParaRPr lang="en-US"/>
-          </a:p>
-        </p:txBody>
-      </p:sp>
+          <p:cNvPicPr>
+            <a:picLocks noChangeAspect="1"/>
+          </p:cNvPicPr>
+          <p:nvPr/>
+        </p:nvPicPr>
+        <p:blipFill>
+          <a:blip r:embed="rId3"/>
+          <a:stretch>
+            <a:fillRect/>
+          </a:stretch>
+        </p:blipFill>
+        <p:spPr>
+          <a:xfrm>
+            <a:off x="2687853" y="2537998"/>
+            <a:ext cx="2861310" cy="1717477"/>
+          </a:xfrm>
+          <a:prstGeom prst="rect">
+            <a:avLst/>
+          </a:prstGeom>
+        </p:spPr>
+      </p:pic>
+      <p:pic>
+        <p:nvPicPr>
+          <p:cNvPr id="10" name="Picture 9">
+            <a:extLst>
+              <a:ext uri="{FF2B5EF4-FFF2-40B4-BE49-F238E27FC236}">
+                <a16:creationId xmlns:a16="http://schemas.microsoft.com/office/drawing/2014/main" id="{DC9CAF86-37EF-F90C-A17F-9EB511B46D77}"/>
+              </a:ext>
+            </a:extLst>
+          </p:cNvPr>
+          <p:cNvPicPr>
+            <a:picLocks noChangeAspect="1"/>
+          </p:cNvPicPr>
+          <p:nvPr/>
+        </p:nvPicPr>
+        <p:blipFill>
+          <a:blip r:embed="rId4"/>
+          <a:stretch>
+            <a:fillRect/>
+          </a:stretch>
+        </p:blipFill>
+        <p:spPr>
+          <a:xfrm>
+            <a:off x="6905806" y="3908884"/>
+            <a:ext cx="2072640" cy="1688818"/>
+          </a:xfrm>
+          <a:prstGeom prst="rect">
+            <a:avLst/>
+          </a:prstGeom>
+        </p:spPr>
+      </p:pic>
+      <p:pic>
+        <p:nvPicPr>
+          <p:cNvPr id="16" name="Picture 15">
+            <a:extLst>
+              <a:ext uri="{FF2B5EF4-FFF2-40B4-BE49-F238E27FC236}">
+                <a16:creationId xmlns:a16="http://schemas.microsoft.com/office/drawing/2014/main" id="{96F13982-DA2C-1225-70BB-4A9AD163C19F}"/>
+              </a:ext>
+            </a:extLst>
+          </p:cNvPr>
+          <p:cNvPicPr>
+            <a:picLocks noChangeAspect="1"/>
+          </p:cNvPicPr>
+          <p:nvPr/>
+        </p:nvPicPr>
+        <p:blipFill>
+          <a:blip r:embed="rId5"/>
+          <a:stretch>
+            <a:fillRect/>
+          </a:stretch>
+        </p:blipFill>
+        <p:spPr>
+          <a:xfrm>
+            <a:off x="6642839" y="1551953"/>
+            <a:ext cx="2598575" cy="1920860"/>
+          </a:xfrm>
+          <a:prstGeom prst="rect">
+            <a:avLst/>
+          </a:prstGeom>
+        </p:spPr>
+      </p:pic>
     </p:spTree>
     <p:extLst>
       <p:ext uri="{BB962C8B-B14F-4D97-AF65-F5344CB8AC3E}">
-        <p14:creationId xmlns:p14="http://schemas.microsoft.com/office/powerpoint/2010/main" val="3977505363"/>
+        <p14:creationId xmlns:p14="http://schemas.microsoft.com/office/powerpoint/2010/main" val="859353895"/>
       </p:ext>
     </p:extLst>
   </p:cSld>
@@ -14488,7 +15668,7 @@
 </p:sld>
 </file>
 
-<file path=ppt/slides/slide4.xml><?xml version="1.0" encoding="utf-8"?>
+<file path=ppt/slides/slide12.xml><?xml version="1.0" encoding="utf-8"?>
 <p:sld xmlns:a="http://schemas.openxmlformats.org/drawingml/2006/main" xmlns:r="http://schemas.openxmlformats.org/officeDocument/2006/relationships" xmlns:p="http://schemas.openxmlformats.org/presentationml/2006/main">
   <p:cSld>
     <p:spTree>
@@ -14510,642 +15690,6 @@
           <p:cNvPr id="4" name="Tijdelijke aanduiding voor datum 3">
             <a:extLst>
               <a:ext uri="{FF2B5EF4-FFF2-40B4-BE49-F238E27FC236}">
-                <a16:creationId xmlns:a16="http://schemas.microsoft.com/office/drawing/2014/main" id="{9519843F-CADA-1D8B-A99C-7D4670F22B77}"/>
-              </a:ext>
-            </a:extLst>
-          </p:cNvPr>
-          <p:cNvSpPr>
-            <a:spLocks noGrp="1"/>
-          </p:cNvSpPr>
-          <p:nvPr>
-            <p:ph type="dt" sz="half" idx="10"/>
-          </p:nvPr>
-        </p:nvSpPr>
-        <p:spPr/>
-        <p:txBody>
-          <a:bodyPr/>
-          <a:lstStyle/>
-          <a:p>
-            <a:fld id="{EEE34FF5-3B64-40E8-96CF-68791D7CECD3}" type="datetime1">
-              <a:rPr lang="nl-BE" smtClean="0"/>
-              <a:t>4/06/2022</a:t>
-            </a:fld>
-            <a:endParaRPr lang="en-US"/>
-          </a:p>
-        </p:txBody>
-      </p:sp>
-      <p:sp>
-        <p:nvSpPr>
-          <p:cNvPr id="5" name="Tijdelijke aanduiding voor voettekst 4">
-            <a:extLst>
-              <a:ext uri="{FF2B5EF4-FFF2-40B4-BE49-F238E27FC236}">
-                <a16:creationId xmlns:a16="http://schemas.microsoft.com/office/drawing/2014/main" id="{84D4FDD4-CFE7-A99C-A589-7EA6F2B6B623}"/>
-              </a:ext>
-            </a:extLst>
-          </p:cNvPr>
-          <p:cNvSpPr>
-            <a:spLocks noGrp="1"/>
-          </p:cNvSpPr>
-          <p:nvPr>
-            <p:ph type="ftr" sz="quarter" idx="11"/>
-          </p:nvPr>
-        </p:nvSpPr>
-        <p:spPr/>
-        <p:txBody>
-          <a:bodyPr/>
-          <a:lstStyle/>
-          <a:p>
-            <a:r>
-              <a:rPr lang="en-US" dirty="0"/>
-              <a:t>T</a:t>
-            </a:r>
-            <a:r>
-              <a:rPr lang="en-BE" dirty="0" err="1"/>
-              <a:t>hijs</a:t>
-            </a:r>
-            <a:r>
-              <a:rPr lang="en-BE" dirty="0"/>
-              <a:t> </a:t>
-            </a:r>
-            <a:r>
-              <a:rPr lang="en-BE" dirty="0" err="1"/>
-              <a:t>cornelis</a:t>
-            </a:r>
-            <a:r>
-              <a:rPr lang="en-BE" dirty="0"/>
-              <a:t> @ </a:t>
-            </a:r>
-            <a:r>
-              <a:rPr lang="en-US" dirty="0"/>
-              <a:t>AllPhi </a:t>
-            </a:r>
-          </a:p>
-        </p:txBody>
-      </p:sp>
-      <p:sp>
-        <p:nvSpPr>
-          <p:cNvPr id="6" name="Tijdelijke aanduiding voor dianummer 5">
-            <a:extLst>
-              <a:ext uri="{FF2B5EF4-FFF2-40B4-BE49-F238E27FC236}">
-                <a16:creationId xmlns:a16="http://schemas.microsoft.com/office/drawing/2014/main" id="{D233885B-7D62-DB6A-8C79-05297CB5158F}"/>
-              </a:ext>
-            </a:extLst>
-          </p:cNvPr>
-          <p:cNvSpPr>
-            <a:spLocks noGrp="1"/>
-          </p:cNvSpPr>
-          <p:nvPr>
-            <p:ph type="sldNum" sz="quarter" idx="12"/>
-          </p:nvPr>
-        </p:nvSpPr>
-        <p:spPr/>
-        <p:txBody>
-          <a:bodyPr/>
-          <a:lstStyle/>
-          <a:p>
-            <a:fld id="{6D22F896-40B5-4ADD-8801-0D06FADFA095}" type="slidenum">
-              <a:rPr lang="en-US" smtClean="0"/>
-              <a:t>4</a:t>
-            </a:fld>
-            <a:endParaRPr lang="en-US"/>
-          </a:p>
-        </p:txBody>
-      </p:sp>
-      <p:pic>
-        <p:nvPicPr>
-          <p:cNvPr id="7" name="Graphic 6">
-            <a:extLst>
-              <a:ext uri="{FF2B5EF4-FFF2-40B4-BE49-F238E27FC236}">
-                <a16:creationId xmlns:a16="http://schemas.microsoft.com/office/drawing/2014/main" id="{9194909B-D286-DB04-9D5A-997ABCE9DB15}"/>
-              </a:ext>
-            </a:extLst>
-          </p:cNvPr>
-          <p:cNvPicPr>
-            <a:picLocks noChangeAspect="1"/>
-          </p:cNvPicPr>
-          <p:nvPr/>
-        </p:nvPicPr>
-        <p:blipFill>
-          <a:blip r:embed="rId2">
-            <a:extLst>
-              <a:ext uri="{96DAC541-7B7A-43D3-8B79-37D633B846F1}">
-                <asvg:svgBlip xmlns:asvg="http://schemas.microsoft.com/office/drawing/2016/SVG/main" r:embed="rId3"/>
-              </a:ext>
-            </a:extLst>
-          </a:blip>
-          <a:stretch>
-            <a:fillRect/>
-          </a:stretch>
-        </p:blipFill>
-        <p:spPr>
-          <a:xfrm>
-            <a:off x="1150655" y="1459412"/>
-            <a:ext cx="9856454" cy="3542027"/>
-          </a:xfrm>
-          <a:prstGeom prst="rect">
-            <a:avLst/>
-          </a:prstGeom>
-        </p:spPr>
-      </p:pic>
-      <p:sp>
-        <p:nvSpPr>
-          <p:cNvPr id="10" name="Tijdelijke aanduiding voor tekst 9">
-            <a:extLst>
-              <a:ext uri="{FF2B5EF4-FFF2-40B4-BE49-F238E27FC236}">
-                <a16:creationId xmlns:a16="http://schemas.microsoft.com/office/drawing/2014/main" id="{915787DA-B97A-9020-8FF7-FC20E74C5D1B}"/>
-              </a:ext>
-            </a:extLst>
-          </p:cNvPr>
-          <p:cNvSpPr txBox="1">
-            <a:spLocks noGrp="1"/>
-          </p:cNvSpPr>
-          <p:nvPr>
-            <p:ph type="body" idx="1"/>
-          </p:nvPr>
-        </p:nvSpPr>
-        <p:spPr>
-          <a:xfrm>
-            <a:off x="1150655" y="5112519"/>
-            <a:ext cx="9906000" cy="1374775"/>
-          </a:xfrm>
-          <a:prstGeom prst="rect">
-            <a:avLst/>
-          </a:prstGeom>
-          <a:noFill/>
-        </p:spPr>
-        <p:txBody>
-          <a:bodyPr wrap="none" rtlCol="0">
-            <a:spAutoFit/>
-          </a:bodyPr>
-          <a:lstStyle/>
-          <a:p>
-            <a:r>
-              <a:rPr lang="en-US" sz="800" dirty="0"/>
-              <a:t>https://www.eventstore.com/event-sourcing</a:t>
-            </a:r>
-            <a:endParaRPr lang="en-BE" sz="800" dirty="0"/>
-          </a:p>
-        </p:txBody>
-      </p:sp>
-    </p:spTree>
-    <p:extLst>
-      <p:ext uri="{BB962C8B-B14F-4D97-AF65-F5344CB8AC3E}">
-        <p14:creationId xmlns:p14="http://schemas.microsoft.com/office/powerpoint/2010/main" val="73297784"/>
-      </p:ext>
-    </p:extLst>
-  </p:cSld>
-  <p:clrMapOvr>
-    <a:masterClrMapping/>
-  </p:clrMapOvr>
-</p:sld>
-</file>
-
-<file path=ppt/slides/slide5.xml><?xml version="1.0" encoding="utf-8"?>
-<p:sld xmlns:a="http://schemas.openxmlformats.org/drawingml/2006/main" xmlns:r="http://schemas.openxmlformats.org/officeDocument/2006/relationships" xmlns:p="http://schemas.openxmlformats.org/presentationml/2006/main">
-  <p:cSld>
-    <p:spTree>
-      <p:nvGrpSpPr>
-        <p:cNvPr id="1" name=""/>
-        <p:cNvGrpSpPr/>
-        <p:nvPr/>
-      </p:nvGrpSpPr>
-      <p:grpSpPr>
-        <a:xfrm>
-          <a:off x="0" y="0"/>
-          <a:ext cx="0" cy="0"/>
-          <a:chOff x="0" y="0"/>
-          <a:chExt cx="0" cy="0"/>
-        </a:xfrm>
-      </p:grpSpPr>
-      <p:sp>
-        <p:nvSpPr>
-          <p:cNvPr id="2" name="Titel 1">
-            <a:extLst>
-              <a:ext uri="{FF2B5EF4-FFF2-40B4-BE49-F238E27FC236}">
-                <a16:creationId xmlns:a16="http://schemas.microsoft.com/office/drawing/2014/main" id="{A39FC1F4-0A53-4B1C-8B38-CB68F9AD6D45}"/>
-              </a:ext>
-            </a:extLst>
-          </p:cNvPr>
-          <p:cNvSpPr>
-            <a:spLocks noGrp="1"/>
-          </p:cNvSpPr>
-          <p:nvPr>
-            <p:ph type="title"/>
-          </p:nvPr>
-        </p:nvSpPr>
-        <p:spPr/>
-        <p:txBody>
-          <a:bodyPr/>
-          <a:lstStyle/>
-          <a:p>
-            <a:r>
-              <a:rPr lang="en-BE" dirty="0"/>
-              <a:t>why</a:t>
-            </a:r>
-          </a:p>
-        </p:txBody>
-      </p:sp>
-      <p:sp>
-        <p:nvSpPr>
-          <p:cNvPr id="3" name="Tijdelijke aanduiding voor inhoud 2">
-            <a:extLst>
-              <a:ext uri="{FF2B5EF4-FFF2-40B4-BE49-F238E27FC236}">
-                <a16:creationId xmlns:a16="http://schemas.microsoft.com/office/drawing/2014/main" id="{AEC584CF-C2A2-4FB7-D441-330E7B559E77}"/>
-              </a:ext>
-            </a:extLst>
-          </p:cNvPr>
-          <p:cNvSpPr>
-            <a:spLocks noGrp="1"/>
-          </p:cNvSpPr>
-          <p:nvPr>
-            <p:ph idx="1"/>
-          </p:nvPr>
-        </p:nvSpPr>
-        <p:spPr/>
-        <p:txBody>
-          <a:bodyPr/>
-          <a:lstStyle/>
-          <a:p>
-            <a:r>
-              <a:rPr lang="en-BE" dirty="0"/>
-              <a:t>Great for auditing</a:t>
-            </a:r>
-          </a:p>
-          <a:p>
-            <a:r>
-              <a:rPr lang="en-BE" dirty="0"/>
-              <a:t>Storing information &amp; context that is incredibly valuable to the business</a:t>
-            </a:r>
-          </a:p>
-          <a:p>
-            <a:r>
-              <a:rPr lang="en-BE" dirty="0"/>
-              <a:t>Optimizing applications both on read &amp; write side</a:t>
-            </a:r>
-          </a:p>
-          <a:p>
-            <a:pPr marL="0" indent="0">
-              <a:buNone/>
-            </a:pPr>
-            <a:endParaRPr lang="en-BE" dirty="0"/>
-          </a:p>
-        </p:txBody>
-      </p:sp>
-      <p:sp>
-        <p:nvSpPr>
-          <p:cNvPr id="4" name="Tijdelijke aanduiding voor datum 3">
-            <a:extLst>
-              <a:ext uri="{FF2B5EF4-FFF2-40B4-BE49-F238E27FC236}">
-                <a16:creationId xmlns:a16="http://schemas.microsoft.com/office/drawing/2014/main" id="{F09A9490-2D7E-B3AA-0133-0777B6F62D5A}"/>
-              </a:ext>
-            </a:extLst>
-          </p:cNvPr>
-          <p:cNvSpPr>
-            <a:spLocks noGrp="1"/>
-          </p:cNvSpPr>
-          <p:nvPr>
-            <p:ph type="dt" sz="half" idx="10"/>
-          </p:nvPr>
-        </p:nvSpPr>
-        <p:spPr/>
-        <p:txBody>
-          <a:bodyPr/>
-          <a:lstStyle/>
-          <a:p>
-            <a:fld id="{EEE34FF5-3B64-40E8-96CF-68791D7CECD3}" type="datetime1">
-              <a:rPr lang="nl-BE" smtClean="0"/>
-              <a:t>4/06/2022</a:t>
-            </a:fld>
-            <a:endParaRPr lang="en-US"/>
-          </a:p>
-        </p:txBody>
-      </p:sp>
-      <p:sp>
-        <p:nvSpPr>
-          <p:cNvPr id="5" name="Tijdelijke aanduiding voor voettekst 4">
-            <a:extLst>
-              <a:ext uri="{FF2B5EF4-FFF2-40B4-BE49-F238E27FC236}">
-                <a16:creationId xmlns:a16="http://schemas.microsoft.com/office/drawing/2014/main" id="{F422CD8D-029E-A592-A6A7-988A939BD8D6}"/>
-              </a:ext>
-            </a:extLst>
-          </p:cNvPr>
-          <p:cNvSpPr>
-            <a:spLocks noGrp="1"/>
-          </p:cNvSpPr>
-          <p:nvPr>
-            <p:ph type="ftr" sz="quarter" idx="11"/>
-          </p:nvPr>
-        </p:nvSpPr>
-        <p:spPr/>
-        <p:txBody>
-          <a:bodyPr/>
-          <a:lstStyle/>
-          <a:p>
-            <a:r>
-              <a:rPr lang="en-US" dirty="0"/>
-              <a:t>T</a:t>
-            </a:r>
-            <a:r>
-              <a:rPr lang="en-BE" dirty="0" err="1"/>
-              <a:t>hijs</a:t>
-            </a:r>
-            <a:r>
-              <a:rPr lang="en-BE" dirty="0"/>
-              <a:t> </a:t>
-            </a:r>
-            <a:r>
-              <a:rPr lang="en-BE" dirty="0" err="1"/>
-              <a:t>cornelis</a:t>
-            </a:r>
-            <a:r>
-              <a:rPr lang="en-BE" dirty="0"/>
-              <a:t> @ </a:t>
-            </a:r>
-            <a:r>
-              <a:rPr lang="en-US" dirty="0"/>
-              <a:t>AllPhi </a:t>
-            </a:r>
-          </a:p>
-        </p:txBody>
-      </p:sp>
-      <p:sp>
-        <p:nvSpPr>
-          <p:cNvPr id="6" name="Tijdelijke aanduiding voor dianummer 5">
-            <a:extLst>
-              <a:ext uri="{FF2B5EF4-FFF2-40B4-BE49-F238E27FC236}">
-                <a16:creationId xmlns:a16="http://schemas.microsoft.com/office/drawing/2014/main" id="{988B9C67-600B-921C-9203-DB9DAE85EDFE}"/>
-              </a:ext>
-            </a:extLst>
-          </p:cNvPr>
-          <p:cNvSpPr>
-            <a:spLocks noGrp="1"/>
-          </p:cNvSpPr>
-          <p:nvPr>
-            <p:ph type="sldNum" sz="quarter" idx="12"/>
-          </p:nvPr>
-        </p:nvSpPr>
-        <p:spPr/>
-        <p:txBody>
-          <a:bodyPr/>
-          <a:lstStyle/>
-          <a:p>
-            <a:fld id="{6D22F896-40B5-4ADD-8801-0D06FADFA095}" type="slidenum">
-              <a:rPr lang="en-US" smtClean="0"/>
-              <a:t>5</a:t>
-            </a:fld>
-            <a:endParaRPr lang="en-US"/>
-          </a:p>
-        </p:txBody>
-      </p:sp>
-    </p:spTree>
-    <p:extLst>
-      <p:ext uri="{BB962C8B-B14F-4D97-AF65-F5344CB8AC3E}">
-        <p14:creationId xmlns:p14="http://schemas.microsoft.com/office/powerpoint/2010/main" val="1674284648"/>
-      </p:ext>
-    </p:extLst>
-  </p:cSld>
-  <p:clrMapOvr>
-    <a:masterClrMapping/>
-  </p:clrMapOvr>
-</p:sld>
-</file>
-
-<file path=ppt/slides/slide6.xml><?xml version="1.0" encoding="utf-8"?>
-<p:sld xmlns:a="http://schemas.openxmlformats.org/drawingml/2006/main" xmlns:r="http://schemas.openxmlformats.org/officeDocument/2006/relationships" xmlns:p="http://schemas.openxmlformats.org/presentationml/2006/main">
-  <p:cSld>
-    <p:spTree>
-      <p:nvGrpSpPr>
-        <p:cNvPr id="1" name=""/>
-        <p:cNvGrpSpPr/>
-        <p:nvPr/>
-      </p:nvGrpSpPr>
-      <p:grpSpPr>
-        <a:xfrm>
-          <a:off x="0" y="0"/>
-          <a:ext cx="0" cy="0"/>
-          <a:chOff x="0" y="0"/>
-          <a:chExt cx="0" cy="0"/>
-        </a:xfrm>
-      </p:grpSpPr>
-      <p:sp>
-        <p:nvSpPr>
-          <p:cNvPr id="2" name="Titel 1">
-            <a:extLst>
-              <a:ext uri="{FF2B5EF4-FFF2-40B4-BE49-F238E27FC236}">
-                <a16:creationId xmlns:a16="http://schemas.microsoft.com/office/drawing/2014/main" id="{3E05529B-BA29-48C9-D7A4-D66E9A81FF8E}"/>
-              </a:ext>
-            </a:extLst>
-          </p:cNvPr>
-          <p:cNvSpPr>
-            <a:spLocks noGrp="1"/>
-          </p:cNvSpPr>
-          <p:nvPr>
-            <p:ph type="title"/>
-          </p:nvPr>
-        </p:nvSpPr>
-        <p:spPr/>
-        <p:txBody>
-          <a:bodyPr/>
-          <a:lstStyle/>
-          <a:p>
-            <a:r>
-              <a:rPr lang="en-US" dirty="0"/>
-              <a:t>H</a:t>
-            </a:r>
-            <a:r>
-              <a:rPr lang="en-BE" dirty="0"/>
-              <a:t>ow</a:t>
-            </a:r>
-          </a:p>
-        </p:txBody>
-      </p:sp>
-      <p:sp>
-        <p:nvSpPr>
-          <p:cNvPr id="3" name="Tijdelijke aanduiding voor inhoud 2">
-            <a:extLst>
-              <a:ext uri="{FF2B5EF4-FFF2-40B4-BE49-F238E27FC236}">
-                <a16:creationId xmlns:a16="http://schemas.microsoft.com/office/drawing/2014/main" id="{ABF5517A-B2F1-F75A-78E6-A869C6EF476A}"/>
-              </a:ext>
-            </a:extLst>
-          </p:cNvPr>
-          <p:cNvSpPr>
-            <a:spLocks noGrp="1"/>
-          </p:cNvSpPr>
-          <p:nvPr>
-            <p:ph idx="1"/>
-          </p:nvPr>
-        </p:nvSpPr>
-        <p:spPr/>
-        <p:txBody>
-          <a:bodyPr/>
-          <a:lstStyle/>
-          <a:p>
-            <a:r>
-              <a:rPr lang="en-BE" dirty="0"/>
-              <a:t>Aggregates</a:t>
-            </a:r>
-          </a:p>
-          <a:p>
-            <a:r>
-              <a:rPr lang="en-BE" dirty="0"/>
-              <a:t>Projections</a:t>
-            </a:r>
-          </a:p>
-          <a:p>
-            <a:r>
-              <a:rPr lang="en-BE" dirty="0"/>
-              <a:t>Commands &amp; Queries</a:t>
-            </a:r>
-          </a:p>
-          <a:p>
-            <a:r>
-              <a:rPr lang="en-BE" dirty="0"/>
-              <a:t>(Actors/Subscriptions)</a:t>
-            </a:r>
-          </a:p>
-        </p:txBody>
-      </p:sp>
-      <p:sp>
-        <p:nvSpPr>
-          <p:cNvPr id="4" name="Tijdelijke aanduiding voor datum 3">
-            <a:extLst>
-              <a:ext uri="{FF2B5EF4-FFF2-40B4-BE49-F238E27FC236}">
-                <a16:creationId xmlns:a16="http://schemas.microsoft.com/office/drawing/2014/main" id="{EE767337-D232-69A5-85A0-B58C561E1979}"/>
-              </a:ext>
-            </a:extLst>
-          </p:cNvPr>
-          <p:cNvSpPr>
-            <a:spLocks noGrp="1"/>
-          </p:cNvSpPr>
-          <p:nvPr>
-            <p:ph type="dt" sz="half" idx="10"/>
-          </p:nvPr>
-        </p:nvSpPr>
-        <p:spPr/>
-        <p:txBody>
-          <a:bodyPr/>
-          <a:lstStyle/>
-          <a:p>
-            <a:fld id="{EEE34FF5-3B64-40E8-96CF-68791D7CECD3}" type="datetime1">
-              <a:rPr lang="nl-BE" smtClean="0"/>
-              <a:t>4/06/2022</a:t>
-            </a:fld>
-            <a:endParaRPr lang="en-US"/>
-          </a:p>
-        </p:txBody>
-      </p:sp>
-      <p:sp>
-        <p:nvSpPr>
-          <p:cNvPr id="5" name="Tijdelijke aanduiding voor voettekst 4">
-            <a:extLst>
-              <a:ext uri="{FF2B5EF4-FFF2-40B4-BE49-F238E27FC236}">
-                <a16:creationId xmlns:a16="http://schemas.microsoft.com/office/drawing/2014/main" id="{9F35FA55-75C4-08A9-E3FF-99A00BF1496A}"/>
-              </a:ext>
-            </a:extLst>
-          </p:cNvPr>
-          <p:cNvSpPr>
-            <a:spLocks noGrp="1"/>
-          </p:cNvSpPr>
-          <p:nvPr>
-            <p:ph type="ftr" sz="quarter" idx="11"/>
-          </p:nvPr>
-        </p:nvSpPr>
-        <p:spPr/>
-        <p:txBody>
-          <a:bodyPr/>
-          <a:lstStyle/>
-          <a:p>
-            <a:r>
-              <a:rPr lang="en-US" dirty="0"/>
-              <a:t>T</a:t>
-            </a:r>
-            <a:r>
-              <a:rPr lang="en-BE" dirty="0" err="1"/>
-              <a:t>hijs</a:t>
-            </a:r>
-            <a:r>
-              <a:rPr lang="en-BE" dirty="0"/>
-              <a:t> </a:t>
-            </a:r>
-            <a:r>
-              <a:rPr lang="en-BE" dirty="0" err="1"/>
-              <a:t>cornelis</a:t>
-            </a:r>
-            <a:r>
-              <a:rPr lang="en-BE" dirty="0"/>
-              <a:t> @ </a:t>
-            </a:r>
-            <a:r>
-              <a:rPr lang="en-US" dirty="0"/>
-              <a:t>AllPhi </a:t>
-            </a:r>
-          </a:p>
-        </p:txBody>
-      </p:sp>
-      <p:sp>
-        <p:nvSpPr>
-          <p:cNvPr id="6" name="Tijdelijke aanduiding voor dianummer 5">
-            <a:extLst>
-              <a:ext uri="{FF2B5EF4-FFF2-40B4-BE49-F238E27FC236}">
-                <a16:creationId xmlns:a16="http://schemas.microsoft.com/office/drawing/2014/main" id="{3297C91D-33DB-FAE3-55C1-EACF44419452}"/>
-              </a:ext>
-            </a:extLst>
-          </p:cNvPr>
-          <p:cNvSpPr>
-            <a:spLocks noGrp="1"/>
-          </p:cNvSpPr>
-          <p:nvPr>
-            <p:ph type="sldNum" sz="quarter" idx="12"/>
-          </p:nvPr>
-        </p:nvSpPr>
-        <p:spPr/>
-        <p:txBody>
-          <a:bodyPr/>
-          <a:lstStyle/>
-          <a:p>
-            <a:fld id="{6D22F896-40B5-4ADD-8801-0D06FADFA095}" type="slidenum">
-              <a:rPr lang="en-US" smtClean="0"/>
-              <a:t>6</a:t>
-            </a:fld>
-            <a:endParaRPr lang="en-US"/>
-          </a:p>
-        </p:txBody>
-      </p:sp>
-    </p:spTree>
-    <p:extLst>
-      <p:ext uri="{BB962C8B-B14F-4D97-AF65-F5344CB8AC3E}">
-        <p14:creationId xmlns:p14="http://schemas.microsoft.com/office/powerpoint/2010/main" val="1137535825"/>
-      </p:ext>
-    </p:extLst>
-  </p:cSld>
-  <p:clrMapOvr>
-    <a:masterClrMapping/>
-  </p:clrMapOvr>
-</p:sld>
-</file>
-
-<file path=ppt/slides/slide7.xml><?xml version="1.0" encoding="utf-8"?>
-<p:sld xmlns:a="http://schemas.openxmlformats.org/drawingml/2006/main" xmlns:r="http://schemas.openxmlformats.org/officeDocument/2006/relationships" xmlns:p="http://schemas.openxmlformats.org/presentationml/2006/main">
-  <p:cSld>
-    <p:spTree>
-      <p:nvGrpSpPr>
-        <p:cNvPr id="1" name=""/>
-        <p:cNvGrpSpPr/>
-        <p:nvPr/>
-      </p:nvGrpSpPr>
-      <p:grpSpPr>
-        <a:xfrm>
-          <a:off x="0" y="0"/>
-          <a:ext cx="0" cy="0"/>
-          <a:chOff x="0" y="0"/>
-          <a:chExt cx="0" cy="0"/>
-        </a:xfrm>
-      </p:grpSpPr>
-      <p:sp>
-        <p:nvSpPr>
-          <p:cNvPr id="4" name="Tijdelijke aanduiding voor datum 3">
-            <a:extLst>
-              <a:ext uri="{FF2B5EF4-FFF2-40B4-BE49-F238E27FC236}">
                 <a16:creationId xmlns:a16="http://schemas.microsoft.com/office/drawing/2014/main" id="{584176BF-BD35-D0B1-98A9-2D29BBAAAA7D}"/>
               </a:ext>
             </a:extLst>
@@ -15164,7 +15708,7 @@
           <a:p>
             <a:fld id="{EEE34FF5-3B64-40E8-96CF-68791D7CECD3}" type="datetime1">
               <a:rPr lang="nl-BE" smtClean="0"/>
-              <a:t>4/06/2022</a:t>
+              <a:t>14/06/2022</a:t>
             </a:fld>
             <a:endParaRPr lang="en-US"/>
           </a:p>
@@ -15241,7 +15785,7 @@
           <a:p>
             <a:fld id="{6D22F896-40B5-4ADD-8801-0D06FADFA095}" type="slidenum">
               <a:rPr lang="en-US" smtClean="0"/>
-              <a:t>7</a:t>
+              <a:t>12</a:t>
             </a:fld>
             <a:endParaRPr lang="en-US"/>
           </a:p>
@@ -15262,7 +15806,7 @@
           <p:nvPr/>
         </p:nvPicPr>
         <p:blipFill>
-          <a:blip r:embed="rId2"/>
+          <a:blip r:embed="rId3"/>
           <a:stretch>
             <a:fillRect/>
           </a:stretch>
@@ -15290,7 +15834,7 @@
 </p:sld>
 </file>
 
-<file path=ppt/slides/slide8.xml><?xml version="1.0" encoding="utf-8"?>
+<file path=ppt/slides/slide13.xml><?xml version="1.0" encoding="utf-8"?>
 <p:sld xmlns:a="http://schemas.openxmlformats.org/drawingml/2006/main" xmlns:r="http://schemas.openxmlformats.org/officeDocument/2006/relationships" xmlns:p="http://schemas.openxmlformats.org/presentationml/2006/main">
   <p:cSld>
     <p:spTree>
@@ -15309,6 +15853,215 @@
       </p:grpSpPr>
       <p:sp>
         <p:nvSpPr>
+          <p:cNvPr id="2" name="Titel 1">
+            <a:extLst>
+              <a:ext uri="{FF2B5EF4-FFF2-40B4-BE49-F238E27FC236}">
+                <a16:creationId xmlns:a16="http://schemas.microsoft.com/office/drawing/2014/main" id="{DB76BA03-9197-71D7-700F-832DD002C187}"/>
+              </a:ext>
+            </a:extLst>
+          </p:cNvPr>
+          <p:cNvSpPr>
+            <a:spLocks noGrp="1"/>
+          </p:cNvSpPr>
+          <p:nvPr>
+            <p:ph type="title"/>
+          </p:nvPr>
+        </p:nvSpPr>
+        <p:spPr/>
+        <p:txBody>
+          <a:bodyPr/>
+          <a:lstStyle/>
+          <a:p>
+            <a:r>
+              <a:rPr lang="en-BE" dirty="0"/>
+              <a:t>Disclaimer</a:t>
+            </a:r>
+          </a:p>
+        </p:txBody>
+      </p:sp>
+      <p:sp>
+        <p:nvSpPr>
+          <p:cNvPr id="3" name="Tijdelijke aanduiding voor inhoud 2">
+            <a:extLst>
+              <a:ext uri="{FF2B5EF4-FFF2-40B4-BE49-F238E27FC236}">
+                <a16:creationId xmlns:a16="http://schemas.microsoft.com/office/drawing/2014/main" id="{84799F7E-3699-BA1D-D4D4-75C2BCB362D8}"/>
+              </a:ext>
+            </a:extLst>
+          </p:cNvPr>
+          <p:cNvSpPr>
+            <a:spLocks noGrp="1"/>
+          </p:cNvSpPr>
+          <p:nvPr>
+            <p:ph idx="1"/>
+          </p:nvPr>
+        </p:nvSpPr>
+        <p:spPr/>
+        <p:txBody>
+          <a:bodyPr/>
+          <a:lstStyle/>
+          <a:p>
+            <a:pPr marL="0" indent="0">
+              <a:buNone/>
+            </a:pPr>
+            <a:r>
+              <a:rPr lang="en-BE" dirty="0"/>
+              <a:t>Event Sourcing is not always the </a:t>
+            </a:r>
+            <a:r>
+              <a:rPr lang="en-BE" u="sng" dirty="0"/>
+              <a:t>best</a:t>
+            </a:r>
+            <a:r>
+              <a:rPr lang="en-BE" dirty="0"/>
+              <a:t> option</a:t>
+            </a:r>
+          </a:p>
+          <a:p>
+            <a:pPr marL="0" indent="0">
+              <a:buNone/>
+            </a:pPr>
+            <a:endParaRPr lang="en-BE" dirty="0"/>
+          </a:p>
+        </p:txBody>
+      </p:sp>
+      <p:sp>
+        <p:nvSpPr>
+          <p:cNvPr id="4" name="Tijdelijke aanduiding voor datum 3">
+            <a:extLst>
+              <a:ext uri="{FF2B5EF4-FFF2-40B4-BE49-F238E27FC236}">
+                <a16:creationId xmlns:a16="http://schemas.microsoft.com/office/drawing/2014/main" id="{0B95B0BB-0322-4DDF-183C-B37D949BFE92}"/>
+              </a:ext>
+            </a:extLst>
+          </p:cNvPr>
+          <p:cNvSpPr>
+            <a:spLocks noGrp="1"/>
+          </p:cNvSpPr>
+          <p:nvPr>
+            <p:ph type="dt" sz="half" idx="10"/>
+          </p:nvPr>
+        </p:nvSpPr>
+        <p:spPr/>
+        <p:txBody>
+          <a:bodyPr/>
+          <a:lstStyle/>
+          <a:p>
+            <a:fld id="{EEE34FF5-3B64-40E8-96CF-68791D7CECD3}" type="datetime1">
+              <a:rPr lang="nl-BE" smtClean="0"/>
+              <a:t>14/06/2022</a:t>
+            </a:fld>
+            <a:endParaRPr lang="en-US"/>
+          </a:p>
+        </p:txBody>
+      </p:sp>
+      <p:sp>
+        <p:nvSpPr>
+          <p:cNvPr id="5" name="Tijdelijke aanduiding voor voettekst 4">
+            <a:extLst>
+              <a:ext uri="{FF2B5EF4-FFF2-40B4-BE49-F238E27FC236}">
+                <a16:creationId xmlns:a16="http://schemas.microsoft.com/office/drawing/2014/main" id="{A07D5282-C86A-3251-A127-DA7E4299B41D}"/>
+              </a:ext>
+            </a:extLst>
+          </p:cNvPr>
+          <p:cNvSpPr>
+            <a:spLocks noGrp="1"/>
+          </p:cNvSpPr>
+          <p:nvPr>
+            <p:ph type="ftr" sz="quarter" idx="11"/>
+          </p:nvPr>
+        </p:nvSpPr>
+        <p:spPr/>
+        <p:txBody>
+          <a:bodyPr/>
+          <a:lstStyle/>
+          <a:p>
+            <a:r>
+              <a:rPr lang="en-US" dirty="0"/>
+              <a:t>T</a:t>
+            </a:r>
+            <a:r>
+              <a:rPr lang="en-BE" dirty="0" err="1"/>
+              <a:t>hijs</a:t>
+            </a:r>
+            <a:r>
+              <a:rPr lang="en-BE" dirty="0"/>
+              <a:t> </a:t>
+            </a:r>
+            <a:r>
+              <a:rPr lang="en-BE" dirty="0" err="1"/>
+              <a:t>cornelis</a:t>
+            </a:r>
+            <a:r>
+              <a:rPr lang="en-BE" dirty="0"/>
+              <a:t> @ </a:t>
+            </a:r>
+            <a:r>
+              <a:rPr lang="en-US" dirty="0"/>
+              <a:t>AllPhi </a:t>
+            </a:r>
+          </a:p>
+        </p:txBody>
+      </p:sp>
+      <p:sp>
+        <p:nvSpPr>
+          <p:cNvPr id="6" name="Tijdelijke aanduiding voor dianummer 5">
+            <a:extLst>
+              <a:ext uri="{FF2B5EF4-FFF2-40B4-BE49-F238E27FC236}">
+                <a16:creationId xmlns:a16="http://schemas.microsoft.com/office/drawing/2014/main" id="{791204C9-F5C7-66DF-E03D-CA1D15A29320}"/>
+              </a:ext>
+            </a:extLst>
+          </p:cNvPr>
+          <p:cNvSpPr>
+            <a:spLocks noGrp="1"/>
+          </p:cNvSpPr>
+          <p:nvPr>
+            <p:ph type="sldNum" sz="quarter" idx="12"/>
+          </p:nvPr>
+        </p:nvSpPr>
+        <p:spPr/>
+        <p:txBody>
+          <a:bodyPr/>
+          <a:lstStyle/>
+          <a:p>
+            <a:fld id="{6D22F896-40B5-4ADD-8801-0D06FADFA095}" type="slidenum">
+              <a:rPr lang="en-US" smtClean="0"/>
+              <a:t>13</a:t>
+            </a:fld>
+            <a:endParaRPr lang="en-US"/>
+          </a:p>
+        </p:txBody>
+      </p:sp>
+    </p:spTree>
+    <p:extLst>
+      <p:ext uri="{BB962C8B-B14F-4D97-AF65-F5344CB8AC3E}">
+        <p14:creationId xmlns:p14="http://schemas.microsoft.com/office/powerpoint/2010/main" val="1719931539"/>
+      </p:ext>
+    </p:extLst>
+  </p:cSld>
+  <p:clrMapOvr>
+    <a:masterClrMapping/>
+  </p:clrMapOvr>
+</p:sld>
+</file>
+
+<file path=ppt/slides/slide14.xml><?xml version="1.0" encoding="utf-8"?>
+<p:sld xmlns:a="http://schemas.openxmlformats.org/drawingml/2006/main" xmlns:r="http://schemas.openxmlformats.org/officeDocument/2006/relationships" xmlns:p="http://schemas.openxmlformats.org/presentationml/2006/main">
+  <p:cSld>
+    <p:spTree>
+      <p:nvGrpSpPr>
+        <p:cNvPr id="1" name=""/>
+        <p:cNvGrpSpPr/>
+        <p:nvPr/>
+      </p:nvGrpSpPr>
+      <p:grpSpPr>
+        <a:xfrm>
+          <a:off x="0" y="0"/>
+          <a:ext cx="0" cy="0"/>
+          <a:chOff x="0" y="0"/>
+          <a:chExt cx="0" cy="0"/>
+        </a:xfrm>
+      </p:grpSpPr>
+      <p:sp>
+        <p:nvSpPr>
           <p:cNvPr id="7" name="Titel 6">
             <a:extLst>
               <a:ext uri="{FF2B5EF4-FFF2-40B4-BE49-F238E27FC236}">
@@ -15364,7 +16117,7 @@
           <a:p>
             <a:fld id="{EEE34FF5-3B64-40E8-96CF-68791D7CECD3}" type="datetime1">
               <a:rPr lang="nl-BE" smtClean="0"/>
-              <a:t>4/06/2022</a:t>
+              <a:t>14/06/2022</a:t>
             </a:fld>
             <a:endParaRPr lang="en-US"/>
           </a:p>
@@ -15441,7 +16194,7 @@
           <a:p>
             <a:fld id="{6D22F896-40B5-4ADD-8801-0D06FADFA095}" type="slidenum">
               <a:rPr lang="en-US" smtClean="0"/>
-              <a:t>8</a:t>
+              <a:t>14</a:t>
             </a:fld>
             <a:endParaRPr lang="en-US"/>
           </a:p>
@@ -15498,6 +16251,2529 @@
     <p:extLst>
       <p:ext uri="{BB962C8B-B14F-4D97-AF65-F5344CB8AC3E}">
         <p14:creationId xmlns:p14="http://schemas.microsoft.com/office/powerpoint/2010/main" val="3192500807"/>
+      </p:ext>
+    </p:extLst>
+  </p:cSld>
+  <p:clrMapOvr>
+    <a:masterClrMapping/>
+  </p:clrMapOvr>
+</p:sld>
+</file>
+
+<file path=ppt/slides/slide15.xml><?xml version="1.0" encoding="utf-8"?>
+<p:sld xmlns:a="http://schemas.openxmlformats.org/drawingml/2006/main" xmlns:r="http://schemas.openxmlformats.org/officeDocument/2006/relationships" xmlns:p="http://schemas.openxmlformats.org/presentationml/2006/main">
+  <p:cSld>
+    <p:spTree>
+      <p:nvGrpSpPr>
+        <p:cNvPr id="1" name=""/>
+        <p:cNvGrpSpPr/>
+        <p:nvPr/>
+      </p:nvGrpSpPr>
+      <p:grpSpPr>
+        <a:xfrm>
+          <a:off x="0" y="0"/>
+          <a:ext cx="0" cy="0"/>
+          <a:chOff x="0" y="0"/>
+          <a:chExt cx="0" cy="0"/>
+        </a:xfrm>
+      </p:grpSpPr>
+      <p:sp>
+        <p:nvSpPr>
+          <p:cNvPr id="7" name="Titel 6">
+            <a:extLst>
+              <a:ext uri="{FF2B5EF4-FFF2-40B4-BE49-F238E27FC236}">
+                <a16:creationId xmlns:a16="http://schemas.microsoft.com/office/drawing/2014/main" id="{F36BA383-D51C-F6FF-9EED-E77C2929684C}"/>
+              </a:ext>
+            </a:extLst>
+          </p:cNvPr>
+          <p:cNvSpPr>
+            <a:spLocks noGrp="1"/>
+          </p:cNvSpPr>
+          <p:nvPr>
+            <p:ph type="title"/>
+          </p:nvPr>
+        </p:nvSpPr>
+        <p:spPr>
+          <a:xfrm>
+            <a:off x="1141412" y="1439764"/>
+            <a:ext cx="9905998" cy="1478570"/>
+          </a:xfrm>
+        </p:spPr>
+        <p:txBody>
+          <a:bodyPr/>
+          <a:lstStyle/>
+          <a:p>
+            <a:pPr algn="ctr"/>
+            <a:r>
+              <a:rPr lang="en-US" dirty="0"/>
+              <a:t>Get the </a:t>
+            </a:r>
+            <a:r>
+              <a:rPr lang="en-BE" dirty="0"/>
+              <a:t>CODE</a:t>
+            </a:r>
+          </a:p>
+        </p:txBody>
+      </p:sp>
+      <p:sp>
+        <p:nvSpPr>
+          <p:cNvPr id="4" name="Tijdelijke aanduiding voor datum 3">
+            <a:extLst>
+              <a:ext uri="{FF2B5EF4-FFF2-40B4-BE49-F238E27FC236}">
+                <a16:creationId xmlns:a16="http://schemas.microsoft.com/office/drawing/2014/main" id="{47EAA81A-5433-D56E-2561-6EEDE86860DF}"/>
+              </a:ext>
+            </a:extLst>
+          </p:cNvPr>
+          <p:cNvSpPr>
+            <a:spLocks noGrp="1"/>
+          </p:cNvSpPr>
+          <p:nvPr>
+            <p:ph type="dt" sz="half" idx="10"/>
+          </p:nvPr>
+        </p:nvSpPr>
+        <p:spPr/>
+        <p:txBody>
+          <a:bodyPr/>
+          <a:lstStyle/>
+          <a:p>
+            <a:fld id="{EEE34FF5-3B64-40E8-96CF-68791D7CECD3}" type="datetime1">
+              <a:rPr lang="nl-BE" smtClean="0"/>
+              <a:t>14/06/2022</a:t>
+            </a:fld>
+            <a:endParaRPr lang="en-US"/>
+          </a:p>
+        </p:txBody>
+      </p:sp>
+      <p:sp>
+        <p:nvSpPr>
+          <p:cNvPr id="5" name="Tijdelijke aanduiding voor voettekst 4">
+            <a:extLst>
+              <a:ext uri="{FF2B5EF4-FFF2-40B4-BE49-F238E27FC236}">
+                <a16:creationId xmlns:a16="http://schemas.microsoft.com/office/drawing/2014/main" id="{E554DED7-2A12-6693-EC52-8881AAB0AC3E}"/>
+              </a:ext>
+            </a:extLst>
+          </p:cNvPr>
+          <p:cNvSpPr>
+            <a:spLocks noGrp="1"/>
+          </p:cNvSpPr>
+          <p:nvPr>
+            <p:ph type="ftr" sz="quarter" idx="11"/>
+          </p:nvPr>
+        </p:nvSpPr>
+        <p:spPr/>
+        <p:txBody>
+          <a:bodyPr/>
+          <a:lstStyle/>
+          <a:p>
+            <a:r>
+              <a:rPr lang="en-US" dirty="0"/>
+              <a:t>T</a:t>
+            </a:r>
+            <a:r>
+              <a:rPr lang="en-BE" dirty="0" err="1"/>
+              <a:t>hijs</a:t>
+            </a:r>
+            <a:r>
+              <a:rPr lang="en-BE" dirty="0"/>
+              <a:t> </a:t>
+            </a:r>
+            <a:r>
+              <a:rPr lang="en-BE" dirty="0" err="1"/>
+              <a:t>cornelis</a:t>
+            </a:r>
+            <a:r>
+              <a:rPr lang="en-BE" dirty="0"/>
+              <a:t> @ </a:t>
+            </a:r>
+            <a:r>
+              <a:rPr lang="en-US" dirty="0"/>
+              <a:t>AllPhi </a:t>
+            </a:r>
+          </a:p>
+        </p:txBody>
+      </p:sp>
+      <p:sp>
+        <p:nvSpPr>
+          <p:cNvPr id="6" name="Tijdelijke aanduiding voor dianummer 5">
+            <a:extLst>
+              <a:ext uri="{FF2B5EF4-FFF2-40B4-BE49-F238E27FC236}">
+                <a16:creationId xmlns:a16="http://schemas.microsoft.com/office/drawing/2014/main" id="{299F3538-AEDF-9568-511B-F9B004909122}"/>
+              </a:ext>
+            </a:extLst>
+          </p:cNvPr>
+          <p:cNvSpPr>
+            <a:spLocks noGrp="1"/>
+          </p:cNvSpPr>
+          <p:nvPr>
+            <p:ph type="sldNum" sz="quarter" idx="12"/>
+          </p:nvPr>
+        </p:nvSpPr>
+        <p:spPr/>
+        <p:txBody>
+          <a:bodyPr/>
+          <a:lstStyle/>
+          <a:p>
+            <a:fld id="{6D22F896-40B5-4ADD-8801-0D06FADFA095}" type="slidenum">
+              <a:rPr lang="en-US" smtClean="0"/>
+              <a:t>15</a:t>
+            </a:fld>
+            <a:endParaRPr lang="en-US"/>
+          </a:p>
+        </p:txBody>
+      </p:sp>
+      <p:sp>
+        <p:nvSpPr>
+          <p:cNvPr id="8" name="Titel 6">
+            <a:extLst>
+              <a:ext uri="{FF2B5EF4-FFF2-40B4-BE49-F238E27FC236}">
+                <a16:creationId xmlns:a16="http://schemas.microsoft.com/office/drawing/2014/main" id="{C25C4E3F-7BD3-EEC9-8F15-40E3097260E1}"/>
+              </a:ext>
+            </a:extLst>
+          </p:cNvPr>
+          <p:cNvSpPr txBox="1">
+            <a:spLocks/>
+          </p:cNvSpPr>
+          <p:nvPr/>
+        </p:nvSpPr>
+        <p:spPr>
+          <a:xfrm>
+            <a:off x="1141412" y="3595891"/>
+            <a:ext cx="9905998" cy="1478570"/>
+          </a:xfrm>
+          <a:prstGeom prst="rect">
+            <a:avLst/>
+          </a:prstGeom>
+        </p:spPr>
+        <p:txBody>
+          <a:bodyPr vert="horz" lIns="91440" tIns="45720" rIns="91440" bIns="45720" rtlCol="0" anchor="ctr">
+            <a:normAutofit/>
+          </a:bodyPr>
+          <a:lstStyle>
+            <a:lvl1pPr algn="l" defTabSz="914400" rtl="0" eaLnBrk="1" latinLnBrk="0" hangingPunct="1">
+              <a:lnSpc>
+                <a:spcPct val="90000"/>
+              </a:lnSpc>
+              <a:spcBef>
+                <a:spcPct val="0"/>
+              </a:spcBef>
+              <a:buNone/>
+              <a:defRPr sz="3600" kern="1200" cap="all" baseline="0">
+                <a:solidFill>
+                  <a:schemeClr val="tx1"/>
+                </a:solidFill>
+                <a:latin typeface="+mj-lt"/>
+                <a:ea typeface="+mj-ea"/>
+                <a:cs typeface="+mj-cs"/>
+              </a:defRPr>
+            </a:lvl1pPr>
+          </a:lstStyle>
+          <a:p>
+            <a:pPr algn="ctr"/>
+            <a:r>
+              <a:rPr lang="en-US" dirty="0"/>
+              <a:t>https://github.com/thijscornelis/es-lightning-talk.git</a:t>
+            </a:r>
+            <a:endParaRPr lang="en-BE" dirty="0"/>
+          </a:p>
+        </p:txBody>
+      </p:sp>
+    </p:spTree>
+    <p:extLst>
+      <p:ext uri="{BB962C8B-B14F-4D97-AF65-F5344CB8AC3E}">
+        <p14:creationId xmlns:p14="http://schemas.microsoft.com/office/powerpoint/2010/main" val="685380422"/>
+      </p:ext>
+    </p:extLst>
+  </p:cSld>
+  <p:clrMapOvr>
+    <a:masterClrMapping/>
+  </p:clrMapOvr>
+</p:sld>
+</file>
+
+<file path=ppt/slides/slide16.xml><?xml version="1.0" encoding="utf-8"?>
+<p:sld xmlns:a="http://schemas.openxmlformats.org/drawingml/2006/main" xmlns:r="http://schemas.openxmlformats.org/officeDocument/2006/relationships" xmlns:p="http://schemas.openxmlformats.org/presentationml/2006/main">
+  <p:cSld>
+    <p:spTree>
+      <p:nvGrpSpPr>
+        <p:cNvPr id="1" name=""/>
+        <p:cNvGrpSpPr/>
+        <p:nvPr/>
+      </p:nvGrpSpPr>
+      <p:grpSpPr>
+        <a:xfrm>
+          <a:off x="0" y="0"/>
+          <a:ext cx="0" cy="0"/>
+          <a:chOff x="0" y="0"/>
+          <a:chExt cx="0" cy="0"/>
+        </a:xfrm>
+      </p:grpSpPr>
+      <p:sp>
+        <p:nvSpPr>
+          <p:cNvPr id="2" name="Titel 1">
+            <a:extLst>
+              <a:ext uri="{FF2B5EF4-FFF2-40B4-BE49-F238E27FC236}">
+                <a16:creationId xmlns:a16="http://schemas.microsoft.com/office/drawing/2014/main" id="{00909081-8E65-D408-D12E-CC011EA29021}"/>
+              </a:ext>
+            </a:extLst>
+          </p:cNvPr>
+          <p:cNvSpPr>
+            <a:spLocks noGrp="1"/>
+          </p:cNvSpPr>
+          <p:nvPr>
+            <p:ph type="title"/>
+          </p:nvPr>
+        </p:nvSpPr>
+        <p:spPr/>
+        <p:txBody>
+          <a:bodyPr/>
+          <a:lstStyle/>
+          <a:p>
+            <a:r>
+              <a:rPr lang="nl-BE" dirty="0" err="1"/>
+              <a:t>Lightning</a:t>
+            </a:r>
+            <a:r>
+              <a:rPr lang="nl-BE" dirty="0"/>
+              <a:t> </a:t>
+            </a:r>
+            <a:r>
+              <a:rPr lang="nl-BE" dirty="0" err="1"/>
+              <a:t>Talks</a:t>
+            </a:r>
+            <a:r>
+              <a:rPr lang="nl-BE" dirty="0"/>
+              <a:t> – CEO Edition 2</a:t>
+            </a:r>
+          </a:p>
+        </p:txBody>
+      </p:sp>
+      <p:sp>
+        <p:nvSpPr>
+          <p:cNvPr id="3" name="Tijdelijke aanduiding voor inhoud 2">
+            <a:extLst>
+              <a:ext uri="{FF2B5EF4-FFF2-40B4-BE49-F238E27FC236}">
+                <a16:creationId xmlns:a16="http://schemas.microsoft.com/office/drawing/2014/main" id="{49B54B0C-7F5A-E686-F088-9D41EEE8E15D}"/>
+              </a:ext>
+            </a:extLst>
+          </p:cNvPr>
+          <p:cNvSpPr>
+            <a:spLocks noGrp="1"/>
+          </p:cNvSpPr>
+          <p:nvPr>
+            <p:ph idx="1"/>
+          </p:nvPr>
+        </p:nvSpPr>
+        <p:spPr/>
+        <p:txBody>
+          <a:bodyPr/>
+          <a:lstStyle/>
+          <a:p>
+            <a:r>
+              <a:rPr lang="nl-BE" dirty="0"/>
+              <a:t>Save </a:t>
+            </a:r>
+            <a:r>
+              <a:rPr lang="nl-BE" dirty="0" err="1"/>
+              <a:t>the</a:t>
+            </a:r>
+            <a:r>
+              <a:rPr lang="nl-BE" dirty="0"/>
+              <a:t> date: 18/10/2022</a:t>
+            </a:r>
+          </a:p>
+          <a:p>
+            <a:r>
+              <a:rPr lang="nl-BE" dirty="0" err="1"/>
+              <a:t>Location</a:t>
+            </a:r>
+            <a:r>
+              <a:rPr lang="nl-BE" dirty="0"/>
+              <a:t>: TBD</a:t>
+            </a:r>
+          </a:p>
+          <a:p>
+            <a:r>
+              <a:rPr lang="nl-BE" dirty="0" err="1"/>
+              <a:t>Talks</a:t>
+            </a:r>
+            <a:r>
+              <a:rPr lang="nl-BE" dirty="0"/>
+              <a:t>:</a:t>
+            </a:r>
+          </a:p>
+          <a:p>
+            <a:pPr lvl="1"/>
+            <a:r>
+              <a:rPr lang="nl-BE" dirty="0"/>
+              <a:t>Stijn Dhondt: </a:t>
+            </a:r>
+            <a:r>
+              <a:rPr lang="nl-NL" dirty="0"/>
+              <a:t>Het maken van een low code front-end ervaring in Angular 2+</a:t>
+            </a:r>
+          </a:p>
+          <a:p>
+            <a:pPr lvl="1"/>
+            <a:r>
+              <a:rPr lang="nl-NL" dirty="0"/>
+              <a:t>TBD</a:t>
+            </a:r>
+          </a:p>
+          <a:p>
+            <a:pPr lvl="1"/>
+            <a:r>
+              <a:rPr lang="nl-NL" dirty="0"/>
+              <a:t>TBD</a:t>
+            </a:r>
+          </a:p>
+          <a:p>
+            <a:pPr lvl="1"/>
+            <a:r>
+              <a:rPr lang="nl-NL" dirty="0"/>
+              <a:t>TBD</a:t>
+            </a:r>
+            <a:endParaRPr lang="nl-BE" dirty="0"/>
+          </a:p>
+        </p:txBody>
+      </p:sp>
+      <p:sp>
+        <p:nvSpPr>
+          <p:cNvPr id="4" name="Tijdelijke aanduiding voor datum 3">
+            <a:extLst>
+              <a:ext uri="{FF2B5EF4-FFF2-40B4-BE49-F238E27FC236}">
+                <a16:creationId xmlns:a16="http://schemas.microsoft.com/office/drawing/2014/main" id="{CAE70EA1-3829-91FD-E984-6BC7ED4BFE6E}"/>
+              </a:ext>
+            </a:extLst>
+          </p:cNvPr>
+          <p:cNvSpPr>
+            <a:spLocks noGrp="1"/>
+          </p:cNvSpPr>
+          <p:nvPr>
+            <p:ph type="dt" sz="half" idx="10"/>
+          </p:nvPr>
+        </p:nvSpPr>
+        <p:spPr/>
+        <p:txBody>
+          <a:bodyPr/>
+          <a:lstStyle/>
+          <a:p>
+            <a:fld id="{EEE34FF5-3B64-40E8-96CF-68791D7CECD3}" type="datetime1">
+              <a:rPr lang="nl-BE" smtClean="0"/>
+              <a:t>14/06/2022</a:t>
+            </a:fld>
+            <a:endParaRPr lang="en-US"/>
+          </a:p>
+        </p:txBody>
+      </p:sp>
+      <p:sp>
+        <p:nvSpPr>
+          <p:cNvPr id="5" name="Tijdelijke aanduiding voor voettekst 4">
+            <a:extLst>
+              <a:ext uri="{FF2B5EF4-FFF2-40B4-BE49-F238E27FC236}">
+                <a16:creationId xmlns:a16="http://schemas.microsoft.com/office/drawing/2014/main" id="{5DF52E89-6788-AA17-DBBB-34309B6A67B0}"/>
+              </a:ext>
+            </a:extLst>
+          </p:cNvPr>
+          <p:cNvSpPr>
+            <a:spLocks noGrp="1"/>
+          </p:cNvSpPr>
+          <p:nvPr>
+            <p:ph type="ftr" sz="quarter" idx="11"/>
+          </p:nvPr>
+        </p:nvSpPr>
+        <p:spPr/>
+        <p:txBody>
+          <a:bodyPr/>
+          <a:lstStyle/>
+          <a:p>
+            <a:r>
+              <a:rPr lang="en-US"/>
+              <a:t>AllPhi </a:t>
+            </a:r>
+          </a:p>
+        </p:txBody>
+      </p:sp>
+      <p:sp>
+        <p:nvSpPr>
+          <p:cNvPr id="6" name="Tijdelijke aanduiding voor dianummer 5">
+            <a:extLst>
+              <a:ext uri="{FF2B5EF4-FFF2-40B4-BE49-F238E27FC236}">
+                <a16:creationId xmlns:a16="http://schemas.microsoft.com/office/drawing/2014/main" id="{7461D167-C362-3A50-5C9A-11BA5A017589}"/>
+              </a:ext>
+            </a:extLst>
+          </p:cNvPr>
+          <p:cNvSpPr>
+            <a:spLocks noGrp="1"/>
+          </p:cNvSpPr>
+          <p:nvPr>
+            <p:ph type="sldNum" sz="quarter" idx="12"/>
+          </p:nvPr>
+        </p:nvSpPr>
+        <p:spPr/>
+        <p:txBody>
+          <a:bodyPr/>
+          <a:lstStyle/>
+          <a:p>
+            <a:fld id="{6D22F896-40B5-4ADD-8801-0D06FADFA095}" type="slidenum">
+              <a:rPr lang="en-US" smtClean="0"/>
+              <a:t>16</a:t>
+            </a:fld>
+            <a:endParaRPr lang="en-US"/>
+          </a:p>
+        </p:txBody>
+      </p:sp>
+    </p:spTree>
+    <p:extLst>
+      <p:ext uri="{BB962C8B-B14F-4D97-AF65-F5344CB8AC3E}">
+        <p14:creationId xmlns:p14="http://schemas.microsoft.com/office/powerpoint/2010/main" val="1466395875"/>
+      </p:ext>
+    </p:extLst>
+  </p:cSld>
+  <p:clrMapOvr>
+    <a:masterClrMapping/>
+  </p:clrMapOvr>
+</p:sld>
+</file>
+
+<file path=ppt/slides/slide17.xml><?xml version="1.0" encoding="utf-8"?>
+<p:sld xmlns:a="http://schemas.openxmlformats.org/drawingml/2006/main" xmlns:r="http://schemas.openxmlformats.org/officeDocument/2006/relationships" xmlns:p="http://schemas.openxmlformats.org/presentationml/2006/main">
+  <p:cSld>
+    <p:spTree>
+      <p:nvGrpSpPr>
+        <p:cNvPr id="1" name=""/>
+        <p:cNvGrpSpPr/>
+        <p:nvPr/>
+      </p:nvGrpSpPr>
+      <p:grpSpPr>
+        <a:xfrm>
+          <a:off x="0" y="0"/>
+          <a:ext cx="0" cy="0"/>
+          <a:chOff x="0" y="0"/>
+          <a:chExt cx="0" cy="0"/>
+        </a:xfrm>
+      </p:grpSpPr>
+      <p:sp>
+        <p:nvSpPr>
+          <p:cNvPr id="2" name="Titel 1">
+            <a:extLst>
+              <a:ext uri="{FF2B5EF4-FFF2-40B4-BE49-F238E27FC236}">
+                <a16:creationId xmlns:a16="http://schemas.microsoft.com/office/drawing/2014/main" id="{99B50351-3D41-F3FC-4C7B-8D77B30B650F}"/>
+              </a:ext>
+            </a:extLst>
+          </p:cNvPr>
+          <p:cNvSpPr>
+            <a:spLocks noGrp="1"/>
+          </p:cNvSpPr>
+          <p:nvPr>
+            <p:ph type="title"/>
+          </p:nvPr>
+        </p:nvSpPr>
+        <p:spPr/>
+        <p:txBody>
+          <a:bodyPr/>
+          <a:lstStyle/>
+          <a:p>
+            <a:pPr algn="ctr"/>
+            <a:r>
+              <a:rPr lang="nl-BE" dirty="0" err="1"/>
+              <a:t>Thanks</a:t>
+            </a:r>
+            <a:r>
+              <a:rPr lang="nl-BE" dirty="0"/>
+              <a:t> </a:t>
+            </a:r>
+            <a:r>
+              <a:rPr lang="nl-BE" dirty="0" err="1"/>
+              <a:t>for</a:t>
+            </a:r>
+            <a:r>
+              <a:rPr lang="nl-BE" dirty="0"/>
+              <a:t> </a:t>
+            </a:r>
+            <a:r>
+              <a:rPr lang="nl-BE" dirty="0" err="1"/>
+              <a:t>listening</a:t>
+            </a:r>
+            <a:r>
+              <a:rPr lang="nl-BE" dirty="0"/>
+              <a:t>!</a:t>
+            </a:r>
+          </a:p>
+        </p:txBody>
+      </p:sp>
+      <p:sp>
+        <p:nvSpPr>
+          <p:cNvPr id="4" name="Tijdelijke aanduiding voor datum 3">
+            <a:extLst>
+              <a:ext uri="{FF2B5EF4-FFF2-40B4-BE49-F238E27FC236}">
+                <a16:creationId xmlns:a16="http://schemas.microsoft.com/office/drawing/2014/main" id="{D3A382E5-5360-C396-A26F-1035FE411940}"/>
+              </a:ext>
+            </a:extLst>
+          </p:cNvPr>
+          <p:cNvSpPr>
+            <a:spLocks noGrp="1"/>
+          </p:cNvSpPr>
+          <p:nvPr>
+            <p:ph type="dt" sz="half" idx="10"/>
+          </p:nvPr>
+        </p:nvSpPr>
+        <p:spPr/>
+        <p:txBody>
+          <a:bodyPr/>
+          <a:lstStyle/>
+          <a:p>
+            <a:fld id="{75F594F8-2968-46F8-8D96-CAB521B221CD}" type="datetime1">
+              <a:rPr lang="nl-BE" smtClean="0"/>
+              <a:t>14/06/2022</a:t>
+            </a:fld>
+            <a:endParaRPr lang="en-US"/>
+          </a:p>
+        </p:txBody>
+      </p:sp>
+      <p:sp>
+        <p:nvSpPr>
+          <p:cNvPr id="5" name="Tijdelijke aanduiding voor voettekst 4">
+            <a:extLst>
+              <a:ext uri="{FF2B5EF4-FFF2-40B4-BE49-F238E27FC236}">
+                <a16:creationId xmlns:a16="http://schemas.microsoft.com/office/drawing/2014/main" id="{7754F19C-BD87-F854-5938-4C193F0208E2}"/>
+              </a:ext>
+            </a:extLst>
+          </p:cNvPr>
+          <p:cNvSpPr>
+            <a:spLocks noGrp="1"/>
+          </p:cNvSpPr>
+          <p:nvPr>
+            <p:ph type="ftr" sz="quarter" idx="11"/>
+          </p:nvPr>
+        </p:nvSpPr>
+        <p:spPr/>
+        <p:txBody>
+          <a:bodyPr/>
+          <a:lstStyle/>
+          <a:p>
+            <a:r>
+              <a:rPr lang="en-US"/>
+              <a:t>AllPhi </a:t>
+            </a:r>
+          </a:p>
+        </p:txBody>
+      </p:sp>
+      <p:sp>
+        <p:nvSpPr>
+          <p:cNvPr id="6" name="Tijdelijke aanduiding voor dianummer 5">
+            <a:extLst>
+              <a:ext uri="{FF2B5EF4-FFF2-40B4-BE49-F238E27FC236}">
+                <a16:creationId xmlns:a16="http://schemas.microsoft.com/office/drawing/2014/main" id="{683664BC-0BDC-70D7-803B-3FAFD1B787A8}"/>
+              </a:ext>
+            </a:extLst>
+          </p:cNvPr>
+          <p:cNvSpPr>
+            <a:spLocks noGrp="1"/>
+          </p:cNvSpPr>
+          <p:nvPr>
+            <p:ph type="sldNum" sz="quarter" idx="12"/>
+          </p:nvPr>
+        </p:nvSpPr>
+        <p:spPr/>
+        <p:txBody>
+          <a:bodyPr/>
+          <a:lstStyle/>
+          <a:p>
+            <a:fld id="{6D22F896-40B5-4ADD-8801-0D06FADFA095}" type="slidenum">
+              <a:rPr lang="en-US" smtClean="0"/>
+              <a:t>17</a:t>
+            </a:fld>
+            <a:endParaRPr lang="en-US"/>
+          </a:p>
+        </p:txBody>
+      </p:sp>
+    </p:spTree>
+    <p:extLst>
+      <p:ext uri="{BB962C8B-B14F-4D97-AF65-F5344CB8AC3E}">
+        <p14:creationId xmlns:p14="http://schemas.microsoft.com/office/powerpoint/2010/main" val="4261183598"/>
+      </p:ext>
+    </p:extLst>
+  </p:cSld>
+  <p:clrMapOvr>
+    <a:masterClrMapping/>
+  </p:clrMapOvr>
+</p:sld>
+</file>
+
+<file path=ppt/slides/slide2.xml><?xml version="1.0" encoding="utf-8"?>
+<p:sld xmlns:a="http://schemas.openxmlformats.org/drawingml/2006/main" xmlns:r="http://schemas.openxmlformats.org/officeDocument/2006/relationships" xmlns:p="http://schemas.openxmlformats.org/presentationml/2006/main">
+  <p:cSld>
+    <p:spTree>
+      <p:nvGrpSpPr>
+        <p:cNvPr id="1" name=""/>
+        <p:cNvGrpSpPr/>
+        <p:nvPr/>
+      </p:nvGrpSpPr>
+      <p:grpSpPr>
+        <a:xfrm>
+          <a:off x="0" y="0"/>
+          <a:ext cx="0" cy="0"/>
+          <a:chOff x="0" y="0"/>
+          <a:chExt cx="0" cy="0"/>
+        </a:xfrm>
+      </p:grpSpPr>
+      <p:sp>
+        <p:nvSpPr>
+          <p:cNvPr id="2" name="Titel 1">
+            <a:extLst>
+              <a:ext uri="{FF2B5EF4-FFF2-40B4-BE49-F238E27FC236}">
+                <a16:creationId xmlns:a16="http://schemas.microsoft.com/office/drawing/2014/main" id="{C09ABC29-4D6F-4484-2654-2C46E484C5E0}"/>
+              </a:ext>
+            </a:extLst>
+          </p:cNvPr>
+          <p:cNvSpPr>
+            <a:spLocks noGrp="1"/>
+          </p:cNvSpPr>
+          <p:nvPr>
+            <p:ph type="title"/>
+          </p:nvPr>
+        </p:nvSpPr>
+        <p:spPr/>
+        <p:txBody>
+          <a:bodyPr/>
+          <a:lstStyle/>
+          <a:p>
+            <a:r>
+              <a:rPr lang="en-US" dirty="0"/>
+              <a:t>W</a:t>
+            </a:r>
+            <a:r>
+              <a:rPr lang="en-BE" dirty="0"/>
+              <a:t>hat</a:t>
+            </a:r>
+            <a:r>
+              <a:rPr lang="en-US" dirty="0"/>
+              <a:t>?</a:t>
+            </a:r>
+            <a:endParaRPr lang="en-BE" dirty="0"/>
+          </a:p>
+        </p:txBody>
+      </p:sp>
+      <p:sp>
+        <p:nvSpPr>
+          <p:cNvPr id="3" name="Tijdelijke aanduiding voor inhoud 2">
+            <a:extLst>
+              <a:ext uri="{FF2B5EF4-FFF2-40B4-BE49-F238E27FC236}">
+                <a16:creationId xmlns:a16="http://schemas.microsoft.com/office/drawing/2014/main" id="{6A42B61B-551C-1239-B68F-81D5F033512C}"/>
+              </a:ext>
+            </a:extLst>
+          </p:cNvPr>
+          <p:cNvSpPr>
+            <a:spLocks noGrp="1"/>
+          </p:cNvSpPr>
+          <p:nvPr>
+            <p:ph idx="1"/>
+          </p:nvPr>
+        </p:nvSpPr>
+        <p:spPr>
+          <a:xfrm>
+            <a:off x="1150656" y="2519330"/>
+            <a:ext cx="9905999" cy="3541714"/>
+          </a:xfrm>
+        </p:spPr>
+        <p:txBody>
+          <a:bodyPr/>
+          <a:lstStyle/>
+          <a:p>
+            <a:r>
+              <a:rPr lang="en-BE" dirty="0"/>
+              <a:t>A pattern for storing data as events in an </a:t>
+            </a:r>
+            <a:r>
+              <a:rPr lang="en-BE" u="sng" dirty="0"/>
+              <a:t>append-only</a:t>
+            </a:r>
+            <a:r>
+              <a:rPr lang="en-BE" dirty="0"/>
+              <a:t> log</a:t>
+            </a:r>
+            <a:endParaRPr lang="en-US" dirty="0"/>
+          </a:p>
+          <a:p>
+            <a:r>
+              <a:rPr lang="en-US" dirty="0"/>
+              <a:t>Preferably using a Document DB instead of a Relational DB</a:t>
+            </a:r>
+            <a:endParaRPr lang="en-BE" dirty="0"/>
+          </a:p>
+        </p:txBody>
+      </p:sp>
+      <p:sp>
+        <p:nvSpPr>
+          <p:cNvPr id="4" name="Tijdelijke aanduiding voor datum 3">
+            <a:extLst>
+              <a:ext uri="{FF2B5EF4-FFF2-40B4-BE49-F238E27FC236}">
+                <a16:creationId xmlns:a16="http://schemas.microsoft.com/office/drawing/2014/main" id="{6A75839F-2020-31F5-3FB7-861CD1E5F91A}"/>
+              </a:ext>
+            </a:extLst>
+          </p:cNvPr>
+          <p:cNvSpPr>
+            <a:spLocks noGrp="1"/>
+          </p:cNvSpPr>
+          <p:nvPr>
+            <p:ph type="dt" sz="half" idx="10"/>
+          </p:nvPr>
+        </p:nvSpPr>
+        <p:spPr/>
+        <p:txBody>
+          <a:bodyPr/>
+          <a:lstStyle/>
+          <a:p>
+            <a:fld id="{EEE34FF5-3B64-40E8-96CF-68791D7CECD3}" type="datetime1">
+              <a:rPr lang="nl-BE" smtClean="0"/>
+              <a:t>14/06/2022</a:t>
+            </a:fld>
+            <a:endParaRPr lang="en-US"/>
+          </a:p>
+        </p:txBody>
+      </p:sp>
+      <p:sp>
+        <p:nvSpPr>
+          <p:cNvPr id="5" name="Tijdelijke aanduiding voor voettekst 4">
+            <a:extLst>
+              <a:ext uri="{FF2B5EF4-FFF2-40B4-BE49-F238E27FC236}">
+                <a16:creationId xmlns:a16="http://schemas.microsoft.com/office/drawing/2014/main" id="{355C05DD-5E92-7B0B-C082-F81F2A82155E}"/>
+              </a:ext>
+            </a:extLst>
+          </p:cNvPr>
+          <p:cNvSpPr>
+            <a:spLocks noGrp="1"/>
+          </p:cNvSpPr>
+          <p:nvPr>
+            <p:ph type="ftr" sz="quarter" idx="11"/>
+          </p:nvPr>
+        </p:nvSpPr>
+        <p:spPr/>
+        <p:txBody>
+          <a:bodyPr/>
+          <a:lstStyle/>
+          <a:p>
+            <a:r>
+              <a:rPr lang="en-US" dirty="0"/>
+              <a:t>T</a:t>
+            </a:r>
+            <a:r>
+              <a:rPr lang="en-BE" dirty="0" err="1"/>
+              <a:t>hijs</a:t>
+            </a:r>
+            <a:r>
+              <a:rPr lang="en-BE" dirty="0"/>
+              <a:t> </a:t>
+            </a:r>
+            <a:r>
+              <a:rPr lang="en-BE" dirty="0" err="1"/>
+              <a:t>cornelis</a:t>
+            </a:r>
+            <a:r>
+              <a:rPr lang="en-BE" dirty="0"/>
+              <a:t> @ </a:t>
+            </a:r>
+            <a:r>
+              <a:rPr lang="en-US" dirty="0"/>
+              <a:t>AllPhi </a:t>
+            </a:r>
+          </a:p>
+        </p:txBody>
+      </p:sp>
+      <p:sp>
+        <p:nvSpPr>
+          <p:cNvPr id="6" name="Tijdelijke aanduiding voor dianummer 5">
+            <a:extLst>
+              <a:ext uri="{FF2B5EF4-FFF2-40B4-BE49-F238E27FC236}">
+                <a16:creationId xmlns:a16="http://schemas.microsoft.com/office/drawing/2014/main" id="{3B2DEF75-2C9F-AEA0-7281-688AE770E7B0}"/>
+              </a:ext>
+            </a:extLst>
+          </p:cNvPr>
+          <p:cNvSpPr>
+            <a:spLocks noGrp="1"/>
+          </p:cNvSpPr>
+          <p:nvPr>
+            <p:ph type="sldNum" sz="quarter" idx="12"/>
+          </p:nvPr>
+        </p:nvSpPr>
+        <p:spPr/>
+        <p:txBody>
+          <a:bodyPr/>
+          <a:lstStyle/>
+          <a:p>
+            <a:fld id="{6D22F896-40B5-4ADD-8801-0D06FADFA095}" type="slidenum">
+              <a:rPr lang="en-US" smtClean="0"/>
+              <a:t>2</a:t>
+            </a:fld>
+            <a:endParaRPr lang="en-US"/>
+          </a:p>
+        </p:txBody>
+      </p:sp>
+    </p:spTree>
+    <p:extLst>
+      <p:ext uri="{BB962C8B-B14F-4D97-AF65-F5344CB8AC3E}">
+        <p14:creationId xmlns:p14="http://schemas.microsoft.com/office/powerpoint/2010/main" val="4132262914"/>
+      </p:ext>
+    </p:extLst>
+  </p:cSld>
+  <p:clrMapOvr>
+    <a:masterClrMapping/>
+  </p:clrMapOvr>
+</p:sld>
+</file>
+
+<file path=ppt/slides/slide3.xml><?xml version="1.0" encoding="utf-8"?>
+<p:sld xmlns:a="http://schemas.openxmlformats.org/drawingml/2006/main" xmlns:r="http://schemas.openxmlformats.org/officeDocument/2006/relationships" xmlns:p="http://schemas.openxmlformats.org/presentationml/2006/main">
+  <p:cSld>
+    <p:spTree>
+      <p:nvGrpSpPr>
+        <p:cNvPr id="1" name=""/>
+        <p:cNvGrpSpPr/>
+        <p:nvPr/>
+      </p:nvGrpSpPr>
+      <p:grpSpPr>
+        <a:xfrm>
+          <a:off x="0" y="0"/>
+          <a:ext cx="0" cy="0"/>
+          <a:chOff x="0" y="0"/>
+          <a:chExt cx="0" cy="0"/>
+        </a:xfrm>
+      </p:grpSpPr>
+      <p:sp>
+        <p:nvSpPr>
+          <p:cNvPr id="19" name="Title 18">
+            <a:extLst>
+              <a:ext uri="{FF2B5EF4-FFF2-40B4-BE49-F238E27FC236}">
+                <a16:creationId xmlns:a16="http://schemas.microsoft.com/office/drawing/2014/main" id="{91FDD0DB-2360-FA4B-7DDA-4696A5F5C60F}"/>
+              </a:ext>
+            </a:extLst>
+          </p:cNvPr>
+          <p:cNvSpPr>
+            <a:spLocks noGrp="1"/>
+          </p:cNvSpPr>
+          <p:nvPr>
+            <p:ph type="title"/>
+          </p:nvPr>
+        </p:nvSpPr>
+        <p:spPr/>
+        <p:txBody>
+          <a:bodyPr/>
+          <a:lstStyle/>
+          <a:p>
+            <a:r>
+              <a:rPr lang="en-US" dirty="0"/>
+              <a:t>Traditional approach</a:t>
+            </a:r>
+            <a:endParaRPr lang="en-BE" dirty="0"/>
+          </a:p>
+        </p:txBody>
+      </p:sp>
+      <p:sp>
+        <p:nvSpPr>
+          <p:cNvPr id="4" name="Date Placeholder 3">
+            <a:extLst>
+              <a:ext uri="{FF2B5EF4-FFF2-40B4-BE49-F238E27FC236}">
+                <a16:creationId xmlns:a16="http://schemas.microsoft.com/office/drawing/2014/main" id="{BA641869-60A0-57E7-2947-D167DDDA7BAE}"/>
+              </a:ext>
+            </a:extLst>
+          </p:cNvPr>
+          <p:cNvSpPr>
+            <a:spLocks noGrp="1"/>
+          </p:cNvSpPr>
+          <p:nvPr>
+            <p:ph type="dt" sz="half" idx="10"/>
+          </p:nvPr>
+        </p:nvSpPr>
+        <p:spPr/>
+        <p:txBody>
+          <a:bodyPr/>
+          <a:lstStyle/>
+          <a:p>
+            <a:fld id="{EEE34FF5-3B64-40E8-96CF-68791D7CECD3}" type="datetime1">
+              <a:rPr lang="nl-BE" smtClean="0"/>
+              <a:t>14/06/2022</a:t>
+            </a:fld>
+            <a:endParaRPr lang="en-US"/>
+          </a:p>
+        </p:txBody>
+      </p:sp>
+      <p:sp>
+        <p:nvSpPr>
+          <p:cNvPr id="5" name="Footer Placeholder 4">
+            <a:extLst>
+              <a:ext uri="{FF2B5EF4-FFF2-40B4-BE49-F238E27FC236}">
+                <a16:creationId xmlns:a16="http://schemas.microsoft.com/office/drawing/2014/main" id="{DFD13C01-E97C-B734-2D00-1D41989451B9}"/>
+              </a:ext>
+            </a:extLst>
+          </p:cNvPr>
+          <p:cNvSpPr>
+            <a:spLocks noGrp="1"/>
+          </p:cNvSpPr>
+          <p:nvPr>
+            <p:ph type="ftr" sz="quarter" idx="11"/>
+          </p:nvPr>
+        </p:nvSpPr>
+        <p:spPr/>
+        <p:txBody>
+          <a:bodyPr/>
+          <a:lstStyle/>
+          <a:p>
+            <a:r>
+              <a:rPr lang="en-US" dirty="0"/>
+              <a:t>T</a:t>
+            </a:r>
+            <a:r>
+              <a:rPr lang="en-BE" dirty="0" err="1"/>
+              <a:t>hijs</a:t>
+            </a:r>
+            <a:r>
+              <a:rPr lang="en-BE" dirty="0"/>
+              <a:t> </a:t>
+            </a:r>
+            <a:r>
+              <a:rPr lang="en-BE" dirty="0" err="1"/>
+              <a:t>cornelis</a:t>
+            </a:r>
+            <a:r>
+              <a:rPr lang="en-BE" dirty="0"/>
+              <a:t> @ </a:t>
+            </a:r>
+            <a:r>
+              <a:rPr lang="en-US" dirty="0"/>
+              <a:t>AllPhi </a:t>
+            </a:r>
+          </a:p>
+        </p:txBody>
+      </p:sp>
+      <p:sp>
+        <p:nvSpPr>
+          <p:cNvPr id="6" name="Slide Number Placeholder 5">
+            <a:extLst>
+              <a:ext uri="{FF2B5EF4-FFF2-40B4-BE49-F238E27FC236}">
+                <a16:creationId xmlns:a16="http://schemas.microsoft.com/office/drawing/2014/main" id="{84A830A2-7718-B655-6D23-63C92900CC9D}"/>
+              </a:ext>
+            </a:extLst>
+          </p:cNvPr>
+          <p:cNvSpPr>
+            <a:spLocks noGrp="1"/>
+          </p:cNvSpPr>
+          <p:nvPr>
+            <p:ph type="sldNum" sz="quarter" idx="12"/>
+          </p:nvPr>
+        </p:nvSpPr>
+        <p:spPr/>
+        <p:txBody>
+          <a:bodyPr/>
+          <a:lstStyle/>
+          <a:p>
+            <a:fld id="{6D22F896-40B5-4ADD-8801-0D06FADFA095}" type="slidenum">
+              <a:rPr lang="en-US" smtClean="0"/>
+              <a:t>3</a:t>
+            </a:fld>
+            <a:endParaRPr lang="en-US"/>
+          </a:p>
+        </p:txBody>
+      </p:sp>
+      <p:pic>
+        <p:nvPicPr>
+          <p:cNvPr id="12" name="Picture 11">
+            <a:extLst>
+              <a:ext uri="{FF2B5EF4-FFF2-40B4-BE49-F238E27FC236}">
+                <a16:creationId xmlns:a16="http://schemas.microsoft.com/office/drawing/2014/main" id="{FEC16BF1-B0EE-D15B-F4E3-19F944FA2D4B}"/>
+              </a:ext>
+            </a:extLst>
+          </p:cNvPr>
+          <p:cNvPicPr>
+            <a:picLocks noChangeAspect="1"/>
+          </p:cNvPicPr>
+          <p:nvPr/>
+        </p:nvPicPr>
+        <p:blipFill>
+          <a:blip r:embed="rId3"/>
+          <a:stretch>
+            <a:fillRect/>
+          </a:stretch>
+        </p:blipFill>
+        <p:spPr>
+          <a:xfrm>
+            <a:off x="1417711" y="2621448"/>
+            <a:ext cx="9353401" cy="1615103"/>
+          </a:xfrm>
+          <a:prstGeom prst="rect">
+            <a:avLst/>
+          </a:prstGeom>
+        </p:spPr>
+      </p:pic>
+    </p:spTree>
+    <p:extLst>
+      <p:ext uri="{BB962C8B-B14F-4D97-AF65-F5344CB8AC3E}">
+        <p14:creationId xmlns:p14="http://schemas.microsoft.com/office/powerpoint/2010/main" val="3635058678"/>
+      </p:ext>
+    </p:extLst>
+  </p:cSld>
+  <p:clrMapOvr>
+    <a:masterClrMapping/>
+  </p:clrMapOvr>
+</p:sld>
+</file>
+
+<file path=ppt/slides/slide4.xml><?xml version="1.0" encoding="utf-8"?>
+<p:sld xmlns:a="http://schemas.openxmlformats.org/drawingml/2006/main" xmlns:r="http://schemas.openxmlformats.org/officeDocument/2006/relationships" xmlns:p="http://schemas.openxmlformats.org/presentationml/2006/main">
+  <p:cSld>
+    <p:spTree>
+      <p:nvGrpSpPr>
+        <p:cNvPr id="1" name=""/>
+        <p:cNvGrpSpPr/>
+        <p:nvPr/>
+      </p:nvGrpSpPr>
+      <p:grpSpPr>
+        <a:xfrm>
+          <a:off x="0" y="0"/>
+          <a:ext cx="0" cy="0"/>
+          <a:chOff x="0" y="0"/>
+          <a:chExt cx="0" cy="0"/>
+        </a:xfrm>
+      </p:grpSpPr>
+      <p:sp>
+        <p:nvSpPr>
+          <p:cNvPr id="9" name="Title 8">
+            <a:extLst>
+              <a:ext uri="{FF2B5EF4-FFF2-40B4-BE49-F238E27FC236}">
+                <a16:creationId xmlns:a16="http://schemas.microsoft.com/office/drawing/2014/main" id="{DB15377F-4CB9-92FF-B39B-FA5C33351D6B}"/>
+              </a:ext>
+            </a:extLst>
+          </p:cNvPr>
+          <p:cNvSpPr>
+            <a:spLocks noGrp="1"/>
+          </p:cNvSpPr>
+          <p:nvPr>
+            <p:ph type="title"/>
+          </p:nvPr>
+        </p:nvSpPr>
+        <p:spPr/>
+        <p:txBody>
+          <a:bodyPr/>
+          <a:lstStyle/>
+          <a:p>
+            <a:r>
+              <a:rPr lang="en-US" dirty="0"/>
+              <a:t>Event sourcing approach</a:t>
+            </a:r>
+            <a:endParaRPr lang="en-BE" dirty="0"/>
+          </a:p>
+        </p:txBody>
+      </p:sp>
+      <p:sp>
+        <p:nvSpPr>
+          <p:cNvPr id="4" name="Date Placeholder 3">
+            <a:extLst>
+              <a:ext uri="{FF2B5EF4-FFF2-40B4-BE49-F238E27FC236}">
+                <a16:creationId xmlns:a16="http://schemas.microsoft.com/office/drawing/2014/main" id="{BA641869-60A0-57E7-2947-D167DDDA7BAE}"/>
+              </a:ext>
+            </a:extLst>
+          </p:cNvPr>
+          <p:cNvSpPr>
+            <a:spLocks noGrp="1"/>
+          </p:cNvSpPr>
+          <p:nvPr>
+            <p:ph type="dt" sz="half" idx="10"/>
+          </p:nvPr>
+        </p:nvSpPr>
+        <p:spPr/>
+        <p:txBody>
+          <a:bodyPr/>
+          <a:lstStyle/>
+          <a:p>
+            <a:fld id="{EEE34FF5-3B64-40E8-96CF-68791D7CECD3}" type="datetime1">
+              <a:rPr lang="nl-BE" smtClean="0"/>
+              <a:t>14/06/2022</a:t>
+            </a:fld>
+            <a:endParaRPr lang="en-US"/>
+          </a:p>
+        </p:txBody>
+      </p:sp>
+      <p:sp>
+        <p:nvSpPr>
+          <p:cNvPr id="5" name="Footer Placeholder 4">
+            <a:extLst>
+              <a:ext uri="{FF2B5EF4-FFF2-40B4-BE49-F238E27FC236}">
+                <a16:creationId xmlns:a16="http://schemas.microsoft.com/office/drawing/2014/main" id="{DFD13C01-E97C-B734-2D00-1D41989451B9}"/>
+              </a:ext>
+            </a:extLst>
+          </p:cNvPr>
+          <p:cNvSpPr>
+            <a:spLocks noGrp="1"/>
+          </p:cNvSpPr>
+          <p:nvPr>
+            <p:ph type="ftr" sz="quarter" idx="11"/>
+          </p:nvPr>
+        </p:nvSpPr>
+        <p:spPr/>
+        <p:txBody>
+          <a:bodyPr/>
+          <a:lstStyle/>
+          <a:p>
+            <a:r>
+              <a:rPr lang="en-US" dirty="0"/>
+              <a:t>T</a:t>
+            </a:r>
+            <a:r>
+              <a:rPr lang="en-BE" dirty="0" err="1"/>
+              <a:t>hijs</a:t>
+            </a:r>
+            <a:r>
+              <a:rPr lang="en-BE" dirty="0"/>
+              <a:t> </a:t>
+            </a:r>
+            <a:r>
+              <a:rPr lang="en-BE" dirty="0" err="1"/>
+              <a:t>cornelis</a:t>
+            </a:r>
+            <a:r>
+              <a:rPr lang="en-BE" dirty="0"/>
+              <a:t> @ </a:t>
+            </a:r>
+            <a:r>
+              <a:rPr lang="en-US" dirty="0"/>
+              <a:t>AllPhi </a:t>
+            </a:r>
+          </a:p>
+        </p:txBody>
+      </p:sp>
+      <p:sp>
+        <p:nvSpPr>
+          <p:cNvPr id="6" name="Slide Number Placeholder 5">
+            <a:extLst>
+              <a:ext uri="{FF2B5EF4-FFF2-40B4-BE49-F238E27FC236}">
+                <a16:creationId xmlns:a16="http://schemas.microsoft.com/office/drawing/2014/main" id="{84A830A2-7718-B655-6D23-63C92900CC9D}"/>
+              </a:ext>
+            </a:extLst>
+          </p:cNvPr>
+          <p:cNvSpPr>
+            <a:spLocks noGrp="1"/>
+          </p:cNvSpPr>
+          <p:nvPr>
+            <p:ph type="sldNum" sz="quarter" idx="12"/>
+          </p:nvPr>
+        </p:nvSpPr>
+        <p:spPr/>
+        <p:txBody>
+          <a:bodyPr/>
+          <a:lstStyle/>
+          <a:p>
+            <a:fld id="{6D22F896-40B5-4ADD-8801-0D06FADFA095}" type="slidenum">
+              <a:rPr lang="en-US" smtClean="0"/>
+              <a:t>4</a:t>
+            </a:fld>
+            <a:endParaRPr lang="en-US"/>
+          </a:p>
+        </p:txBody>
+      </p:sp>
+      <p:pic>
+        <p:nvPicPr>
+          <p:cNvPr id="14" name="Picture 13">
+            <a:extLst>
+              <a:ext uri="{FF2B5EF4-FFF2-40B4-BE49-F238E27FC236}">
+                <a16:creationId xmlns:a16="http://schemas.microsoft.com/office/drawing/2014/main" id="{7DCCB717-4D6B-19AC-475D-7C4169734182}"/>
+              </a:ext>
+            </a:extLst>
+          </p:cNvPr>
+          <p:cNvPicPr>
+            <a:picLocks noChangeAspect="1"/>
+          </p:cNvPicPr>
+          <p:nvPr/>
+        </p:nvPicPr>
+        <p:blipFill>
+          <a:blip r:embed="rId3"/>
+          <a:stretch>
+            <a:fillRect/>
+          </a:stretch>
+        </p:blipFill>
+        <p:spPr>
+          <a:xfrm>
+            <a:off x="1198468" y="2000475"/>
+            <a:ext cx="9791888" cy="2857049"/>
+          </a:xfrm>
+          <a:prstGeom prst="rect">
+            <a:avLst/>
+          </a:prstGeom>
+        </p:spPr>
+      </p:pic>
+    </p:spTree>
+    <p:extLst>
+      <p:ext uri="{BB962C8B-B14F-4D97-AF65-F5344CB8AC3E}">
+        <p14:creationId xmlns:p14="http://schemas.microsoft.com/office/powerpoint/2010/main" val="1635272948"/>
+      </p:ext>
+    </p:extLst>
+  </p:cSld>
+  <p:clrMapOvr>
+    <a:masterClrMapping/>
+  </p:clrMapOvr>
+</p:sld>
+</file>
+
+<file path=ppt/slides/slide5.xml><?xml version="1.0" encoding="utf-8"?>
+<p:sld xmlns:a="http://schemas.openxmlformats.org/drawingml/2006/main" xmlns:r="http://schemas.openxmlformats.org/officeDocument/2006/relationships" xmlns:p="http://schemas.openxmlformats.org/presentationml/2006/main">
+  <p:cSld>
+    <p:spTree>
+      <p:nvGrpSpPr>
+        <p:cNvPr id="1" name=""/>
+        <p:cNvGrpSpPr/>
+        <p:nvPr/>
+      </p:nvGrpSpPr>
+      <p:grpSpPr>
+        <a:xfrm>
+          <a:off x="0" y="0"/>
+          <a:ext cx="0" cy="0"/>
+          <a:chOff x="0" y="0"/>
+          <a:chExt cx="0" cy="0"/>
+        </a:xfrm>
+      </p:grpSpPr>
+      <p:sp>
+        <p:nvSpPr>
+          <p:cNvPr id="2" name="Titel 1">
+            <a:extLst>
+              <a:ext uri="{FF2B5EF4-FFF2-40B4-BE49-F238E27FC236}">
+                <a16:creationId xmlns:a16="http://schemas.microsoft.com/office/drawing/2014/main" id="{C09ABC29-4D6F-4484-2654-2C46E484C5E0}"/>
+              </a:ext>
+            </a:extLst>
+          </p:cNvPr>
+          <p:cNvSpPr>
+            <a:spLocks noGrp="1"/>
+          </p:cNvSpPr>
+          <p:nvPr>
+            <p:ph type="title"/>
+          </p:nvPr>
+        </p:nvSpPr>
+        <p:spPr/>
+        <p:txBody>
+          <a:bodyPr/>
+          <a:lstStyle/>
+          <a:p>
+            <a:r>
+              <a:rPr lang="en-US" dirty="0"/>
+              <a:t>W</a:t>
+            </a:r>
+            <a:r>
+              <a:rPr lang="en-BE" dirty="0"/>
+              <a:t>hat</a:t>
+            </a:r>
+            <a:r>
+              <a:rPr lang="en-US" dirty="0"/>
+              <a:t>?</a:t>
+            </a:r>
+            <a:endParaRPr lang="en-BE" dirty="0"/>
+          </a:p>
+        </p:txBody>
+      </p:sp>
+      <p:sp>
+        <p:nvSpPr>
+          <p:cNvPr id="3" name="Tijdelijke aanduiding voor inhoud 2">
+            <a:extLst>
+              <a:ext uri="{FF2B5EF4-FFF2-40B4-BE49-F238E27FC236}">
+                <a16:creationId xmlns:a16="http://schemas.microsoft.com/office/drawing/2014/main" id="{6A42B61B-551C-1239-B68F-81D5F033512C}"/>
+              </a:ext>
+            </a:extLst>
+          </p:cNvPr>
+          <p:cNvSpPr>
+            <a:spLocks noGrp="1"/>
+          </p:cNvSpPr>
+          <p:nvPr>
+            <p:ph idx="1"/>
+          </p:nvPr>
+        </p:nvSpPr>
+        <p:spPr>
+          <a:xfrm>
+            <a:off x="1150656" y="2097088"/>
+            <a:ext cx="9905999" cy="3541714"/>
+          </a:xfrm>
+        </p:spPr>
+        <p:txBody>
+          <a:bodyPr/>
+          <a:lstStyle/>
+          <a:p>
+            <a:r>
+              <a:rPr lang="en-BE" dirty="0"/>
+              <a:t>An event</a:t>
+            </a:r>
+            <a:r>
+              <a:rPr lang="en-US" b="0" i="0" dirty="0">
+                <a:effectLst/>
+                <a:latin typeface="Museo Sans"/>
+              </a:rPr>
+              <a:t> </a:t>
+            </a:r>
+            <a:r>
+              <a:rPr lang="en-US" dirty="0"/>
+              <a:t>represents a fact that took place within your application</a:t>
+            </a:r>
+            <a:endParaRPr lang="en-BE" dirty="0">
+              <a:latin typeface="Museo Sans"/>
+            </a:endParaRPr>
+          </a:p>
+        </p:txBody>
+      </p:sp>
+      <p:sp>
+        <p:nvSpPr>
+          <p:cNvPr id="4" name="Tijdelijke aanduiding voor datum 3">
+            <a:extLst>
+              <a:ext uri="{FF2B5EF4-FFF2-40B4-BE49-F238E27FC236}">
+                <a16:creationId xmlns:a16="http://schemas.microsoft.com/office/drawing/2014/main" id="{6A75839F-2020-31F5-3FB7-861CD1E5F91A}"/>
+              </a:ext>
+            </a:extLst>
+          </p:cNvPr>
+          <p:cNvSpPr>
+            <a:spLocks noGrp="1"/>
+          </p:cNvSpPr>
+          <p:nvPr>
+            <p:ph type="dt" sz="half" idx="10"/>
+          </p:nvPr>
+        </p:nvSpPr>
+        <p:spPr/>
+        <p:txBody>
+          <a:bodyPr/>
+          <a:lstStyle/>
+          <a:p>
+            <a:fld id="{EEE34FF5-3B64-40E8-96CF-68791D7CECD3}" type="datetime1">
+              <a:rPr lang="nl-BE" smtClean="0"/>
+              <a:t>14/06/2022</a:t>
+            </a:fld>
+            <a:endParaRPr lang="en-US"/>
+          </a:p>
+        </p:txBody>
+      </p:sp>
+      <p:sp>
+        <p:nvSpPr>
+          <p:cNvPr id="5" name="Tijdelijke aanduiding voor voettekst 4">
+            <a:extLst>
+              <a:ext uri="{FF2B5EF4-FFF2-40B4-BE49-F238E27FC236}">
+                <a16:creationId xmlns:a16="http://schemas.microsoft.com/office/drawing/2014/main" id="{355C05DD-5E92-7B0B-C082-F81F2A82155E}"/>
+              </a:ext>
+            </a:extLst>
+          </p:cNvPr>
+          <p:cNvSpPr>
+            <a:spLocks noGrp="1"/>
+          </p:cNvSpPr>
+          <p:nvPr>
+            <p:ph type="ftr" sz="quarter" idx="11"/>
+          </p:nvPr>
+        </p:nvSpPr>
+        <p:spPr>
+          <a:xfrm>
+            <a:off x="1182723" y="6472403"/>
+            <a:ext cx="6239309" cy="365125"/>
+          </a:xfrm>
+        </p:spPr>
+        <p:txBody>
+          <a:bodyPr/>
+          <a:lstStyle/>
+          <a:p>
+            <a:r>
+              <a:rPr lang="en-US" dirty="0"/>
+              <a:t>T</a:t>
+            </a:r>
+            <a:r>
+              <a:rPr lang="en-BE" dirty="0" err="1"/>
+              <a:t>hijs</a:t>
+            </a:r>
+            <a:r>
+              <a:rPr lang="en-BE" dirty="0"/>
+              <a:t> </a:t>
+            </a:r>
+            <a:r>
+              <a:rPr lang="en-BE" dirty="0" err="1"/>
+              <a:t>cornelis</a:t>
+            </a:r>
+            <a:r>
+              <a:rPr lang="en-BE" dirty="0"/>
+              <a:t> @ </a:t>
+            </a:r>
+            <a:r>
+              <a:rPr lang="en-US" dirty="0"/>
+              <a:t>AllPhi </a:t>
+            </a:r>
+          </a:p>
+        </p:txBody>
+      </p:sp>
+      <p:sp>
+        <p:nvSpPr>
+          <p:cNvPr id="6" name="Tijdelijke aanduiding voor dianummer 5">
+            <a:extLst>
+              <a:ext uri="{FF2B5EF4-FFF2-40B4-BE49-F238E27FC236}">
+                <a16:creationId xmlns:a16="http://schemas.microsoft.com/office/drawing/2014/main" id="{3B2DEF75-2C9F-AEA0-7281-688AE770E7B0}"/>
+              </a:ext>
+            </a:extLst>
+          </p:cNvPr>
+          <p:cNvSpPr>
+            <a:spLocks noGrp="1"/>
+          </p:cNvSpPr>
+          <p:nvPr>
+            <p:ph type="sldNum" sz="quarter" idx="12"/>
+          </p:nvPr>
+        </p:nvSpPr>
+        <p:spPr/>
+        <p:txBody>
+          <a:bodyPr/>
+          <a:lstStyle/>
+          <a:p>
+            <a:fld id="{6D22F896-40B5-4ADD-8801-0D06FADFA095}" type="slidenum">
+              <a:rPr lang="en-US" smtClean="0"/>
+              <a:t>5</a:t>
+            </a:fld>
+            <a:endParaRPr lang="en-US"/>
+          </a:p>
+        </p:txBody>
+      </p:sp>
+      <p:pic>
+        <p:nvPicPr>
+          <p:cNvPr id="8" name="Picture 7">
+            <a:extLst>
+              <a:ext uri="{FF2B5EF4-FFF2-40B4-BE49-F238E27FC236}">
+                <a16:creationId xmlns:a16="http://schemas.microsoft.com/office/drawing/2014/main" id="{8384C946-505F-DB24-4B96-8EF1B25B35EE}"/>
+              </a:ext>
+            </a:extLst>
+          </p:cNvPr>
+          <p:cNvPicPr>
+            <a:picLocks noChangeAspect="1"/>
+          </p:cNvPicPr>
+          <p:nvPr/>
+        </p:nvPicPr>
+        <p:blipFill>
+          <a:blip r:embed="rId3"/>
+          <a:stretch>
+            <a:fillRect/>
+          </a:stretch>
+        </p:blipFill>
+        <p:spPr>
+          <a:xfrm>
+            <a:off x="942343" y="2884552"/>
+            <a:ext cx="5161312" cy="2977162"/>
+          </a:xfrm>
+          <a:prstGeom prst="rect">
+            <a:avLst/>
+          </a:prstGeom>
+          <a:effectLst>
+            <a:glow rad="88900">
+              <a:srgbClr val="00B050"/>
+            </a:glow>
+          </a:effectLst>
+        </p:spPr>
+      </p:pic>
+      <p:pic>
+        <p:nvPicPr>
+          <p:cNvPr id="10" name="Picture 9">
+            <a:extLst>
+              <a:ext uri="{FF2B5EF4-FFF2-40B4-BE49-F238E27FC236}">
+                <a16:creationId xmlns:a16="http://schemas.microsoft.com/office/drawing/2014/main" id="{C398DFC4-9478-28E6-19D1-1FFF8BA2910E}"/>
+              </a:ext>
+            </a:extLst>
+          </p:cNvPr>
+          <p:cNvPicPr>
+            <a:picLocks noChangeAspect="1"/>
+          </p:cNvPicPr>
+          <p:nvPr/>
+        </p:nvPicPr>
+        <p:blipFill>
+          <a:blip r:embed="rId4"/>
+          <a:stretch>
+            <a:fillRect/>
+          </a:stretch>
+        </p:blipFill>
+        <p:spPr>
+          <a:xfrm>
+            <a:off x="6416341" y="2884552"/>
+            <a:ext cx="4988225" cy="2977162"/>
+          </a:xfrm>
+          <a:prstGeom prst="rect">
+            <a:avLst/>
+          </a:prstGeom>
+          <a:effectLst>
+            <a:glow rad="88900">
+              <a:srgbClr val="FF0000"/>
+            </a:glow>
+          </a:effectLst>
+        </p:spPr>
+      </p:pic>
+      <mc:AlternateContent xmlns:mc="http://schemas.openxmlformats.org/markup-compatibility/2006">
+        <mc:Choice xmlns:p14="http://schemas.microsoft.com/office/powerpoint/2010/main" Requires="p14">
+          <p:contentPart p14:bwMode="auto" r:id="rId5">
+            <p14:nvContentPartPr>
+              <p14:cNvPr id="14" name="Ink 13">
+                <a:extLst>
+                  <a:ext uri="{FF2B5EF4-FFF2-40B4-BE49-F238E27FC236}">
+                    <a16:creationId xmlns:a16="http://schemas.microsoft.com/office/drawing/2014/main" id="{E14ACB68-659C-6586-CEB0-73676B576A72}"/>
+                  </a:ext>
+                </a:extLst>
+              </p14:cNvPr>
+              <p14:cNvContentPartPr/>
+              <p14:nvPr/>
+            </p14:nvContentPartPr>
+            <p14:xfrm>
+              <a:off x="2270640" y="3977460"/>
+              <a:ext cx="360" cy="360"/>
+            </p14:xfrm>
+          </p:contentPart>
+        </mc:Choice>
+        <mc:Fallback>
+          <p:pic>
+            <p:nvPicPr>
+              <p:cNvPr id="14" name="Ink 13">
+                <a:extLst>
+                  <a:ext uri="{FF2B5EF4-FFF2-40B4-BE49-F238E27FC236}">
+                    <a16:creationId xmlns:a16="http://schemas.microsoft.com/office/drawing/2014/main" id="{E14ACB68-659C-6586-CEB0-73676B576A72}"/>
+                  </a:ext>
+                </a:extLst>
+              </p:cNvPr>
+              <p:cNvPicPr/>
+              <p:nvPr/>
+            </p:nvPicPr>
+            <p:blipFill>
+              <a:blip r:embed="rId6"/>
+              <a:stretch>
+                <a:fillRect/>
+              </a:stretch>
+            </p:blipFill>
+            <p:spPr>
+              <a:xfrm>
+                <a:off x="2216640" y="3869460"/>
+                <a:ext cx="108000" cy="216000"/>
+              </a:xfrm>
+              <a:prstGeom prst="rect">
+                <a:avLst/>
+              </a:prstGeom>
+            </p:spPr>
+          </p:pic>
+        </mc:Fallback>
+      </mc:AlternateContent>
+    </p:spTree>
+    <p:extLst>
+      <p:ext uri="{BB962C8B-B14F-4D97-AF65-F5344CB8AC3E}">
+        <p14:creationId xmlns:p14="http://schemas.microsoft.com/office/powerpoint/2010/main" val="3977505363"/>
+      </p:ext>
+    </p:extLst>
+  </p:cSld>
+  <p:clrMapOvr>
+    <a:masterClrMapping/>
+  </p:clrMapOvr>
+</p:sld>
+</file>
+
+<file path=ppt/slides/slide6.xml><?xml version="1.0" encoding="utf-8"?>
+<p:sld xmlns:a="http://schemas.openxmlformats.org/drawingml/2006/main" xmlns:r="http://schemas.openxmlformats.org/officeDocument/2006/relationships" xmlns:p="http://schemas.openxmlformats.org/presentationml/2006/main">
+  <p:cSld>
+    <p:spTree>
+      <p:nvGrpSpPr>
+        <p:cNvPr id="1" name=""/>
+        <p:cNvGrpSpPr/>
+        <p:nvPr/>
+      </p:nvGrpSpPr>
+      <p:grpSpPr>
+        <a:xfrm>
+          <a:off x="0" y="0"/>
+          <a:ext cx="0" cy="0"/>
+          <a:chOff x="0" y="0"/>
+          <a:chExt cx="0" cy="0"/>
+        </a:xfrm>
+      </p:grpSpPr>
+      <p:sp>
+        <p:nvSpPr>
+          <p:cNvPr id="2" name="Title 1">
+            <a:extLst>
+              <a:ext uri="{FF2B5EF4-FFF2-40B4-BE49-F238E27FC236}">
+                <a16:creationId xmlns:a16="http://schemas.microsoft.com/office/drawing/2014/main" id="{576471FF-E071-5863-88BC-A51236A71747}"/>
+              </a:ext>
+            </a:extLst>
+          </p:cNvPr>
+          <p:cNvSpPr>
+            <a:spLocks noGrp="1"/>
+          </p:cNvSpPr>
+          <p:nvPr>
+            <p:ph type="title"/>
+          </p:nvPr>
+        </p:nvSpPr>
+        <p:spPr/>
+        <p:txBody>
+          <a:bodyPr/>
+          <a:lstStyle/>
+          <a:p>
+            <a:r>
+              <a:rPr lang="en-US" dirty="0"/>
+              <a:t>What?</a:t>
+            </a:r>
+            <a:endParaRPr lang="en-BE" dirty="0"/>
+          </a:p>
+        </p:txBody>
+      </p:sp>
+      <p:sp>
+        <p:nvSpPr>
+          <p:cNvPr id="3" name="Content Placeholder 2">
+            <a:extLst>
+              <a:ext uri="{FF2B5EF4-FFF2-40B4-BE49-F238E27FC236}">
+                <a16:creationId xmlns:a16="http://schemas.microsoft.com/office/drawing/2014/main" id="{12DFE035-1A51-FAD1-3602-C00AAE88254C}"/>
+              </a:ext>
+            </a:extLst>
+          </p:cNvPr>
+          <p:cNvSpPr>
+            <a:spLocks noGrp="1"/>
+          </p:cNvSpPr>
+          <p:nvPr>
+            <p:ph idx="1"/>
+          </p:nvPr>
+        </p:nvSpPr>
+        <p:spPr/>
+        <p:txBody>
+          <a:bodyPr/>
+          <a:lstStyle/>
+          <a:p>
+            <a:r>
+              <a:rPr lang="en-US" dirty="0"/>
+              <a:t>An event doesn’t have to change state!</a:t>
+            </a:r>
+            <a:endParaRPr lang="en-BE" dirty="0"/>
+          </a:p>
+        </p:txBody>
+      </p:sp>
+      <p:sp>
+        <p:nvSpPr>
+          <p:cNvPr id="4" name="Date Placeholder 3">
+            <a:extLst>
+              <a:ext uri="{FF2B5EF4-FFF2-40B4-BE49-F238E27FC236}">
+                <a16:creationId xmlns:a16="http://schemas.microsoft.com/office/drawing/2014/main" id="{38F2B87B-F755-5A6E-A139-AD6ECE4ED349}"/>
+              </a:ext>
+            </a:extLst>
+          </p:cNvPr>
+          <p:cNvSpPr>
+            <a:spLocks noGrp="1"/>
+          </p:cNvSpPr>
+          <p:nvPr>
+            <p:ph type="dt" sz="half" idx="10"/>
+          </p:nvPr>
+        </p:nvSpPr>
+        <p:spPr/>
+        <p:txBody>
+          <a:bodyPr/>
+          <a:lstStyle/>
+          <a:p>
+            <a:fld id="{EEE34FF5-3B64-40E8-96CF-68791D7CECD3}" type="datetime1">
+              <a:rPr lang="nl-BE" smtClean="0"/>
+              <a:t>14/06/2022</a:t>
+            </a:fld>
+            <a:endParaRPr lang="en-US"/>
+          </a:p>
+        </p:txBody>
+      </p:sp>
+      <p:sp>
+        <p:nvSpPr>
+          <p:cNvPr id="5" name="Footer Placeholder 4">
+            <a:extLst>
+              <a:ext uri="{FF2B5EF4-FFF2-40B4-BE49-F238E27FC236}">
+                <a16:creationId xmlns:a16="http://schemas.microsoft.com/office/drawing/2014/main" id="{B6640CFA-DF2E-A2AD-908D-6299C99ED921}"/>
+              </a:ext>
+            </a:extLst>
+          </p:cNvPr>
+          <p:cNvSpPr>
+            <a:spLocks noGrp="1"/>
+          </p:cNvSpPr>
+          <p:nvPr>
+            <p:ph type="ftr" sz="quarter" idx="11"/>
+          </p:nvPr>
+        </p:nvSpPr>
+        <p:spPr/>
+        <p:txBody>
+          <a:bodyPr/>
+          <a:lstStyle/>
+          <a:p>
+            <a:r>
+              <a:rPr lang="en-US" dirty="0"/>
+              <a:t>T</a:t>
+            </a:r>
+            <a:r>
+              <a:rPr lang="en-BE" dirty="0" err="1"/>
+              <a:t>hijs</a:t>
+            </a:r>
+            <a:r>
+              <a:rPr lang="en-BE" dirty="0"/>
+              <a:t> </a:t>
+            </a:r>
+            <a:r>
+              <a:rPr lang="en-BE" dirty="0" err="1"/>
+              <a:t>cornelis</a:t>
+            </a:r>
+            <a:r>
+              <a:rPr lang="en-BE" dirty="0"/>
+              <a:t> @ </a:t>
+            </a:r>
+            <a:r>
+              <a:rPr lang="en-US" dirty="0"/>
+              <a:t>AllPhi </a:t>
+            </a:r>
+          </a:p>
+          <a:p>
+            <a:r>
+              <a:rPr lang="en-US" dirty="0"/>
+              <a:t> </a:t>
+            </a:r>
+          </a:p>
+        </p:txBody>
+      </p:sp>
+      <p:sp>
+        <p:nvSpPr>
+          <p:cNvPr id="6" name="Slide Number Placeholder 5">
+            <a:extLst>
+              <a:ext uri="{FF2B5EF4-FFF2-40B4-BE49-F238E27FC236}">
+                <a16:creationId xmlns:a16="http://schemas.microsoft.com/office/drawing/2014/main" id="{793A2A6A-D133-4DEC-9E41-3A1F62A4813D}"/>
+              </a:ext>
+            </a:extLst>
+          </p:cNvPr>
+          <p:cNvSpPr>
+            <a:spLocks noGrp="1"/>
+          </p:cNvSpPr>
+          <p:nvPr>
+            <p:ph type="sldNum" sz="quarter" idx="12"/>
+          </p:nvPr>
+        </p:nvSpPr>
+        <p:spPr/>
+        <p:txBody>
+          <a:bodyPr/>
+          <a:lstStyle/>
+          <a:p>
+            <a:fld id="{6D22F896-40B5-4ADD-8801-0D06FADFA095}" type="slidenum">
+              <a:rPr lang="en-US" smtClean="0"/>
+              <a:t>6</a:t>
+            </a:fld>
+            <a:endParaRPr lang="en-US"/>
+          </a:p>
+        </p:txBody>
+      </p:sp>
+      <p:pic>
+        <p:nvPicPr>
+          <p:cNvPr id="8" name="Picture 7">
+            <a:extLst>
+              <a:ext uri="{FF2B5EF4-FFF2-40B4-BE49-F238E27FC236}">
+                <a16:creationId xmlns:a16="http://schemas.microsoft.com/office/drawing/2014/main" id="{842274D5-A5A6-81CA-8087-29F898C9F446}"/>
+              </a:ext>
+            </a:extLst>
+          </p:cNvPr>
+          <p:cNvPicPr>
+            <a:picLocks noChangeAspect="1"/>
+          </p:cNvPicPr>
+          <p:nvPr/>
+        </p:nvPicPr>
+        <p:blipFill>
+          <a:blip r:embed="rId3"/>
+          <a:stretch>
+            <a:fillRect/>
+          </a:stretch>
+        </p:blipFill>
+        <p:spPr>
+          <a:xfrm>
+            <a:off x="2790988" y="3429000"/>
+            <a:ext cx="6610024" cy="1816873"/>
+          </a:xfrm>
+          <a:prstGeom prst="rect">
+            <a:avLst/>
+          </a:prstGeom>
+        </p:spPr>
+      </p:pic>
+    </p:spTree>
+    <p:extLst>
+      <p:ext uri="{BB962C8B-B14F-4D97-AF65-F5344CB8AC3E}">
+        <p14:creationId xmlns:p14="http://schemas.microsoft.com/office/powerpoint/2010/main" val="1202014340"/>
+      </p:ext>
+    </p:extLst>
+  </p:cSld>
+  <p:clrMapOvr>
+    <a:masterClrMapping/>
+  </p:clrMapOvr>
+</p:sld>
+</file>
+
+<file path=ppt/slides/slide7.xml><?xml version="1.0" encoding="utf-8"?>
+<p:sld xmlns:a="http://schemas.openxmlformats.org/drawingml/2006/main" xmlns:r="http://schemas.openxmlformats.org/officeDocument/2006/relationships" xmlns:p="http://schemas.openxmlformats.org/presentationml/2006/main">
+  <p:cSld>
+    <p:spTree>
+      <p:nvGrpSpPr>
+        <p:cNvPr id="1" name=""/>
+        <p:cNvGrpSpPr/>
+        <p:nvPr/>
+      </p:nvGrpSpPr>
+      <p:grpSpPr>
+        <a:xfrm>
+          <a:off x="0" y="0"/>
+          <a:ext cx="0" cy="0"/>
+          <a:chOff x="0" y="0"/>
+          <a:chExt cx="0" cy="0"/>
+        </a:xfrm>
+      </p:grpSpPr>
+      <p:sp>
+        <p:nvSpPr>
+          <p:cNvPr id="2" name="Titel 1">
+            <a:extLst>
+              <a:ext uri="{FF2B5EF4-FFF2-40B4-BE49-F238E27FC236}">
+                <a16:creationId xmlns:a16="http://schemas.microsoft.com/office/drawing/2014/main" id="{C09ABC29-4D6F-4484-2654-2C46E484C5E0}"/>
+              </a:ext>
+            </a:extLst>
+          </p:cNvPr>
+          <p:cNvSpPr>
+            <a:spLocks noGrp="1"/>
+          </p:cNvSpPr>
+          <p:nvPr>
+            <p:ph type="title"/>
+          </p:nvPr>
+        </p:nvSpPr>
+        <p:spPr/>
+        <p:txBody>
+          <a:bodyPr/>
+          <a:lstStyle/>
+          <a:p>
+            <a:r>
+              <a:rPr lang="en-US" dirty="0"/>
+              <a:t>W</a:t>
+            </a:r>
+            <a:r>
+              <a:rPr lang="en-BE" dirty="0"/>
+              <a:t>hat?</a:t>
+            </a:r>
+          </a:p>
+        </p:txBody>
+      </p:sp>
+      <p:sp>
+        <p:nvSpPr>
+          <p:cNvPr id="3" name="Tijdelijke aanduiding voor inhoud 2">
+            <a:extLst>
+              <a:ext uri="{FF2B5EF4-FFF2-40B4-BE49-F238E27FC236}">
+                <a16:creationId xmlns:a16="http://schemas.microsoft.com/office/drawing/2014/main" id="{6A42B61B-551C-1239-B68F-81D5F033512C}"/>
+              </a:ext>
+            </a:extLst>
+          </p:cNvPr>
+          <p:cNvSpPr>
+            <a:spLocks noGrp="1"/>
+          </p:cNvSpPr>
+          <p:nvPr>
+            <p:ph idx="1"/>
+          </p:nvPr>
+        </p:nvSpPr>
+        <p:spPr>
+          <a:xfrm>
+            <a:off x="1150656" y="1722411"/>
+            <a:ext cx="9905999" cy="3541714"/>
+          </a:xfrm>
+        </p:spPr>
+        <p:txBody>
+          <a:bodyPr/>
+          <a:lstStyle/>
+          <a:p>
+            <a:r>
+              <a:rPr lang="en-US" dirty="0"/>
+              <a:t>An </a:t>
+            </a:r>
+            <a:r>
+              <a:rPr lang="en-BE" dirty="0"/>
+              <a:t>aggregate’s</a:t>
+            </a:r>
+            <a:r>
+              <a:rPr lang="en-US" dirty="0"/>
+              <a:t> current state can be created by replaying all the events in order of occurrence.</a:t>
+            </a:r>
+            <a:endParaRPr lang="en-BE" dirty="0"/>
+          </a:p>
+        </p:txBody>
+      </p:sp>
+      <p:sp>
+        <p:nvSpPr>
+          <p:cNvPr id="4" name="Tijdelijke aanduiding voor datum 3">
+            <a:extLst>
+              <a:ext uri="{FF2B5EF4-FFF2-40B4-BE49-F238E27FC236}">
+                <a16:creationId xmlns:a16="http://schemas.microsoft.com/office/drawing/2014/main" id="{6A75839F-2020-31F5-3FB7-861CD1E5F91A}"/>
+              </a:ext>
+            </a:extLst>
+          </p:cNvPr>
+          <p:cNvSpPr>
+            <a:spLocks noGrp="1"/>
+          </p:cNvSpPr>
+          <p:nvPr>
+            <p:ph type="dt" sz="half" idx="10"/>
+          </p:nvPr>
+        </p:nvSpPr>
+        <p:spPr/>
+        <p:txBody>
+          <a:bodyPr/>
+          <a:lstStyle/>
+          <a:p>
+            <a:fld id="{EEE34FF5-3B64-40E8-96CF-68791D7CECD3}" type="datetime1">
+              <a:rPr lang="nl-BE" smtClean="0"/>
+              <a:t>14/06/2022</a:t>
+            </a:fld>
+            <a:endParaRPr lang="en-US"/>
+          </a:p>
+        </p:txBody>
+      </p:sp>
+      <p:sp>
+        <p:nvSpPr>
+          <p:cNvPr id="5" name="Tijdelijke aanduiding voor voettekst 4">
+            <a:extLst>
+              <a:ext uri="{FF2B5EF4-FFF2-40B4-BE49-F238E27FC236}">
+                <a16:creationId xmlns:a16="http://schemas.microsoft.com/office/drawing/2014/main" id="{355C05DD-5E92-7B0B-C082-F81F2A82155E}"/>
+              </a:ext>
+            </a:extLst>
+          </p:cNvPr>
+          <p:cNvSpPr>
+            <a:spLocks noGrp="1"/>
+          </p:cNvSpPr>
+          <p:nvPr>
+            <p:ph type="ftr" sz="quarter" idx="11"/>
+          </p:nvPr>
+        </p:nvSpPr>
+        <p:spPr/>
+        <p:txBody>
+          <a:bodyPr/>
+          <a:lstStyle/>
+          <a:p>
+            <a:r>
+              <a:rPr lang="en-US" dirty="0"/>
+              <a:t>T</a:t>
+            </a:r>
+            <a:r>
+              <a:rPr lang="en-BE" dirty="0" err="1"/>
+              <a:t>hijs</a:t>
+            </a:r>
+            <a:r>
+              <a:rPr lang="en-BE" dirty="0"/>
+              <a:t> </a:t>
+            </a:r>
+            <a:r>
+              <a:rPr lang="en-BE" dirty="0" err="1"/>
+              <a:t>cornelis</a:t>
+            </a:r>
+            <a:r>
+              <a:rPr lang="en-BE" dirty="0"/>
+              <a:t> @ </a:t>
+            </a:r>
+            <a:r>
+              <a:rPr lang="en-US" dirty="0"/>
+              <a:t>AllPhi </a:t>
+            </a:r>
+          </a:p>
+        </p:txBody>
+      </p:sp>
+      <p:sp>
+        <p:nvSpPr>
+          <p:cNvPr id="6" name="Tijdelijke aanduiding voor dianummer 5">
+            <a:extLst>
+              <a:ext uri="{FF2B5EF4-FFF2-40B4-BE49-F238E27FC236}">
+                <a16:creationId xmlns:a16="http://schemas.microsoft.com/office/drawing/2014/main" id="{3B2DEF75-2C9F-AEA0-7281-688AE770E7B0}"/>
+              </a:ext>
+            </a:extLst>
+          </p:cNvPr>
+          <p:cNvSpPr>
+            <a:spLocks noGrp="1"/>
+          </p:cNvSpPr>
+          <p:nvPr>
+            <p:ph type="sldNum" sz="quarter" idx="12"/>
+          </p:nvPr>
+        </p:nvSpPr>
+        <p:spPr/>
+        <p:txBody>
+          <a:bodyPr/>
+          <a:lstStyle/>
+          <a:p>
+            <a:fld id="{6D22F896-40B5-4ADD-8801-0D06FADFA095}" type="slidenum">
+              <a:rPr lang="en-US" smtClean="0"/>
+              <a:t>7</a:t>
+            </a:fld>
+            <a:endParaRPr lang="en-US"/>
+          </a:p>
+        </p:txBody>
+      </p:sp>
+      <p:pic>
+        <p:nvPicPr>
+          <p:cNvPr id="7" name="Picture 6">
+            <a:extLst>
+              <a:ext uri="{FF2B5EF4-FFF2-40B4-BE49-F238E27FC236}">
+                <a16:creationId xmlns:a16="http://schemas.microsoft.com/office/drawing/2014/main" id="{601E7A32-78D3-B4AA-D5AD-3F7D9187F7CF}"/>
+              </a:ext>
+            </a:extLst>
+          </p:cNvPr>
+          <p:cNvPicPr>
+            <a:picLocks noChangeAspect="1"/>
+          </p:cNvPicPr>
+          <p:nvPr/>
+        </p:nvPicPr>
+        <p:blipFill>
+          <a:blip r:embed="rId3"/>
+          <a:stretch>
+            <a:fillRect/>
+          </a:stretch>
+        </p:blipFill>
+        <p:spPr>
+          <a:xfrm>
+            <a:off x="1150656" y="3713924"/>
+            <a:ext cx="9915525" cy="1152525"/>
+          </a:xfrm>
+          <a:prstGeom prst="rect">
+            <a:avLst/>
+          </a:prstGeom>
+        </p:spPr>
+      </p:pic>
+    </p:spTree>
+    <p:extLst>
+      <p:ext uri="{BB962C8B-B14F-4D97-AF65-F5344CB8AC3E}">
+        <p14:creationId xmlns:p14="http://schemas.microsoft.com/office/powerpoint/2010/main" val="1386813042"/>
+      </p:ext>
+    </p:extLst>
+  </p:cSld>
+  <p:clrMapOvr>
+    <a:masterClrMapping/>
+  </p:clrMapOvr>
+</p:sld>
+</file>
+
+<file path=ppt/slides/slide8.xml><?xml version="1.0" encoding="utf-8"?>
+<p:sld xmlns:a="http://schemas.openxmlformats.org/drawingml/2006/main" xmlns:r="http://schemas.openxmlformats.org/officeDocument/2006/relationships" xmlns:p="http://schemas.openxmlformats.org/presentationml/2006/main">
+  <p:cSld>
+    <p:spTree>
+      <p:nvGrpSpPr>
+        <p:cNvPr id="1" name=""/>
+        <p:cNvGrpSpPr/>
+        <p:nvPr/>
+      </p:nvGrpSpPr>
+      <p:grpSpPr>
+        <a:xfrm>
+          <a:off x="0" y="0"/>
+          <a:ext cx="0" cy="0"/>
+          <a:chOff x="0" y="0"/>
+          <a:chExt cx="0" cy="0"/>
+        </a:xfrm>
+      </p:grpSpPr>
+      <p:sp>
+        <p:nvSpPr>
+          <p:cNvPr id="4" name="Tijdelijke aanduiding voor datum 3">
+            <a:extLst>
+              <a:ext uri="{FF2B5EF4-FFF2-40B4-BE49-F238E27FC236}">
+                <a16:creationId xmlns:a16="http://schemas.microsoft.com/office/drawing/2014/main" id="{6A75839F-2020-31F5-3FB7-861CD1E5F91A}"/>
+              </a:ext>
+            </a:extLst>
+          </p:cNvPr>
+          <p:cNvSpPr>
+            <a:spLocks noGrp="1"/>
+          </p:cNvSpPr>
+          <p:nvPr>
+            <p:ph type="dt" sz="half" idx="10"/>
+          </p:nvPr>
+        </p:nvSpPr>
+        <p:spPr/>
+        <p:txBody>
+          <a:bodyPr/>
+          <a:lstStyle/>
+          <a:p>
+            <a:fld id="{EEE34FF5-3B64-40E8-96CF-68791D7CECD3}" type="datetime1">
+              <a:rPr lang="nl-BE" smtClean="0"/>
+              <a:t>14/06/2022</a:t>
+            </a:fld>
+            <a:endParaRPr lang="en-US"/>
+          </a:p>
+        </p:txBody>
+      </p:sp>
+      <p:sp>
+        <p:nvSpPr>
+          <p:cNvPr id="5" name="Tijdelijke aanduiding voor voettekst 4">
+            <a:extLst>
+              <a:ext uri="{FF2B5EF4-FFF2-40B4-BE49-F238E27FC236}">
+                <a16:creationId xmlns:a16="http://schemas.microsoft.com/office/drawing/2014/main" id="{355C05DD-5E92-7B0B-C082-F81F2A82155E}"/>
+              </a:ext>
+            </a:extLst>
+          </p:cNvPr>
+          <p:cNvSpPr>
+            <a:spLocks noGrp="1"/>
+          </p:cNvSpPr>
+          <p:nvPr>
+            <p:ph type="ftr" sz="quarter" idx="11"/>
+          </p:nvPr>
+        </p:nvSpPr>
+        <p:spPr/>
+        <p:txBody>
+          <a:bodyPr/>
+          <a:lstStyle/>
+          <a:p>
+            <a:r>
+              <a:rPr lang="en-US" dirty="0"/>
+              <a:t>T</a:t>
+            </a:r>
+            <a:r>
+              <a:rPr lang="en-BE" dirty="0" err="1"/>
+              <a:t>hijs</a:t>
+            </a:r>
+            <a:r>
+              <a:rPr lang="en-BE" dirty="0"/>
+              <a:t> </a:t>
+            </a:r>
+            <a:r>
+              <a:rPr lang="en-BE" dirty="0" err="1"/>
+              <a:t>cornelis</a:t>
+            </a:r>
+            <a:r>
+              <a:rPr lang="en-BE" dirty="0"/>
+              <a:t> @ </a:t>
+            </a:r>
+            <a:r>
+              <a:rPr lang="en-US" dirty="0"/>
+              <a:t>AllPhi </a:t>
+            </a:r>
+          </a:p>
+        </p:txBody>
+      </p:sp>
+      <p:sp>
+        <p:nvSpPr>
+          <p:cNvPr id="6" name="Tijdelijke aanduiding voor dianummer 5">
+            <a:extLst>
+              <a:ext uri="{FF2B5EF4-FFF2-40B4-BE49-F238E27FC236}">
+                <a16:creationId xmlns:a16="http://schemas.microsoft.com/office/drawing/2014/main" id="{3B2DEF75-2C9F-AEA0-7281-688AE770E7B0}"/>
+              </a:ext>
+            </a:extLst>
+          </p:cNvPr>
+          <p:cNvSpPr>
+            <a:spLocks noGrp="1"/>
+          </p:cNvSpPr>
+          <p:nvPr>
+            <p:ph type="sldNum" sz="quarter" idx="12"/>
+          </p:nvPr>
+        </p:nvSpPr>
+        <p:spPr/>
+        <p:txBody>
+          <a:bodyPr/>
+          <a:lstStyle/>
+          <a:p>
+            <a:fld id="{6D22F896-40B5-4ADD-8801-0D06FADFA095}" type="slidenum">
+              <a:rPr lang="en-US" smtClean="0"/>
+              <a:t>8</a:t>
+            </a:fld>
+            <a:endParaRPr lang="en-US"/>
+          </a:p>
+        </p:txBody>
+      </p:sp>
+      <p:pic>
+        <p:nvPicPr>
+          <p:cNvPr id="10" name="Picture 9">
+            <a:extLst>
+              <a:ext uri="{FF2B5EF4-FFF2-40B4-BE49-F238E27FC236}">
+                <a16:creationId xmlns:a16="http://schemas.microsoft.com/office/drawing/2014/main" id="{2D1802DD-ACA4-F23F-7855-C87E0D3BADF2}"/>
+              </a:ext>
+            </a:extLst>
+          </p:cNvPr>
+          <p:cNvPicPr>
+            <a:picLocks noChangeAspect="1"/>
+          </p:cNvPicPr>
+          <p:nvPr/>
+        </p:nvPicPr>
+        <p:blipFill rotWithShape="1">
+          <a:blip r:embed="rId3"/>
+          <a:srcRect t="11891" b="-14492"/>
+          <a:stretch/>
+        </p:blipFill>
+        <p:spPr>
+          <a:xfrm>
+            <a:off x="283764" y="764653"/>
+            <a:ext cx="5616476" cy="5722641"/>
+          </a:xfrm>
+          <a:prstGeom prst="rect">
+            <a:avLst/>
+          </a:prstGeom>
+        </p:spPr>
+      </p:pic>
+      <p:pic>
+        <p:nvPicPr>
+          <p:cNvPr id="14" name="Picture 13">
+            <a:extLst>
+              <a:ext uri="{FF2B5EF4-FFF2-40B4-BE49-F238E27FC236}">
+                <a16:creationId xmlns:a16="http://schemas.microsoft.com/office/drawing/2014/main" id="{7891F8AB-1593-C8D7-BC02-826D80F49F8B}"/>
+              </a:ext>
+            </a:extLst>
+          </p:cNvPr>
+          <p:cNvPicPr>
+            <a:picLocks noChangeAspect="1"/>
+          </p:cNvPicPr>
+          <p:nvPr/>
+        </p:nvPicPr>
+        <p:blipFill>
+          <a:blip r:embed="rId4"/>
+          <a:stretch>
+            <a:fillRect/>
+          </a:stretch>
+        </p:blipFill>
+        <p:spPr>
+          <a:xfrm>
+            <a:off x="7810899" y="2350227"/>
+            <a:ext cx="3528599" cy="2157546"/>
+          </a:xfrm>
+          <a:prstGeom prst="rect">
+            <a:avLst/>
+          </a:prstGeom>
+        </p:spPr>
+      </p:pic>
+      <p:sp>
+        <p:nvSpPr>
+          <p:cNvPr id="15" name="Arrow: Right 14">
+            <a:extLst>
+              <a:ext uri="{FF2B5EF4-FFF2-40B4-BE49-F238E27FC236}">
+                <a16:creationId xmlns:a16="http://schemas.microsoft.com/office/drawing/2014/main" id="{64B6FEE5-A4F5-9618-A0A6-2EC854DA66AE}"/>
+              </a:ext>
+            </a:extLst>
+          </p:cNvPr>
+          <p:cNvSpPr/>
+          <p:nvPr/>
+        </p:nvSpPr>
+        <p:spPr>
+          <a:xfrm>
+            <a:off x="6455391" y="3429000"/>
+            <a:ext cx="750627" cy="365125"/>
+          </a:xfrm>
+          <a:prstGeom prst="rightArrow">
+            <a:avLst/>
+          </a:prstGeom>
+        </p:spPr>
+        <p:style>
+          <a:lnRef idx="2">
+            <a:schemeClr val="accent1">
+              <a:shade val="50000"/>
+            </a:schemeClr>
+          </a:lnRef>
+          <a:fillRef idx="1">
+            <a:schemeClr val="accent1"/>
+          </a:fillRef>
+          <a:effectRef idx="0">
+            <a:schemeClr val="accent1"/>
+          </a:effectRef>
+          <a:fontRef idx="minor">
+            <a:schemeClr val="lt1"/>
+          </a:fontRef>
+        </p:style>
+        <p:txBody>
+          <a:bodyPr rtlCol="0" anchor="ctr"/>
+          <a:lstStyle/>
+          <a:p>
+            <a:pPr algn="ctr"/>
+            <a:endParaRPr lang="en-BE"/>
+          </a:p>
+        </p:txBody>
+      </p:sp>
+    </p:spTree>
+    <p:extLst>
+      <p:ext uri="{BB962C8B-B14F-4D97-AF65-F5344CB8AC3E}">
+        <p14:creationId xmlns:p14="http://schemas.microsoft.com/office/powerpoint/2010/main" val="2613761605"/>
+      </p:ext>
+    </p:extLst>
+  </p:cSld>
+  <p:clrMapOvr>
+    <a:masterClrMapping/>
+  </p:clrMapOvr>
+</p:sld>
+</file>
+
+<file path=ppt/slides/slide9.xml><?xml version="1.0" encoding="utf-8"?>
+<p:sld xmlns:a="http://schemas.openxmlformats.org/drawingml/2006/main" xmlns:r="http://schemas.openxmlformats.org/officeDocument/2006/relationships" xmlns:p="http://schemas.openxmlformats.org/presentationml/2006/main">
+  <p:cSld>
+    <p:spTree>
+      <p:nvGrpSpPr>
+        <p:cNvPr id="1" name=""/>
+        <p:cNvGrpSpPr/>
+        <p:nvPr/>
+      </p:nvGrpSpPr>
+      <p:grpSpPr>
+        <a:xfrm>
+          <a:off x="0" y="0"/>
+          <a:ext cx="0" cy="0"/>
+          <a:chOff x="0" y="0"/>
+          <a:chExt cx="0" cy="0"/>
+        </a:xfrm>
+      </p:grpSpPr>
+      <p:sp>
+        <p:nvSpPr>
+          <p:cNvPr id="2" name="Titel 1">
+            <a:extLst>
+              <a:ext uri="{FF2B5EF4-FFF2-40B4-BE49-F238E27FC236}">
+                <a16:creationId xmlns:a16="http://schemas.microsoft.com/office/drawing/2014/main" id="{A39FC1F4-0A53-4B1C-8B38-CB68F9AD6D45}"/>
+              </a:ext>
+            </a:extLst>
+          </p:cNvPr>
+          <p:cNvSpPr>
+            <a:spLocks noGrp="1"/>
+          </p:cNvSpPr>
+          <p:nvPr>
+            <p:ph type="title"/>
+          </p:nvPr>
+        </p:nvSpPr>
+        <p:spPr/>
+        <p:txBody>
+          <a:bodyPr/>
+          <a:lstStyle/>
+          <a:p>
+            <a:r>
+              <a:rPr lang="en-US" dirty="0"/>
+              <a:t>W</a:t>
+            </a:r>
+            <a:r>
+              <a:rPr lang="en-BE" dirty="0" err="1"/>
+              <a:t>hy</a:t>
+            </a:r>
+            <a:r>
+              <a:rPr lang="en-US" dirty="0"/>
+              <a:t>?</a:t>
+            </a:r>
+            <a:endParaRPr lang="en-BE" dirty="0"/>
+          </a:p>
+        </p:txBody>
+      </p:sp>
+      <p:sp>
+        <p:nvSpPr>
+          <p:cNvPr id="3" name="Tijdelijke aanduiding voor inhoud 2">
+            <a:extLst>
+              <a:ext uri="{FF2B5EF4-FFF2-40B4-BE49-F238E27FC236}">
+                <a16:creationId xmlns:a16="http://schemas.microsoft.com/office/drawing/2014/main" id="{AEC584CF-C2A2-4FB7-D441-330E7B559E77}"/>
+              </a:ext>
+            </a:extLst>
+          </p:cNvPr>
+          <p:cNvSpPr>
+            <a:spLocks noGrp="1"/>
+          </p:cNvSpPr>
+          <p:nvPr>
+            <p:ph idx="1"/>
+          </p:nvPr>
+        </p:nvSpPr>
+        <p:spPr/>
+        <p:txBody>
+          <a:bodyPr/>
+          <a:lstStyle/>
+          <a:p>
+            <a:r>
+              <a:rPr lang="en-BE" dirty="0"/>
+              <a:t>Great for auditing</a:t>
+            </a:r>
+          </a:p>
+          <a:p>
+            <a:r>
+              <a:rPr lang="en-BE" dirty="0"/>
+              <a:t>Storing information &amp; context that is incredibly valuable to the business</a:t>
+            </a:r>
+          </a:p>
+          <a:p>
+            <a:r>
+              <a:rPr lang="en-BE" dirty="0"/>
+              <a:t>Optimizing applications both on read &amp; write side</a:t>
+            </a:r>
+            <a:endParaRPr lang="en-US" dirty="0"/>
+          </a:p>
+        </p:txBody>
+      </p:sp>
+      <p:sp>
+        <p:nvSpPr>
+          <p:cNvPr id="4" name="Tijdelijke aanduiding voor datum 3">
+            <a:extLst>
+              <a:ext uri="{FF2B5EF4-FFF2-40B4-BE49-F238E27FC236}">
+                <a16:creationId xmlns:a16="http://schemas.microsoft.com/office/drawing/2014/main" id="{F09A9490-2D7E-B3AA-0133-0777B6F62D5A}"/>
+              </a:ext>
+            </a:extLst>
+          </p:cNvPr>
+          <p:cNvSpPr>
+            <a:spLocks noGrp="1"/>
+          </p:cNvSpPr>
+          <p:nvPr>
+            <p:ph type="dt" sz="half" idx="10"/>
+          </p:nvPr>
+        </p:nvSpPr>
+        <p:spPr/>
+        <p:txBody>
+          <a:bodyPr/>
+          <a:lstStyle/>
+          <a:p>
+            <a:fld id="{EEE34FF5-3B64-40E8-96CF-68791D7CECD3}" type="datetime1">
+              <a:rPr lang="nl-BE" smtClean="0"/>
+              <a:t>14/06/2022</a:t>
+            </a:fld>
+            <a:endParaRPr lang="en-US"/>
+          </a:p>
+        </p:txBody>
+      </p:sp>
+      <p:sp>
+        <p:nvSpPr>
+          <p:cNvPr id="5" name="Tijdelijke aanduiding voor voettekst 4">
+            <a:extLst>
+              <a:ext uri="{FF2B5EF4-FFF2-40B4-BE49-F238E27FC236}">
+                <a16:creationId xmlns:a16="http://schemas.microsoft.com/office/drawing/2014/main" id="{F422CD8D-029E-A592-A6A7-988A939BD8D6}"/>
+              </a:ext>
+            </a:extLst>
+          </p:cNvPr>
+          <p:cNvSpPr>
+            <a:spLocks noGrp="1"/>
+          </p:cNvSpPr>
+          <p:nvPr>
+            <p:ph type="ftr" sz="quarter" idx="11"/>
+          </p:nvPr>
+        </p:nvSpPr>
+        <p:spPr/>
+        <p:txBody>
+          <a:bodyPr/>
+          <a:lstStyle/>
+          <a:p>
+            <a:r>
+              <a:rPr lang="en-US" dirty="0"/>
+              <a:t>T</a:t>
+            </a:r>
+            <a:r>
+              <a:rPr lang="en-BE" dirty="0" err="1"/>
+              <a:t>hijs</a:t>
+            </a:r>
+            <a:r>
+              <a:rPr lang="en-BE" dirty="0"/>
+              <a:t> </a:t>
+            </a:r>
+            <a:r>
+              <a:rPr lang="en-BE" dirty="0" err="1"/>
+              <a:t>cornelis</a:t>
+            </a:r>
+            <a:r>
+              <a:rPr lang="en-BE" dirty="0"/>
+              <a:t> @ </a:t>
+            </a:r>
+            <a:r>
+              <a:rPr lang="en-US" dirty="0"/>
+              <a:t>AllPhi </a:t>
+            </a:r>
+          </a:p>
+        </p:txBody>
+      </p:sp>
+      <p:sp>
+        <p:nvSpPr>
+          <p:cNvPr id="6" name="Tijdelijke aanduiding voor dianummer 5">
+            <a:extLst>
+              <a:ext uri="{FF2B5EF4-FFF2-40B4-BE49-F238E27FC236}">
+                <a16:creationId xmlns:a16="http://schemas.microsoft.com/office/drawing/2014/main" id="{988B9C67-600B-921C-9203-DB9DAE85EDFE}"/>
+              </a:ext>
+            </a:extLst>
+          </p:cNvPr>
+          <p:cNvSpPr>
+            <a:spLocks noGrp="1"/>
+          </p:cNvSpPr>
+          <p:nvPr>
+            <p:ph type="sldNum" sz="quarter" idx="12"/>
+          </p:nvPr>
+        </p:nvSpPr>
+        <p:spPr/>
+        <p:txBody>
+          <a:bodyPr/>
+          <a:lstStyle/>
+          <a:p>
+            <a:fld id="{6D22F896-40B5-4ADD-8801-0D06FADFA095}" type="slidenum">
+              <a:rPr lang="en-US" smtClean="0"/>
+              <a:t>9</a:t>
+            </a:fld>
+            <a:endParaRPr lang="en-US"/>
+          </a:p>
+        </p:txBody>
+      </p:sp>
+    </p:spTree>
+    <p:extLst>
+      <p:ext uri="{BB962C8B-B14F-4D97-AF65-F5344CB8AC3E}">
+        <p14:creationId xmlns:p14="http://schemas.microsoft.com/office/powerpoint/2010/main" val="1674284648"/>
       </p:ext>
     </p:extLst>
   </p:cSld>
@@ -16289,6 +19565,15 @@
 </file>
 
 <file path=customXml/item1.xml><?xml version="1.0" encoding="utf-8"?>
+<?mso-contentType ?>
+<FormTemplates xmlns="http://schemas.microsoft.com/sharepoint/v3/contenttype/forms">
+  <Display>DocumentLibraryForm</Display>
+  <Edit>DocumentLibraryForm</Edit>
+  <New>DocumentLibraryForm</New>
+</FormTemplates>
+</file>
+
+<file path=customXml/item2.xml><?xml version="1.0" encoding="utf-8"?>
 <ct:contentTypeSchema xmlns:ct="http://schemas.microsoft.com/office/2006/metadata/contentType" xmlns:ma="http://schemas.microsoft.com/office/2006/metadata/properties/metaAttributes" ct:_="" ma:_="" ma:contentTypeName="Document" ma:contentTypeID="0x010100B1EDA3959F5652479FD22C0F2500B83D" ma:contentTypeVersion="2" ma:contentTypeDescription="Een nieuw document maken." ma:contentTypeScope="" ma:versionID="00823072bdca4f4da5f1a997e8d1bfe0">
   <xsd:schema xmlns:xsd="http://www.w3.org/2001/XMLSchema" xmlns:xs="http://www.w3.org/2001/XMLSchema" xmlns:p="http://schemas.microsoft.com/office/2006/metadata/properties" xmlns:ns2="07de09e0-31b5-4a84-a978-2ff52100208d" targetNamespace="http://schemas.microsoft.com/office/2006/metadata/properties" ma:root="true" ma:fieldsID="8dd01308f2bed572c9f56babe742a133" ns2:_="">
     <xsd:import namespace="07de09e0-31b5-4a84-a978-2ff52100208d"/>
@@ -16420,15 +19705,6 @@
 </ct:contentTypeSchema>
 </file>
 
-<file path=customXml/item2.xml><?xml version="1.0" encoding="utf-8"?>
-<?mso-contentType ?>
-<FormTemplates xmlns="http://schemas.microsoft.com/sharepoint/v3/contenttype/forms">
-  <Display>DocumentLibraryForm</Display>
-  <Edit>DocumentLibraryForm</Edit>
-  <New>DocumentLibraryForm</New>
-</FormTemplates>
-</file>
-
 <file path=customXml/item3.xml><?xml version="1.0" encoding="utf-8"?>
 <p:properties xmlns:p="http://schemas.microsoft.com/office/2006/metadata/properties" xmlns:xsi="http://www.w3.org/2001/XMLSchema-instance" xmlns:pc="http://schemas.microsoft.com/office/infopath/2007/PartnerControls">
   <documentManagement/>
@@ -16436,6 +19712,14 @@
 </file>
 
 <file path=customXml/itemProps1.xml><?xml version="1.0" encoding="utf-8"?>
+<ds:datastoreItem xmlns:ds="http://schemas.openxmlformats.org/officeDocument/2006/customXml" ds:itemID="{3F8F8B93-04F2-491B-B723-DD6E087085B9}">
+  <ds:schemaRefs>
+    <ds:schemaRef ds:uri="http://schemas.microsoft.com/sharepoint/v3/contenttype/forms"/>
+  </ds:schemaRefs>
+</ds:datastoreItem>
+</file>
+
+<file path=customXml/itemProps2.xml><?xml version="1.0" encoding="utf-8"?>
 <ds:datastoreItem xmlns:ds="http://schemas.openxmlformats.org/officeDocument/2006/customXml" ds:itemID="{3B3B60D6-03D9-4989-8424-0648BFF872B0}">
   <ds:schemaRefs>
     <ds:schemaRef ds:uri="http://schemas.microsoft.com/office/2006/metadata/contentType"/>
@@ -16449,14 +19733,6 @@
     <ds:schemaRef ds:uri="http://purl.org/dc/elements/1.1/"/>
     <ds:schemaRef ds:uri="http://purl.org/dc/terms/"/>
     <ds:schemaRef ds:uri="http://schemas.microsoft.com/internal/obd"/>
-  </ds:schemaRefs>
-</ds:datastoreItem>
-</file>
-
-<file path=customXml/itemProps2.xml><?xml version="1.0" encoding="utf-8"?>
-<ds:datastoreItem xmlns:ds="http://schemas.openxmlformats.org/officeDocument/2006/customXml" ds:itemID="{3F8F8B93-04F2-491B-B723-DD6E087085B9}">
-  <ds:schemaRefs>
-    <ds:schemaRef ds:uri="http://schemas.microsoft.com/sharepoint/v3/contenttype/forms"/>
   </ds:schemaRefs>
 </ds:datastoreItem>
 </file>

--- a/docs/es-lightnig-talk.pptx
+++ b/docs/es-lightnig-talk.pptx
@@ -5,19 +5,19 @@
     <p:sldMasterId id="2147483648" r:id="rId4"/>
   </p:sldMasterIdLst>
   <p:notesMasterIdLst>
-    <p:notesMasterId r:id="rId22"/>
+    <p:notesMasterId r:id="rId20"/>
   </p:notesMasterIdLst>
   <p:handoutMasterIdLst>
-    <p:handoutMasterId r:id="rId23"/>
+    <p:handoutMasterId r:id="rId21"/>
   </p:handoutMasterIdLst>
   <p:sldIdLst>
     <p:sldId id="295" r:id="rId5"/>
     <p:sldId id="305" r:id="rId6"/>
     <p:sldId id="310" r:id="rId7"/>
     <p:sldId id="311" r:id="rId8"/>
-    <p:sldId id="297" r:id="rId9"/>
-    <p:sldId id="309" r:id="rId10"/>
-    <p:sldId id="306" r:id="rId11"/>
+    <p:sldId id="306" r:id="rId9"/>
+    <p:sldId id="297" r:id="rId10"/>
+    <p:sldId id="309" r:id="rId11"/>
     <p:sldId id="312" r:id="rId12"/>
     <p:sldId id="300" r:id="rId13"/>
     <p:sldId id="301" r:id="rId14"/>
@@ -26,8 +26,6 @@
     <p:sldId id="296" r:id="rId17"/>
     <p:sldId id="303" r:id="rId18"/>
     <p:sldId id="313" r:id="rId19"/>
-    <p:sldId id="307" r:id="rId20"/>
-    <p:sldId id="308" r:id="rId21"/>
   </p:sldIdLst>
   <p:sldSz cx="12192000" cy="6858000"/>
   <p:notesSz cx="6858000" cy="1123950"/>
@@ -760,7 +758,10 @@
               <a:rPr lang="en-US" dirty="0" err="1"/>
               <a:t>polsen</a:t>
             </a:r>
-            <a:endParaRPr lang="en-US" dirty="0"/>
+            <a:r>
+              <a:rPr lang="en-US" dirty="0"/>
+              <a:t>: DDD</a:t>
+            </a:r>
           </a:p>
           <a:p>
             <a:r>
@@ -1715,13 +1716,54 @@
           <a:p>
             <a:r>
               <a:rPr lang="en-US" dirty="0"/>
-              <a:t>The design of an event is crucial within an event sourced project. Because once an event has been written, it will exist forever.</a:t>
+              <a:t>The sum of the events = the current state. Order = order of writing</a:t>
             </a:r>
           </a:p>
           <a:p>
             <a:r>
               <a:rPr lang="en-US" dirty="0"/>
-              <a:t>An event needs to contain enough context to replay event</a:t>
+              <a:t>Replaying the events recreates the current state.</a:t>
+            </a:r>
+          </a:p>
+          <a:p>
+            <a:endParaRPr lang="en-US" dirty="0"/>
+          </a:p>
+          <a:p>
+            <a:r>
+              <a:rPr lang="en-US" dirty="0" err="1"/>
+              <a:t>Niet</a:t>
+            </a:r>
+            <a:r>
+              <a:rPr lang="en-US" dirty="0"/>
+              <a:t> state op </a:t>
+            </a:r>
+            <a:r>
+              <a:rPr lang="en-US" dirty="0" err="1"/>
+              <a:t>dit</a:t>
+            </a:r>
+            <a:r>
+              <a:rPr lang="en-US" dirty="0"/>
+              <a:t> moment, maar hoe we op </a:t>
+            </a:r>
+            <a:r>
+              <a:rPr lang="en-US" dirty="0" err="1"/>
+              <a:t>dit</a:t>
+            </a:r>
+            <a:r>
+              <a:rPr lang="en-US" dirty="0"/>
+              <a:t> moment </a:t>
+            </a:r>
+            <a:r>
+              <a:rPr lang="en-US" dirty="0" err="1"/>
+              <a:t>gekomen</a:t>
+            </a:r>
+            <a:r>
+              <a:rPr lang="en-US" dirty="0"/>
+              <a:t> </a:t>
+            </a:r>
+            <a:r>
+              <a:rPr lang="en-US" dirty="0" err="1"/>
+              <a:t>zijn</a:t>
             </a:r>
             <a:endParaRPr lang="en-BE" dirty="0"/>
           </a:p>
@@ -1772,7 +1814,7 @@
     </p:spTree>
     <p:extLst>
       <p:ext uri="{BB962C8B-B14F-4D97-AF65-F5344CB8AC3E}">
-        <p14:creationId xmlns:p14="http://schemas.microsoft.com/office/powerpoint/2010/main" val="3796550215"/>
+        <p14:creationId xmlns:p14="http://schemas.microsoft.com/office/powerpoint/2010/main" val="371690018"/>
       </p:ext>
     </p:extLst>
   </p:cSld>
@@ -1801,7 +1843,7 @@
       </p:grpSpPr>
       <p:sp>
         <p:nvSpPr>
-          <p:cNvPr id="2" name="Slide Image Placeholder 1"/>
+          <p:cNvPr id="2" name="Tijdelijke aanduiding voor dia-afbeelding 1"/>
           <p:cNvSpPr>
             <a:spLocks noGrp="1" noRot="1" noChangeAspect="1"/>
           </p:cNvSpPr>
@@ -1813,7 +1855,7 @@
       </p:sp>
       <p:sp>
         <p:nvSpPr>
-          <p:cNvPr id="3" name="Notes Placeholder 2"/>
+          <p:cNvPr id="3" name="Tijdelijke aanduiding voor notities 2"/>
           <p:cNvSpPr>
             <a:spLocks noGrp="1"/>
           </p:cNvSpPr>
@@ -1826,52 +1868,23 @@
           <a:bodyPr/>
           <a:lstStyle/>
           <a:p>
-            <a:pPr marL="0" marR="0" lvl="0" indent="0" algn="l" defTabSz="914400" rtl="0" eaLnBrk="1" fontAlgn="auto" latinLnBrk="0" hangingPunct="1">
-              <a:lnSpc>
-                <a:spcPct val="100000"/>
-              </a:lnSpc>
-              <a:spcBef>
-                <a:spcPts val="0"/>
-              </a:spcBef>
-              <a:spcAft>
-                <a:spcPts val="0"/>
-              </a:spcAft>
-              <a:buClrTx/>
-              <a:buSzTx/>
-              <a:buFontTx/>
-              <a:buNone/>
-              <a:tabLst/>
-              <a:defRPr/>
-            </a:pPr>
             <a:r>
               <a:rPr lang="en-US" dirty="0"/>
-              <a:t>An event can also represent </a:t>
-            </a:r>
-            <a:r>
-              <a:rPr lang="en-BE" dirty="0"/>
-              <a:t>something that a user tried to do</a:t>
-            </a:r>
+              <a:t>The design of an event is crucial within an event sourced project. Because once an event has been written, it will exist forever.</a:t>
+            </a:r>
+          </a:p>
+          <a:p>
             <a:r>
               <a:rPr lang="en-US" dirty="0"/>
-              <a:t> </a:t>
-            </a:r>
-            <a:r>
-              <a:rPr lang="en-BE" dirty="0"/>
-              <a:t>but failed</a:t>
-            </a:r>
-            <a:r>
-              <a:rPr lang="en-US" dirty="0"/>
-              <a:t>. It doesn’t necessarily have to alter the aggregate state.</a:t>
-            </a:r>
-          </a:p>
-          <a:p>
+              <a:t>An event needs to contain enough context to replay event</a:t>
+            </a:r>
             <a:endParaRPr lang="en-BE" dirty="0"/>
           </a:p>
         </p:txBody>
       </p:sp>
       <p:sp>
         <p:nvSpPr>
-          <p:cNvPr id="4" name="Footer Placeholder 3"/>
+          <p:cNvPr id="4" name="Tijdelijke aanduiding voor voettekst 3"/>
           <p:cNvSpPr>
             <a:spLocks noGrp="1"/>
           </p:cNvSpPr>
@@ -1890,7 +1903,7 @@
       </p:sp>
       <p:sp>
         <p:nvSpPr>
-          <p:cNvPr id="5" name="Slide Number Placeholder 4"/>
+          <p:cNvPr id="5" name="Tijdelijke aanduiding voor dianummer 4"/>
           <p:cNvSpPr>
             <a:spLocks noGrp="1"/>
           </p:cNvSpPr>
@@ -1914,7 +1927,7 @@
     </p:spTree>
     <p:extLst>
       <p:ext uri="{BB962C8B-B14F-4D97-AF65-F5344CB8AC3E}">
-        <p14:creationId xmlns:p14="http://schemas.microsoft.com/office/powerpoint/2010/main" val="3340804779"/>
+        <p14:creationId xmlns:p14="http://schemas.microsoft.com/office/powerpoint/2010/main" val="3796550215"/>
       </p:ext>
     </p:extLst>
   </p:cSld>
@@ -1943,7 +1956,7 @@
       </p:grpSpPr>
       <p:sp>
         <p:nvSpPr>
-          <p:cNvPr id="2" name="Tijdelijke aanduiding voor dia-afbeelding 1"/>
+          <p:cNvPr id="2" name="Slide Image Placeholder 1"/>
           <p:cNvSpPr>
             <a:spLocks noGrp="1" noRot="1" noChangeAspect="1"/>
           </p:cNvSpPr>
@@ -1955,7 +1968,7 @@
       </p:sp>
       <p:sp>
         <p:nvSpPr>
-          <p:cNvPr id="3" name="Tijdelijke aanduiding voor notities 2"/>
+          <p:cNvPr id="3" name="Notes Placeholder 2"/>
           <p:cNvSpPr>
             <a:spLocks noGrp="1"/>
           </p:cNvSpPr>
@@ -1968,23 +1981,52 @@
           <a:bodyPr/>
           <a:lstStyle/>
           <a:p>
+            <a:pPr marL="0" marR="0" lvl="0" indent="0" algn="l" defTabSz="914400" rtl="0" eaLnBrk="1" fontAlgn="auto" latinLnBrk="0" hangingPunct="1">
+              <a:lnSpc>
+                <a:spcPct val="100000"/>
+              </a:lnSpc>
+              <a:spcBef>
+                <a:spcPts val="0"/>
+              </a:spcBef>
+              <a:spcAft>
+                <a:spcPts val="0"/>
+              </a:spcAft>
+              <a:buClrTx/>
+              <a:buSzTx/>
+              <a:buFontTx/>
+              <a:buNone/>
+              <a:tabLst/>
+              <a:defRPr/>
+            </a:pPr>
             <a:r>
               <a:rPr lang="en-US" dirty="0"/>
-              <a:t>The sum of the events = the current state. Order = order of writing</a:t>
-            </a:r>
-          </a:p>
-          <a:p>
+              <a:t>An event can also represent </a:t>
+            </a:r>
+            <a:r>
+              <a:rPr lang="en-BE" dirty="0"/>
+              <a:t>something that a user tried to do</a:t>
+            </a:r>
             <a:r>
               <a:rPr lang="en-US" dirty="0"/>
-              <a:t>Replaying the events recreates the current state.</a:t>
-            </a:r>
+              <a:t> </a:t>
+            </a:r>
+            <a:r>
+              <a:rPr lang="en-BE" dirty="0"/>
+              <a:t>but failed</a:t>
+            </a:r>
+            <a:r>
+              <a:rPr lang="en-US" dirty="0"/>
+              <a:t>. It doesn’t necessarily have to alter the aggregate state.</a:t>
+            </a:r>
+          </a:p>
+          <a:p>
             <a:endParaRPr lang="en-BE" dirty="0"/>
           </a:p>
         </p:txBody>
       </p:sp>
       <p:sp>
         <p:nvSpPr>
-          <p:cNvPr id="4" name="Tijdelijke aanduiding voor voettekst 3"/>
+          <p:cNvPr id="4" name="Footer Placeholder 3"/>
           <p:cNvSpPr>
             <a:spLocks noGrp="1"/>
           </p:cNvSpPr>
@@ -2003,7 +2045,7 @@
       </p:sp>
       <p:sp>
         <p:nvSpPr>
-          <p:cNvPr id="5" name="Tijdelijke aanduiding voor dianummer 4"/>
+          <p:cNvPr id="5" name="Slide Number Placeholder 4"/>
           <p:cNvSpPr>
             <a:spLocks noGrp="1"/>
           </p:cNvSpPr>
@@ -2027,7 +2069,7 @@
     </p:spTree>
     <p:extLst>
       <p:ext uri="{BB962C8B-B14F-4D97-AF65-F5344CB8AC3E}">
-        <p14:creationId xmlns:p14="http://schemas.microsoft.com/office/powerpoint/2010/main" val="371690018"/>
+        <p14:creationId xmlns:p14="http://schemas.microsoft.com/office/powerpoint/2010/main" val="3340804779"/>
       </p:ext>
     </p:extLst>
   </p:cSld>
@@ -16475,422 +16517,16 @@
             </a:r>
             <a:endParaRPr lang="en-BE" dirty="0"/>
           </a:p>
+          <a:p>
+            <a:pPr algn="ctr"/>
+            <a:endParaRPr lang="en-BE" dirty="0"/>
+          </a:p>
         </p:txBody>
       </p:sp>
     </p:spTree>
     <p:extLst>
       <p:ext uri="{BB962C8B-B14F-4D97-AF65-F5344CB8AC3E}">
         <p14:creationId xmlns:p14="http://schemas.microsoft.com/office/powerpoint/2010/main" val="685380422"/>
-      </p:ext>
-    </p:extLst>
-  </p:cSld>
-  <p:clrMapOvr>
-    <a:masterClrMapping/>
-  </p:clrMapOvr>
-</p:sld>
-</file>
-
-<file path=ppt/slides/slide16.xml><?xml version="1.0" encoding="utf-8"?>
-<p:sld xmlns:a="http://schemas.openxmlformats.org/drawingml/2006/main" xmlns:r="http://schemas.openxmlformats.org/officeDocument/2006/relationships" xmlns:p="http://schemas.openxmlformats.org/presentationml/2006/main">
-  <p:cSld>
-    <p:spTree>
-      <p:nvGrpSpPr>
-        <p:cNvPr id="1" name=""/>
-        <p:cNvGrpSpPr/>
-        <p:nvPr/>
-      </p:nvGrpSpPr>
-      <p:grpSpPr>
-        <a:xfrm>
-          <a:off x="0" y="0"/>
-          <a:ext cx="0" cy="0"/>
-          <a:chOff x="0" y="0"/>
-          <a:chExt cx="0" cy="0"/>
-        </a:xfrm>
-      </p:grpSpPr>
-      <p:sp>
-        <p:nvSpPr>
-          <p:cNvPr id="2" name="Titel 1">
-            <a:extLst>
-              <a:ext uri="{FF2B5EF4-FFF2-40B4-BE49-F238E27FC236}">
-                <a16:creationId xmlns:a16="http://schemas.microsoft.com/office/drawing/2014/main" id="{00909081-8E65-D408-D12E-CC011EA29021}"/>
-              </a:ext>
-            </a:extLst>
-          </p:cNvPr>
-          <p:cNvSpPr>
-            <a:spLocks noGrp="1"/>
-          </p:cNvSpPr>
-          <p:nvPr>
-            <p:ph type="title"/>
-          </p:nvPr>
-        </p:nvSpPr>
-        <p:spPr/>
-        <p:txBody>
-          <a:bodyPr/>
-          <a:lstStyle/>
-          <a:p>
-            <a:r>
-              <a:rPr lang="nl-BE" dirty="0" err="1"/>
-              <a:t>Lightning</a:t>
-            </a:r>
-            <a:r>
-              <a:rPr lang="nl-BE" dirty="0"/>
-              <a:t> </a:t>
-            </a:r>
-            <a:r>
-              <a:rPr lang="nl-BE" dirty="0" err="1"/>
-              <a:t>Talks</a:t>
-            </a:r>
-            <a:r>
-              <a:rPr lang="nl-BE" dirty="0"/>
-              <a:t> – CEO Edition 2</a:t>
-            </a:r>
-          </a:p>
-        </p:txBody>
-      </p:sp>
-      <p:sp>
-        <p:nvSpPr>
-          <p:cNvPr id="3" name="Tijdelijke aanduiding voor inhoud 2">
-            <a:extLst>
-              <a:ext uri="{FF2B5EF4-FFF2-40B4-BE49-F238E27FC236}">
-                <a16:creationId xmlns:a16="http://schemas.microsoft.com/office/drawing/2014/main" id="{49B54B0C-7F5A-E686-F088-9D41EEE8E15D}"/>
-              </a:ext>
-            </a:extLst>
-          </p:cNvPr>
-          <p:cNvSpPr>
-            <a:spLocks noGrp="1"/>
-          </p:cNvSpPr>
-          <p:nvPr>
-            <p:ph idx="1"/>
-          </p:nvPr>
-        </p:nvSpPr>
-        <p:spPr/>
-        <p:txBody>
-          <a:bodyPr/>
-          <a:lstStyle/>
-          <a:p>
-            <a:r>
-              <a:rPr lang="nl-BE" dirty="0"/>
-              <a:t>Save </a:t>
-            </a:r>
-            <a:r>
-              <a:rPr lang="nl-BE" dirty="0" err="1"/>
-              <a:t>the</a:t>
-            </a:r>
-            <a:r>
-              <a:rPr lang="nl-BE" dirty="0"/>
-              <a:t> date: 18/10/2022</a:t>
-            </a:r>
-          </a:p>
-          <a:p>
-            <a:r>
-              <a:rPr lang="nl-BE" dirty="0" err="1"/>
-              <a:t>Location</a:t>
-            </a:r>
-            <a:r>
-              <a:rPr lang="nl-BE" dirty="0"/>
-              <a:t>: TBD</a:t>
-            </a:r>
-          </a:p>
-          <a:p>
-            <a:r>
-              <a:rPr lang="nl-BE" dirty="0" err="1"/>
-              <a:t>Talks</a:t>
-            </a:r>
-            <a:r>
-              <a:rPr lang="nl-BE" dirty="0"/>
-              <a:t>:</a:t>
-            </a:r>
-          </a:p>
-          <a:p>
-            <a:pPr lvl="1"/>
-            <a:r>
-              <a:rPr lang="nl-BE" dirty="0"/>
-              <a:t>Stijn Dhondt: </a:t>
-            </a:r>
-            <a:r>
-              <a:rPr lang="nl-NL" dirty="0"/>
-              <a:t>Het maken van een low code front-end ervaring in Angular 2+</a:t>
-            </a:r>
-          </a:p>
-          <a:p>
-            <a:pPr lvl="1"/>
-            <a:r>
-              <a:rPr lang="nl-NL" dirty="0"/>
-              <a:t>TBD</a:t>
-            </a:r>
-          </a:p>
-          <a:p>
-            <a:pPr lvl="1"/>
-            <a:r>
-              <a:rPr lang="nl-NL" dirty="0"/>
-              <a:t>TBD</a:t>
-            </a:r>
-          </a:p>
-          <a:p>
-            <a:pPr lvl="1"/>
-            <a:r>
-              <a:rPr lang="nl-NL" dirty="0"/>
-              <a:t>TBD</a:t>
-            </a:r>
-            <a:endParaRPr lang="nl-BE" dirty="0"/>
-          </a:p>
-        </p:txBody>
-      </p:sp>
-      <p:sp>
-        <p:nvSpPr>
-          <p:cNvPr id="4" name="Tijdelijke aanduiding voor datum 3">
-            <a:extLst>
-              <a:ext uri="{FF2B5EF4-FFF2-40B4-BE49-F238E27FC236}">
-                <a16:creationId xmlns:a16="http://schemas.microsoft.com/office/drawing/2014/main" id="{CAE70EA1-3829-91FD-E984-6BC7ED4BFE6E}"/>
-              </a:ext>
-            </a:extLst>
-          </p:cNvPr>
-          <p:cNvSpPr>
-            <a:spLocks noGrp="1"/>
-          </p:cNvSpPr>
-          <p:nvPr>
-            <p:ph type="dt" sz="half" idx="10"/>
-          </p:nvPr>
-        </p:nvSpPr>
-        <p:spPr/>
-        <p:txBody>
-          <a:bodyPr/>
-          <a:lstStyle/>
-          <a:p>
-            <a:fld id="{EEE34FF5-3B64-40E8-96CF-68791D7CECD3}" type="datetime1">
-              <a:rPr lang="nl-BE" smtClean="0"/>
-              <a:t>14/06/2022</a:t>
-            </a:fld>
-            <a:endParaRPr lang="en-US"/>
-          </a:p>
-        </p:txBody>
-      </p:sp>
-      <p:sp>
-        <p:nvSpPr>
-          <p:cNvPr id="5" name="Tijdelijke aanduiding voor voettekst 4">
-            <a:extLst>
-              <a:ext uri="{FF2B5EF4-FFF2-40B4-BE49-F238E27FC236}">
-                <a16:creationId xmlns:a16="http://schemas.microsoft.com/office/drawing/2014/main" id="{5DF52E89-6788-AA17-DBBB-34309B6A67B0}"/>
-              </a:ext>
-            </a:extLst>
-          </p:cNvPr>
-          <p:cNvSpPr>
-            <a:spLocks noGrp="1"/>
-          </p:cNvSpPr>
-          <p:nvPr>
-            <p:ph type="ftr" sz="quarter" idx="11"/>
-          </p:nvPr>
-        </p:nvSpPr>
-        <p:spPr/>
-        <p:txBody>
-          <a:bodyPr/>
-          <a:lstStyle/>
-          <a:p>
-            <a:r>
-              <a:rPr lang="en-US"/>
-              <a:t>AllPhi </a:t>
-            </a:r>
-          </a:p>
-        </p:txBody>
-      </p:sp>
-      <p:sp>
-        <p:nvSpPr>
-          <p:cNvPr id="6" name="Tijdelijke aanduiding voor dianummer 5">
-            <a:extLst>
-              <a:ext uri="{FF2B5EF4-FFF2-40B4-BE49-F238E27FC236}">
-                <a16:creationId xmlns:a16="http://schemas.microsoft.com/office/drawing/2014/main" id="{7461D167-C362-3A50-5C9A-11BA5A017589}"/>
-              </a:ext>
-            </a:extLst>
-          </p:cNvPr>
-          <p:cNvSpPr>
-            <a:spLocks noGrp="1"/>
-          </p:cNvSpPr>
-          <p:nvPr>
-            <p:ph type="sldNum" sz="quarter" idx="12"/>
-          </p:nvPr>
-        </p:nvSpPr>
-        <p:spPr/>
-        <p:txBody>
-          <a:bodyPr/>
-          <a:lstStyle/>
-          <a:p>
-            <a:fld id="{6D22F896-40B5-4ADD-8801-0D06FADFA095}" type="slidenum">
-              <a:rPr lang="en-US" smtClean="0"/>
-              <a:t>16</a:t>
-            </a:fld>
-            <a:endParaRPr lang="en-US"/>
-          </a:p>
-        </p:txBody>
-      </p:sp>
-    </p:spTree>
-    <p:extLst>
-      <p:ext uri="{BB962C8B-B14F-4D97-AF65-F5344CB8AC3E}">
-        <p14:creationId xmlns:p14="http://schemas.microsoft.com/office/powerpoint/2010/main" val="1466395875"/>
-      </p:ext>
-    </p:extLst>
-  </p:cSld>
-  <p:clrMapOvr>
-    <a:masterClrMapping/>
-  </p:clrMapOvr>
-</p:sld>
-</file>
-
-<file path=ppt/slides/slide17.xml><?xml version="1.0" encoding="utf-8"?>
-<p:sld xmlns:a="http://schemas.openxmlformats.org/drawingml/2006/main" xmlns:r="http://schemas.openxmlformats.org/officeDocument/2006/relationships" xmlns:p="http://schemas.openxmlformats.org/presentationml/2006/main">
-  <p:cSld>
-    <p:spTree>
-      <p:nvGrpSpPr>
-        <p:cNvPr id="1" name=""/>
-        <p:cNvGrpSpPr/>
-        <p:nvPr/>
-      </p:nvGrpSpPr>
-      <p:grpSpPr>
-        <a:xfrm>
-          <a:off x="0" y="0"/>
-          <a:ext cx="0" cy="0"/>
-          <a:chOff x="0" y="0"/>
-          <a:chExt cx="0" cy="0"/>
-        </a:xfrm>
-      </p:grpSpPr>
-      <p:sp>
-        <p:nvSpPr>
-          <p:cNvPr id="2" name="Titel 1">
-            <a:extLst>
-              <a:ext uri="{FF2B5EF4-FFF2-40B4-BE49-F238E27FC236}">
-                <a16:creationId xmlns:a16="http://schemas.microsoft.com/office/drawing/2014/main" id="{99B50351-3D41-F3FC-4C7B-8D77B30B650F}"/>
-              </a:ext>
-            </a:extLst>
-          </p:cNvPr>
-          <p:cNvSpPr>
-            <a:spLocks noGrp="1"/>
-          </p:cNvSpPr>
-          <p:nvPr>
-            <p:ph type="title"/>
-          </p:nvPr>
-        </p:nvSpPr>
-        <p:spPr/>
-        <p:txBody>
-          <a:bodyPr/>
-          <a:lstStyle/>
-          <a:p>
-            <a:pPr algn="ctr"/>
-            <a:r>
-              <a:rPr lang="nl-BE" dirty="0" err="1"/>
-              <a:t>Thanks</a:t>
-            </a:r>
-            <a:r>
-              <a:rPr lang="nl-BE" dirty="0"/>
-              <a:t> </a:t>
-            </a:r>
-            <a:r>
-              <a:rPr lang="nl-BE" dirty="0" err="1"/>
-              <a:t>for</a:t>
-            </a:r>
-            <a:r>
-              <a:rPr lang="nl-BE" dirty="0"/>
-              <a:t> </a:t>
-            </a:r>
-            <a:r>
-              <a:rPr lang="nl-BE" dirty="0" err="1"/>
-              <a:t>listening</a:t>
-            </a:r>
-            <a:r>
-              <a:rPr lang="nl-BE" dirty="0"/>
-              <a:t>!</a:t>
-            </a:r>
-          </a:p>
-        </p:txBody>
-      </p:sp>
-      <p:sp>
-        <p:nvSpPr>
-          <p:cNvPr id="4" name="Tijdelijke aanduiding voor datum 3">
-            <a:extLst>
-              <a:ext uri="{FF2B5EF4-FFF2-40B4-BE49-F238E27FC236}">
-                <a16:creationId xmlns:a16="http://schemas.microsoft.com/office/drawing/2014/main" id="{D3A382E5-5360-C396-A26F-1035FE411940}"/>
-              </a:ext>
-            </a:extLst>
-          </p:cNvPr>
-          <p:cNvSpPr>
-            <a:spLocks noGrp="1"/>
-          </p:cNvSpPr>
-          <p:nvPr>
-            <p:ph type="dt" sz="half" idx="10"/>
-          </p:nvPr>
-        </p:nvSpPr>
-        <p:spPr/>
-        <p:txBody>
-          <a:bodyPr/>
-          <a:lstStyle/>
-          <a:p>
-            <a:fld id="{75F594F8-2968-46F8-8D96-CAB521B221CD}" type="datetime1">
-              <a:rPr lang="nl-BE" smtClean="0"/>
-              <a:t>14/06/2022</a:t>
-            </a:fld>
-            <a:endParaRPr lang="en-US"/>
-          </a:p>
-        </p:txBody>
-      </p:sp>
-      <p:sp>
-        <p:nvSpPr>
-          <p:cNvPr id="5" name="Tijdelijke aanduiding voor voettekst 4">
-            <a:extLst>
-              <a:ext uri="{FF2B5EF4-FFF2-40B4-BE49-F238E27FC236}">
-                <a16:creationId xmlns:a16="http://schemas.microsoft.com/office/drawing/2014/main" id="{7754F19C-BD87-F854-5938-4C193F0208E2}"/>
-              </a:ext>
-            </a:extLst>
-          </p:cNvPr>
-          <p:cNvSpPr>
-            <a:spLocks noGrp="1"/>
-          </p:cNvSpPr>
-          <p:nvPr>
-            <p:ph type="ftr" sz="quarter" idx="11"/>
-          </p:nvPr>
-        </p:nvSpPr>
-        <p:spPr/>
-        <p:txBody>
-          <a:bodyPr/>
-          <a:lstStyle/>
-          <a:p>
-            <a:r>
-              <a:rPr lang="en-US"/>
-              <a:t>AllPhi </a:t>
-            </a:r>
-          </a:p>
-        </p:txBody>
-      </p:sp>
-      <p:sp>
-        <p:nvSpPr>
-          <p:cNvPr id="6" name="Tijdelijke aanduiding voor dianummer 5">
-            <a:extLst>
-              <a:ext uri="{FF2B5EF4-FFF2-40B4-BE49-F238E27FC236}">
-                <a16:creationId xmlns:a16="http://schemas.microsoft.com/office/drawing/2014/main" id="{683664BC-0BDC-70D7-803B-3FAFD1B787A8}"/>
-              </a:ext>
-            </a:extLst>
-          </p:cNvPr>
-          <p:cNvSpPr>
-            <a:spLocks noGrp="1"/>
-          </p:cNvSpPr>
-          <p:nvPr>
-            <p:ph type="sldNum" sz="quarter" idx="12"/>
-          </p:nvPr>
-        </p:nvSpPr>
-        <p:spPr/>
-        <p:txBody>
-          <a:bodyPr/>
-          <a:lstStyle/>
-          <a:p>
-            <a:fld id="{6D22F896-40B5-4ADD-8801-0D06FADFA095}" type="slidenum">
-              <a:rPr lang="en-US" smtClean="0"/>
-              <a:t>17</a:t>
-            </a:fld>
-            <a:endParaRPr lang="en-US"/>
-          </a:p>
-        </p:txBody>
-      </p:sp>
-    </p:spTree>
-    <p:extLst>
-      <p:ext uri="{BB962C8B-B14F-4D97-AF65-F5344CB8AC3E}">
-        <p14:creationId xmlns:p14="http://schemas.microsoft.com/office/powerpoint/2010/main" val="4261183598"/>
       </p:ext>
     </p:extLst>
   </p:cSld>
@@ -17556,13 +17192,8 @@
             </a:r>
             <a:r>
               <a:rPr lang="en-BE" dirty="0"/>
-              <a:t>hat</a:t>
-            </a:r>
-            <a:r>
-              <a:rPr lang="en-US" dirty="0"/>
-              <a:t>?</a:t>
-            </a:r>
-            <a:endParaRPr lang="en-BE" dirty="0"/>
+              <a:t>hat?</a:t>
+            </a:r>
           </a:p>
         </p:txBody>
       </p:sp>
@@ -17584,7 +17215,7 @@
         </p:nvSpPr>
         <p:spPr>
           <a:xfrm>
-            <a:off x="1150656" y="2097088"/>
+            <a:off x="1150656" y="1722411"/>
             <a:ext cx="9905999" cy="3541714"/>
           </a:xfrm>
         </p:spPr>
@@ -17593,23 +17224,18 @@
           <a:lstStyle/>
           <a:p>
             <a:r>
+              <a:rPr lang="en-US" dirty="0"/>
+              <a:t>An </a:t>
+            </a:r>
+            <a:r>
               <a:rPr lang="en-BE" dirty="0"/>
-              <a:t>An event</a:t>
-            </a:r>
-            <a:r>
-              <a:rPr lang="en-US" b="0" i="0" dirty="0">
-                <a:effectLst/>
-                <a:latin typeface="Museo Sans"/>
-              </a:rPr>
-              <a:t> </a:t>
+              <a:t>aggregate’s</a:t>
             </a:r>
             <a:r>
               <a:rPr lang="en-US" dirty="0"/>
-              <a:t>represents a fact that took place within your application</a:t>
-            </a:r>
-            <a:endParaRPr lang="en-BE" dirty="0">
-              <a:latin typeface="Museo Sans"/>
-            </a:endParaRPr>
+              <a:t> current state can be created by replaying all the events in order of occurrence.</a:t>
+            </a:r>
+            <a:endParaRPr lang="en-BE" dirty="0"/>
           </a:p>
         </p:txBody>
       </p:sp>
@@ -17658,12 +17284,7 @@
             <p:ph type="ftr" sz="quarter" idx="11"/>
           </p:nvPr>
         </p:nvSpPr>
-        <p:spPr>
-          <a:xfrm>
-            <a:off x="1182723" y="6472403"/>
-            <a:ext cx="6239309" cy="365125"/>
-          </a:xfrm>
-        </p:spPr>
+        <p:spPr/>
         <p:txBody>
           <a:bodyPr/>
           <a:lstStyle/>
@@ -17719,6 +17340,261 @@
             <a:fld id="{6D22F896-40B5-4ADD-8801-0D06FADFA095}" type="slidenum">
               <a:rPr lang="en-US" smtClean="0"/>
               <a:t>5</a:t>
+            </a:fld>
+            <a:endParaRPr lang="en-US"/>
+          </a:p>
+        </p:txBody>
+      </p:sp>
+      <p:pic>
+        <p:nvPicPr>
+          <p:cNvPr id="7" name="Picture 6">
+            <a:extLst>
+              <a:ext uri="{FF2B5EF4-FFF2-40B4-BE49-F238E27FC236}">
+                <a16:creationId xmlns:a16="http://schemas.microsoft.com/office/drawing/2014/main" id="{601E7A32-78D3-B4AA-D5AD-3F7D9187F7CF}"/>
+              </a:ext>
+            </a:extLst>
+          </p:cNvPr>
+          <p:cNvPicPr>
+            <a:picLocks noChangeAspect="1"/>
+          </p:cNvPicPr>
+          <p:nvPr/>
+        </p:nvPicPr>
+        <p:blipFill>
+          <a:blip r:embed="rId3"/>
+          <a:stretch>
+            <a:fillRect/>
+          </a:stretch>
+        </p:blipFill>
+        <p:spPr>
+          <a:xfrm>
+            <a:off x="1150656" y="3713924"/>
+            <a:ext cx="9915525" cy="1152525"/>
+          </a:xfrm>
+          <a:prstGeom prst="rect">
+            <a:avLst/>
+          </a:prstGeom>
+        </p:spPr>
+      </p:pic>
+    </p:spTree>
+    <p:extLst>
+      <p:ext uri="{BB962C8B-B14F-4D97-AF65-F5344CB8AC3E}">
+        <p14:creationId xmlns:p14="http://schemas.microsoft.com/office/powerpoint/2010/main" val="1386813042"/>
+      </p:ext>
+    </p:extLst>
+  </p:cSld>
+  <p:clrMapOvr>
+    <a:masterClrMapping/>
+  </p:clrMapOvr>
+</p:sld>
+</file>
+
+<file path=ppt/slides/slide6.xml><?xml version="1.0" encoding="utf-8"?>
+<p:sld xmlns:a="http://schemas.openxmlformats.org/drawingml/2006/main" xmlns:r="http://schemas.openxmlformats.org/officeDocument/2006/relationships" xmlns:p="http://schemas.openxmlformats.org/presentationml/2006/main">
+  <p:cSld>
+    <p:spTree>
+      <p:nvGrpSpPr>
+        <p:cNvPr id="1" name=""/>
+        <p:cNvGrpSpPr/>
+        <p:nvPr/>
+      </p:nvGrpSpPr>
+      <p:grpSpPr>
+        <a:xfrm>
+          <a:off x="0" y="0"/>
+          <a:ext cx="0" cy="0"/>
+          <a:chOff x="0" y="0"/>
+          <a:chExt cx="0" cy="0"/>
+        </a:xfrm>
+      </p:grpSpPr>
+      <p:sp>
+        <p:nvSpPr>
+          <p:cNvPr id="2" name="Titel 1">
+            <a:extLst>
+              <a:ext uri="{FF2B5EF4-FFF2-40B4-BE49-F238E27FC236}">
+                <a16:creationId xmlns:a16="http://schemas.microsoft.com/office/drawing/2014/main" id="{C09ABC29-4D6F-4484-2654-2C46E484C5E0}"/>
+              </a:ext>
+            </a:extLst>
+          </p:cNvPr>
+          <p:cNvSpPr>
+            <a:spLocks noGrp="1"/>
+          </p:cNvSpPr>
+          <p:nvPr>
+            <p:ph type="title"/>
+          </p:nvPr>
+        </p:nvSpPr>
+        <p:spPr/>
+        <p:txBody>
+          <a:bodyPr/>
+          <a:lstStyle/>
+          <a:p>
+            <a:r>
+              <a:rPr lang="en-US" dirty="0"/>
+              <a:t>W</a:t>
+            </a:r>
+            <a:r>
+              <a:rPr lang="en-BE" dirty="0"/>
+              <a:t>hat</a:t>
+            </a:r>
+            <a:r>
+              <a:rPr lang="en-US" dirty="0"/>
+              <a:t>?</a:t>
+            </a:r>
+            <a:endParaRPr lang="en-BE" dirty="0"/>
+          </a:p>
+        </p:txBody>
+      </p:sp>
+      <p:sp>
+        <p:nvSpPr>
+          <p:cNvPr id="3" name="Tijdelijke aanduiding voor inhoud 2">
+            <a:extLst>
+              <a:ext uri="{FF2B5EF4-FFF2-40B4-BE49-F238E27FC236}">
+                <a16:creationId xmlns:a16="http://schemas.microsoft.com/office/drawing/2014/main" id="{6A42B61B-551C-1239-B68F-81D5F033512C}"/>
+              </a:ext>
+            </a:extLst>
+          </p:cNvPr>
+          <p:cNvSpPr>
+            <a:spLocks noGrp="1"/>
+          </p:cNvSpPr>
+          <p:nvPr>
+            <p:ph idx="1"/>
+          </p:nvPr>
+        </p:nvSpPr>
+        <p:spPr>
+          <a:xfrm>
+            <a:off x="1150656" y="2097088"/>
+            <a:ext cx="9905999" cy="3541714"/>
+          </a:xfrm>
+        </p:spPr>
+        <p:txBody>
+          <a:bodyPr/>
+          <a:lstStyle/>
+          <a:p>
+            <a:r>
+              <a:rPr lang="en-BE" dirty="0"/>
+              <a:t>An event</a:t>
+            </a:r>
+            <a:r>
+              <a:rPr lang="en-US" b="0" i="0" dirty="0">
+                <a:effectLst/>
+                <a:latin typeface="Museo Sans"/>
+              </a:rPr>
+              <a:t> </a:t>
+            </a:r>
+            <a:r>
+              <a:rPr lang="en-US" dirty="0"/>
+              <a:t>represents a fact that took place within your application</a:t>
+            </a:r>
+            <a:endParaRPr lang="en-BE" dirty="0">
+              <a:latin typeface="Museo Sans"/>
+            </a:endParaRPr>
+          </a:p>
+        </p:txBody>
+      </p:sp>
+      <p:sp>
+        <p:nvSpPr>
+          <p:cNvPr id="4" name="Tijdelijke aanduiding voor datum 3">
+            <a:extLst>
+              <a:ext uri="{FF2B5EF4-FFF2-40B4-BE49-F238E27FC236}">
+                <a16:creationId xmlns:a16="http://schemas.microsoft.com/office/drawing/2014/main" id="{6A75839F-2020-31F5-3FB7-861CD1E5F91A}"/>
+              </a:ext>
+            </a:extLst>
+          </p:cNvPr>
+          <p:cNvSpPr>
+            <a:spLocks noGrp="1"/>
+          </p:cNvSpPr>
+          <p:nvPr>
+            <p:ph type="dt" sz="half" idx="10"/>
+          </p:nvPr>
+        </p:nvSpPr>
+        <p:spPr/>
+        <p:txBody>
+          <a:bodyPr/>
+          <a:lstStyle/>
+          <a:p>
+            <a:fld id="{EEE34FF5-3B64-40E8-96CF-68791D7CECD3}" type="datetime1">
+              <a:rPr lang="nl-BE" smtClean="0"/>
+              <a:t>14/06/2022</a:t>
+            </a:fld>
+            <a:endParaRPr lang="en-US"/>
+          </a:p>
+        </p:txBody>
+      </p:sp>
+      <p:sp>
+        <p:nvSpPr>
+          <p:cNvPr id="5" name="Tijdelijke aanduiding voor voettekst 4">
+            <a:extLst>
+              <a:ext uri="{FF2B5EF4-FFF2-40B4-BE49-F238E27FC236}">
+                <a16:creationId xmlns:a16="http://schemas.microsoft.com/office/drawing/2014/main" id="{355C05DD-5E92-7B0B-C082-F81F2A82155E}"/>
+              </a:ext>
+            </a:extLst>
+          </p:cNvPr>
+          <p:cNvSpPr>
+            <a:spLocks noGrp="1"/>
+          </p:cNvSpPr>
+          <p:nvPr>
+            <p:ph type="ftr" sz="quarter" idx="11"/>
+          </p:nvPr>
+        </p:nvSpPr>
+        <p:spPr>
+          <a:xfrm>
+            <a:off x="1182723" y="6472403"/>
+            <a:ext cx="6239309" cy="365125"/>
+          </a:xfrm>
+        </p:spPr>
+        <p:txBody>
+          <a:bodyPr/>
+          <a:lstStyle/>
+          <a:p>
+            <a:r>
+              <a:rPr lang="en-US" dirty="0"/>
+              <a:t>T</a:t>
+            </a:r>
+            <a:r>
+              <a:rPr lang="en-BE" dirty="0" err="1"/>
+              <a:t>hijs</a:t>
+            </a:r>
+            <a:r>
+              <a:rPr lang="en-BE" dirty="0"/>
+              <a:t> </a:t>
+            </a:r>
+            <a:r>
+              <a:rPr lang="en-BE" dirty="0" err="1"/>
+              <a:t>cornelis</a:t>
+            </a:r>
+            <a:r>
+              <a:rPr lang="en-BE" dirty="0"/>
+              <a:t> @ </a:t>
+            </a:r>
+            <a:r>
+              <a:rPr lang="en-US" dirty="0"/>
+              <a:t>AllPhi </a:t>
+            </a:r>
+          </a:p>
+        </p:txBody>
+      </p:sp>
+      <p:sp>
+        <p:nvSpPr>
+          <p:cNvPr id="6" name="Tijdelijke aanduiding voor dianummer 5">
+            <a:extLst>
+              <a:ext uri="{FF2B5EF4-FFF2-40B4-BE49-F238E27FC236}">
+                <a16:creationId xmlns:a16="http://schemas.microsoft.com/office/drawing/2014/main" id="{3B2DEF75-2C9F-AEA0-7281-688AE770E7B0}"/>
+              </a:ext>
+            </a:extLst>
+          </p:cNvPr>
+          <p:cNvSpPr>
+            <a:spLocks noGrp="1"/>
+          </p:cNvSpPr>
+          <p:nvPr>
+            <p:ph type="sldNum" sz="quarter" idx="12"/>
+          </p:nvPr>
+        </p:nvSpPr>
+        <p:spPr/>
+        <p:txBody>
+          <a:bodyPr/>
+          <a:lstStyle/>
+          <a:p>
+            <a:fld id="{6D22F896-40B5-4ADD-8801-0D06FADFA095}" type="slidenum">
+              <a:rPr lang="en-US" smtClean="0"/>
+              <a:t>6</a:t>
             </a:fld>
             <a:endParaRPr lang="en-US"/>
           </a:p>
@@ -17858,7 +17734,7 @@
 </p:sld>
 </file>
 
-<file path=ppt/slides/slide6.xml><?xml version="1.0" encoding="utf-8"?>
+<file path=ppt/slides/slide7.xml><?xml version="1.0" encoding="utf-8"?>
 <p:sld xmlns:a="http://schemas.openxmlformats.org/drawingml/2006/main" xmlns:r="http://schemas.openxmlformats.org/officeDocument/2006/relationships" xmlns:p="http://schemas.openxmlformats.org/presentationml/2006/main">
   <p:cSld>
     <p:spTree>
@@ -18039,7 +17915,7 @@
           <a:p>
             <a:fld id="{6D22F896-40B5-4ADD-8801-0D06FADFA095}" type="slidenum">
               <a:rPr lang="en-US" smtClean="0"/>
-              <a:t>6</a:t>
+              <a:t>7</a:t>
             </a:fld>
             <a:endParaRPr lang="en-US"/>
           </a:p>
@@ -18079,246 +17955,6 @@
     <p:extLst>
       <p:ext uri="{BB962C8B-B14F-4D97-AF65-F5344CB8AC3E}">
         <p14:creationId xmlns:p14="http://schemas.microsoft.com/office/powerpoint/2010/main" val="1202014340"/>
-      </p:ext>
-    </p:extLst>
-  </p:cSld>
-  <p:clrMapOvr>
-    <a:masterClrMapping/>
-  </p:clrMapOvr>
-</p:sld>
-</file>
-
-<file path=ppt/slides/slide7.xml><?xml version="1.0" encoding="utf-8"?>
-<p:sld xmlns:a="http://schemas.openxmlformats.org/drawingml/2006/main" xmlns:r="http://schemas.openxmlformats.org/officeDocument/2006/relationships" xmlns:p="http://schemas.openxmlformats.org/presentationml/2006/main">
-  <p:cSld>
-    <p:spTree>
-      <p:nvGrpSpPr>
-        <p:cNvPr id="1" name=""/>
-        <p:cNvGrpSpPr/>
-        <p:nvPr/>
-      </p:nvGrpSpPr>
-      <p:grpSpPr>
-        <a:xfrm>
-          <a:off x="0" y="0"/>
-          <a:ext cx="0" cy="0"/>
-          <a:chOff x="0" y="0"/>
-          <a:chExt cx="0" cy="0"/>
-        </a:xfrm>
-      </p:grpSpPr>
-      <p:sp>
-        <p:nvSpPr>
-          <p:cNvPr id="2" name="Titel 1">
-            <a:extLst>
-              <a:ext uri="{FF2B5EF4-FFF2-40B4-BE49-F238E27FC236}">
-                <a16:creationId xmlns:a16="http://schemas.microsoft.com/office/drawing/2014/main" id="{C09ABC29-4D6F-4484-2654-2C46E484C5E0}"/>
-              </a:ext>
-            </a:extLst>
-          </p:cNvPr>
-          <p:cNvSpPr>
-            <a:spLocks noGrp="1"/>
-          </p:cNvSpPr>
-          <p:nvPr>
-            <p:ph type="title"/>
-          </p:nvPr>
-        </p:nvSpPr>
-        <p:spPr/>
-        <p:txBody>
-          <a:bodyPr/>
-          <a:lstStyle/>
-          <a:p>
-            <a:r>
-              <a:rPr lang="en-US" dirty="0"/>
-              <a:t>W</a:t>
-            </a:r>
-            <a:r>
-              <a:rPr lang="en-BE" dirty="0"/>
-              <a:t>hat?</a:t>
-            </a:r>
-          </a:p>
-        </p:txBody>
-      </p:sp>
-      <p:sp>
-        <p:nvSpPr>
-          <p:cNvPr id="3" name="Tijdelijke aanduiding voor inhoud 2">
-            <a:extLst>
-              <a:ext uri="{FF2B5EF4-FFF2-40B4-BE49-F238E27FC236}">
-                <a16:creationId xmlns:a16="http://schemas.microsoft.com/office/drawing/2014/main" id="{6A42B61B-551C-1239-B68F-81D5F033512C}"/>
-              </a:ext>
-            </a:extLst>
-          </p:cNvPr>
-          <p:cNvSpPr>
-            <a:spLocks noGrp="1"/>
-          </p:cNvSpPr>
-          <p:nvPr>
-            <p:ph idx="1"/>
-          </p:nvPr>
-        </p:nvSpPr>
-        <p:spPr>
-          <a:xfrm>
-            <a:off x="1150656" y="1722411"/>
-            <a:ext cx="9905999" cy="3541714"/>
-          </a:xfrm>
-        </p:spPr>
-        <p:txBody>
-          <a:bodyPr/>
-          <a:lstStyle/>
-          <a:p>
-            <a:r>
-              <a:rPr lang="en-US" dirty="0"/>
-              <a:t>An </a:t>
-            </a:r>
-            <a:r>
-              <a:rPr lang="en-BE" dirty="0"/>
-              <a:t>aggregate’s</a:t>
-            </a:r>
-            <a:r>
-              <a:rPr lang="en-US" dirty="0"/>
-              <a:t> current state can be created by replaying all the events in order of occurrence.</a:t>
-            </a:r>
-            <a:endParaRPr lang="en-BE" dirty="0"/>
-          </a:p>
-        </p:txBody>
-      </p:sp>
-      <p:sp>
-        <p:nvSpPr>
-          <p:cNvPr id="4" name="Tijdelijke aanduiding voor datum 3">
-            <a:extLst>
-              <a:ext uri="{FF2B5EF4-FFF2-40B4-BE49-F238E27FC236}">
-                <a16:creationId xmlns:a16="http://schemas.microsoft.com/office/drawing/2014/main" id="{6A75839F-2020-31F5-3FB7-861CD1E5F91A}"/>
-              </a:ext>
-            </a:extLst>
-          </p:cNvPr>
-          <p:cNvSpPr>
-            <a:spLocks noGrp="1"/>
-          </p:cNvSpPr>
-          <p:nvPr>
-            <p:ph type="dt" sz="half" idx="10"/>
-          </p:nvPr>
-        </p:nvSpPr>
-        <p:spPr/>
-        <p:txBody>
-          <a:bodyPr/>
-          <a:lstStyle/>
-          <a:p>
-            <a:fld id="{EEE34FF5-3B64-40E8-96CF-68791D7CECD3}" type="datetime1">
-              <a:rPr lang="nl-BE" smtClean="0"/>
-              <a:t>14/06/2022</a:t>
-            </a:fld>
-            <a:endParaRPr lang="en-US"/>
-          </a:p>
-        </p:txBody>
-      </p:sp>
-      <p:sp>
-        <p:nvSpPr>
-          <p:cNvPr id="5" name="Tijdelijke aanduiding voor voettekst 4">
-            <a:extLst>
-              <a:ext uri="{FF2B5EF4-FFF2-40B4-BE49-F238E27FC236}">
-                <a16:creationId xmlns:a16="http://schemas.microsoft.com/office/drawing/2014/main" id="{355C05DD-5E92-7B0B-C082-F81F2A82155E}"/>
-              </a:ext>
-            </a:extLst>
-          </p:cNvPr>
-          <p:cNvSpPr>
-            <a:spLocks noGrp="1"/>
-          </p:cNvSpPr>
-          <p:nvPr>
-            <p:ph type="ftr" sz="quarter" idx="11"/>
-          </p:nvPr>
-        </p:nvSpPr>
-        <p:spPr/>
-        <p:txBody>
-          <a:bodyPr/>
-          <a:lstStyle/>
-          <a:p>
-            <a:r>
-              <a:rPr lang="en-US" dirty="0"/>
-              <a:t>T</a:t>
-            </a:r>
-            <a:r>
-              <a:rPr lang="en-BE" dirty="0" err="1"/>
-              <a:t>hijs</a:t>
-            </a:r>
-            <a:r>
-              <a:rPr lang="en-BE" dirty="0"/>
-              <a:t> </a:t>
-            </a:r>
-            <a:r>
-              <a:rPr lang="en-BE" dirty="0" err="1"/>
-              <a:t>cornelis</a:t>
-            </a:r>
-            <a:r>
-              <a:rPr lang="en-BE" dirty="0"/>
-              <a:t> @ </a:t>
-            </a:r>
-            <a:r>
-              <a:rPr lang="en-US" dirty="0"/>
-              <a:t>AllPhi </a:t>
-            </a:r>
-          </a:p>
-        </p:txBody>
-      </p:sp>
-      <p:sp>
-        <p:nvSpPr>
-          <p:cNvPr id="6" name="Tijdelijke aanduiding voor dianummer 5">
-            <a:extLst>
-              <a:ext uri="{FF2B5EF4-FFF2-40B4-BE49-F238E27FC236}">
-                <a16:creationId xmlns:a16="http://schemas.microsoft.com/office/drawing/2014/main" id="{3B2DEF75-2C9F-AEA0-7281-688AE770E7B0}"/>
-              </a:ext>
-            </a:extLst>
-          </p:cNvPr>
-          <p:cNvSpPr>
-            <a:spLocks noGrp="1"/>
-          </p:cNvSpPr>
-          <p:nvPr>
-            <p:ph type="sldNum" sz="quarter" idx="12"/>
-          </p:nvPr>
-        </p:nvSpPr>
-        <p:spPr/>
-        <p:txBody>
-          <a:bodyPr/>
-          <a:lstStyle/>
-          <a:p>
-            <a:fld id="{6D22F896-40B5-4ADD-8801-0D06FADFA095}" type="slidenum">
-              <a:rPr lang="en-US" smtClean="0"/>
-              <a:t>7</a:t>
-            </a:fld>
-            <a:endParaRPr lang="en-US"/>
-          </a:p>
-        </p:txBody>
-      </p:sp>
-      <p:pic>
-        <p:nvPicPr>
-          <p:cNvPr id="7" name="Picture 6">
-            <a:extLst>
-              <a:ext uri="{FF2B5EF4-FFF2-40B4-BE49-F238E27FC236}">
-                <a16:creationId xmlns:a16="http://schemas.microsoft.com/office/drawing/2014/main" id="{601E7A32-78D3-B4AA-D5AD-3F7D9187F7CF}"/>
-              </a:ext>
-            </a:extLst>
-          </p:cNvPr>
-          <p:cNvPicPr>
-            <a:picLocks noChangeAspect="1"/>
-          </p:cNvPicPr>
-          <p:nvPr/>
-        </p:nvPicPr>
-        <p:blipFill>
-          <a:blip r:embed="rId3"/>
-          <a:stretch>
-            <a:fillRect/>
-          </a:stretch>
-        </p:blipFill>
-        <p:spPr>
-          <a:xfrm>
-            <a:off x="1150656" y="3713924"/>
-            <a:ext cx="9915525" cy="1152525"/>
-          </a:xfrm>
-          <a:prstGeom prst="rect">
-            <a:avLst/>
-          </a:prstGeom>
-        </p:spPr>
-      </p:pic>
-    </p:spTree>
-    <p:extLst>
-      <p:ext uri="{BB962C8B-B14F-4D97-AF65-F5344CB8AC3E}">
-        <p14:creationId xmlns:p14="http://schemas.microsoft.com/office/powerpoint/2010/main" val="1386813042"/>
       </p:ext>
     </p:extLst>
   </p:cSld>
